--- a/docs/Docker Workshop.de.pptx
+++ b/docs/Docker Workshop.de.pptx
@@ -246,7 +246,7 @@
           <a:p>
             <a:fld id="{42755817-096B-4D71-80A7-F1BD77409C8A}" type="datetimeFigureOut">
               <a:rPr lang="de-DE" smtClean="0"/>
-              <a:t>10.12.2020</a:t>
+              <a:t>11.12.2020</a:t>
             </a:fld>
             <a:endParaRPr lang="de-DE"/>
           </a:p>
@@ -416,7 +416,7 @@
           <a:p>
             <a:fld id="{42755817-096B-4D71-80A7-F1BD77409C8A}" type="datetimeFigureOut">
               <a:rPr lang="de-DE" smtClean="0"/>
-              <a:t>10.12.2020</a:t>
+              <a:t>11.12.2020</a:t>
             </a:fld>
             <a:endParaRPr lang="de-DE"/>
           </a:p>
@@ -596,7 +596,7 @@
           <a:p>
             <a:fld id="{42755817-096B-4D71-80A7-F1BD77409C8A}" type="datetimeFigureOut">
               <a:rPr lang="de-DE" smtClean="0"/>
-              <a:t>10.12.2020</a:t>
+              <a:t>11.12.2020</a:t>
             </a:fld>
             <a:endParaRPr lang="de-DE"/>
           </a:p>
@@ -766,7 +766,7 @@
           <a:p>
             <a:fld id="{42755817-096B-4D71-80A7-F1BD77409C8A}" type="datetimeFigureOut">
               <a:rPr lang="de-DE" smtClean="0"/>
-              <a:t>10.12.2020</a:t>
+              <a:t>11.12.2020</a:t>
             </a:fld>
             <a:endParaRPr lang="de-DE"/>
           </a:p>
@@ -1012,7 +1012,7 @@
           <a:p>
             <a:fld id="{42755817-096B-4D71-80A7-F1BD77409C8A}" type="datetimeFigureOut">
               <a:rPr lang="de-DE" smtClean="0"/>
-              <a:t>10.12.2020</a:t>
+              <a:t>11.12.2020</a:t>
             </a:fld>
             <a:endParaRPr lang="de-DE"/>
           </a:p>
@@ -1244,7 +1244,7 @@
           <a:p>
             <a:fld id="{42755817-096B-4D71-80A7-F1BD77409C8A}" type="datetimeFigureOut">
               <a:rPr lang="de-DE" smtClean="0"/>
-              <a:t>10.12.2020</a:t>
+              <a:t>11.12.2020</a:t>
             </a:fld>
             <a:endParaRPr lang="de-DE"/>
           </a:p>
@@ -1611,7 +1611,7 @@
           <a:p>
             <a:fld id="{42755817-096B-4D71-80A7-F1BD77409C8A}" type="datetimeFigureOut">
               <a:rPr lang="de-DE" smtClean="0"/>
-              <a:t>10.12.2020</a:t>
+              <a:t>11.12.2020</a:t>
             </a:fld>
             <a:endParaRPr lang="de-DE"/>
           </a:p>
@@ -1729,7 +1729,7 @@
           <a:p>
             <a:fld id="{42755817-096B-4D71-80A7-F1BD77409C8A}" type="datetimeFigureOut">
               <a:rPr lang="de-DE" smtClean="0"/>
-              <a:t>10.12.2020</a:t>
+              <a:t>11.12.2020</a:t>
             </a:fld>
             <a:endParaRPr lang="de-DE"/>
           </a:p>
@@ -1824,7 +1824,7 @@
           <a:p>
             <a:fld id="{42755817-096B-4D71-80A7-F1BD77409C8A}" type="datetimeFigureOut">
               <a:rPr lang="de-DE" smtClean="0"/>
-              <a:t>10.12.2020</a:t>
+              <a:t>11.12.2020</a:t>
             </a:fld>
             <a:endParaRPr lang="de-DE"/>
           </a:p>
@@ -2101,7 +2101,7 @@
           <a:p>
             <a:fld id="{42755817-096B-4D71-80A7-F1BD77409C8A}" type="datetimeFigureOut">
               <a:rPr lang="de-DE" smtClean="0"/>
-              <a:t>10.12.2020</a:t>
+              <a:t>11.12.2020</a:t>
             </a:fld>
             <a:endParaRPr lang="de-DE"/>
           </a:p>
@@ -2358,7 +2358,7 @@
           <a:p>
             <a:fld id="{42755817-096B-4D71-80A7-F1BD77409C8A}" type="datetimeFigureOut">
               <a:rPr lang="de-DE" smtClean="0"/>
-              <a:t>10.12.2020</a:t>
+              <a:t>11.12.2020</a:t>
             </a:fld>
             <a:endParaRPr lang="de-DE"/>
           </a:p>
@@ -2571,7 +2571,7 @@
           <a:p>
             <a:fld id="{42755817-096B-4D71-80A7-F1BD77409C8A}" type="datetimeFigureOut">
               <a:rPr lang="de-DE" smtClean="0"/>
-              <a:t>10.12.2020</a:t>
+              <a:t>11.12.2020</a:t>
             </a:fld>
             <a:endParaRPr lang="de-DE"/>
           </a:p>
@@ -3116,10 +3116,10 @@
       </p:sp>
       <p:sp>
         <p:nvSpPr>
-          <p:cNvPr id="3" name="Inhaltsplatzhalter 2">
+          <p:cNvPr id="6" name="Inhaltsplatzhalter 2">
             <a:extLst>
               <a:ext uri="{FF2B5EF4-FFF2-40B4-BE49-F238E27FC236}">
-                <a16:creationId xmlns:a16="http://schemas.microsoft.com/office/drawing/2014/main" id="{0A5E6262-E967-4ED3-9F3E-B7A9552D58C0}"/>
+                <a16:creationId xmlns:a16="http://schemas.microsoft.com/office/drawing/2014/main" id="{48B615B4-0B47-4847-8646-EDEA3A7CDC06}"/>
               </a:ext>
             </a:extLst>
           </p:cNvPr>
@@ -3130,10 +3130,15 @@
             <p:ph idx="1"/>
           </p:nvPr>
         </p:nvSpPr>
-        <p:spPr/>
+        <p:spPr>
+          <a:xfrm>
+            <a:off x="838200" y="1825625"/>
+            <a:ext cx="6886074" cy="4351338"/>
+          </a:xfrm>
+        </p:spPr>
         <p:txBody>
           <a:bodyPr>
-            <a:normAutofit fontScale="32500" lnSpcReduction="20000"/>
+            <a:normAutofit fontScale="62500" lnSpcReduction="20000"/>
           </a:bodyPr>
           <a:lstStyle/>
           <a:p>
@@ -3143,37 +3148,41 @@
             </a:r>
           </a:p>
           <a:p>
-            <a:pPr lvl="1"/>
+            <a:pPr marL="457200" lvl="1" indent="0">
+              <a:buNone/>
+            </a:pPr>
+            <a:r>
+              <a:rPr lang="de-DE" dirty="0">
+                <a:solidFill>
+                  <a:schemeClr val="accent4">
+                    <a:lumMod val="20000"/>
+                    <a:lumOff val="80000"/>
+                  </a:schemeClr>
+                </a:solidFill>
+              </a:rPr>
+              <a:t>Docker Engine, Container-Registry</a:t>
+            </a:r>
+          </a:p>
+          <a:p>
             <a:r>
               <a:rPr lang="de-DE" dirty="0"/>
-              <a:t>Docker Engine</a:t>
-            </a:r>
-          </a:p>
-          <a:p>
-            <a:pPr lvl="1"/>
-            <a:r>
-              <a:rPr lang="de-DE" dirty="0"/>
-              <a:t>Container-Registry</a:t>
-            </a:r>
-          </a:p>
-          <a:p>
-            <a:r>
-              <a:rPr lang="de-DE" dirty="0"/>
-              <a:t>Installation von Docker Desktop</a:t>
-            </a:r>
-          </a:p>
-          <a:p>
-            <a:pPr lvl="1"/>
-            <a:r>
-              <a:rPr lang="de-DE" dirty="0"/>
-              <a:t>Installation von Docker Desktop unter Windows</a:t>
-            </a:r>
-          </a:p>
-          <a:p>
-            <a:pPr lvl="1"/>
-            <a:r>
-              <a:rPr lang="de-DE" dirty="0"/>
-              <a:t>Vorbereitungen für die Verwendung von Linux Containern</a:t>
+              <a:t>Installation von Docker</a:t>
+            </a:r>
+          </a:p>
+          <a:p>
+            <a:pPr marL="457200" lvl="1" indent="0">
+              <a:buNone/>
+            </a:pPr>
+            <a:r>
+              <a:rPr lang="de-DE" dirty="0">
+                <a:solidFill>
+                  <a:schemeClr val="accent4">
+                    <a:lumMod val="20000"/>
+                    <a:lumOff val="80000"/>
+                  </a:schemeClr>
+                </a:solidFill>
+              </a:rPr>
+              <a:t>Docker Desktop, Vorbereitungen für Linux</a:t>
             </a:r>
           </a:p>
           <a:p>
@@ -3183,39 +3192,85 @@
             </a:r>
           </a:p>
           <a:p>
-            <a:pPr lvl="1"/>
-            <a:r>
-              <a:rPr lang="de-DE" dirty="0"/>
+            <a:pPr marL="457200" lvl="1" indent="0">
+              <a:buNone/>
+            </a:pPr>
+            <a:r>
+              <a:rPr lang="de-DE" dirty="0">
+                <a:solidFill>
+                  <a:schemeClr val="accent4">
+                    <a:lumMod val="20000"/>
+                    <a:lumOff val="80000"/>
+                  </a:schemeClr>
+                </a:solidFill>
+              </a:rPr>
               <a:t>Herunterladen und Ausführen eines Containers</a:t>
             </a:r>
           </a:p>
           <a:p>
-            <a:pPr lvl="1"/>
-            <a:r>
-              <a:rPr lang="de-DE" dirty="0"/>
-              <a:t>Zugriff auf den Container – Networking und Port-Mapping</a:t>
-            </a:r>
-          </a:p>
-          <a:p>
-            <a:pPr lvl="1"/>
-            <a:r>
-              <a:rPr lang="de-DE" dirty="0"/>
-              <a:t>Persistieren von Zuständen - Einbinden von Volumen</a:t>
-            </a:r>
-          </a:p>
-          <a:p>
-            <a:r>
-              <a:rPr lang="de-DE" dirty="0"/>
+            <a:pPr marL="457200" lvl="1" indent="0">
+              <a:buNone/>
+            </a:pPr>
+            <a:r>
+              <a:rPr lang="de-DE" dirty="0">
+                <a:solidFill>
+                  <a:schemeClr val="accent4">
+                    <a:lumMod val="20000"/>
+                    <a:lumOff val="80000"/>
+                  </a:schemeClr>
+                </a:solidFill>
+              </a:rPr>
+              <a:t>Networking, Port-Mapping, </a:t>
+            </a:r>
+            <a:r>
+              <a:rPr lang="de-DE" dirty="0" err="1">
+                <a:solidFill>
+                  <a:schemeClr val="accent4">
+                    <a:lumMod val="20000"/>
+                    <a:lumOff val="80000"/>
+                  </a:schemeClr>
+                </a:solidFill>
+              </a:rPr>
+              <a:t>Volumes</a:t>
+            </a:r>
+            <a:endParaRPr lang="de-DE" dirty="0">
+              <a:solidFill>
+                <a:schemeClr val="accent4">
+                  <a:lumMod val="20000"/>
+                  <a:lumOff val="80000"/>
+                </a:schemeClr>
+              </a:solidFill>
+            </a:endParaRPr>
+          </a:p>
+          <a:p>
+            <a:r>
+              <a:rPr lang="de-DE" sz="2900" dirty="0"/>
               <a:t>Nützliche Tools</a:t>
             </a:r>
           </a:p>
           <a:p>
-            <a:pPr lvl="1"/>
-            <a:r>
-              <a:rPr lang="de-DE" dirty="0" err="1"/>
+            <a:pPr marL="457200" lvl="1" indent="0">
+              <a:buNone/>
+            </a:pPr>
+            <a:r>
+              <a:rPr lang="de-DE" dirty="0" err="1">
+                <a:solidFill>
+                  <a:schemeClr val="accent4">
+                    <a:lumMod val="20000"/>
+                    <a:lumOff val="80000"/>
+                  </a:schemeClr>
+                </a:solidFill>
+              </a:rPr>
               <a:t>Portainer</a:t>
             </a:r>
-            <a:endParaRPr lang="de-DE" dirty="0"/>
+            <a:endParaRPr lang="de-DE" dirty="0">
+              <a:solidFill>
+                <a:schemeClr val="accent4">
+                  <a:lumMod val="20000"/>
+                  <a:lumOff val="80000"/>
+                </a:schemeClr>
+              </a:solidFill>
+            </a:endParaRPr>
           </a:p>
           <a:p>
             <a:r>
@@ -3224,58 +3279,63 @@
             </a:r>
           </a:p>
           <a:p>
-            <a:pPr lvl="1"/>
-            <a:r>
-              <a:rPr lang="de-DE" dirty="0"/>
-              <a:t>Konfiguration mittels </a:t>
-            </a:r>
-            <a:r>
-              <a:rPr lang="de-DE" dirty="0" err="1"/>
+            <a:pPr marL="457200" lvl="1" indent="0">
+              <a:buNone/>
+            </a:pPr>
+            <a:r>
+              <a:rPr lang="de-DE" dirty="0">
+                <a:solidFill>
+                  <a:schemeClr val="accent4">
+                    <a:lumMod val="20000"/>
+                    <a:lumOff val="80000"/>
+                  </a:schemeClr>
+                </a:solidFill>
+              </a:rPr>
+              <a:t>„</a:t>
+            </a:r>
+            <a:r>
+              <a:rPr lang="de-DE" dirty="0" err="1">
+                <a:solidFill>
+                  <a:schemeClr val="accent4">
+                    <a:lumMod val="20000"/>
+                    <a:lumOff val="80000"/>
+                  </a:schemeClr>
+                </a:solidFill>
+              </a:rPr>
+              <a:t>docker-compose</a:t>
+            </a:r>
+            <a:r>
+              <a:rPr lang="de-DE" dirty="0">
+                <a:solidFill>
+                  <a:schemeClr val="accent4">
+                    <a:lumMod val="20000"/>
+                    <a:lumOff val="80000"/>
+                  </a:schemeClr>
+                </a:solidFill>
+              </a:rPr>
+              <a:t>“ und </a:t>
+            </a:r>
+            <a:r>
+              <a:rPr lang="de-DE" dirty="0" err="1">
+                <a:solidFill>
+                  <a:schemeClr val="accent4">
+                    <a:lumMod val="20000"/>
+                    <a:lumOff val="80000"/>
+                  </a:schemeClr>
+                </a:solidFill>
+              </a:rPr>
               <a:t>yml</a:t>
             </a:r>
             <a:r>
-              <a:rPr lang="de-DE" dirty="0"/>
-              <a:t> und .</a:t>
-            </a:r>
-            <a:r>
-              <a:rPr lang="de-DE" dirty="0" err="1"/>
-              <a:t>env</a:t>
-            </a:r>
-            <a:endParaRPr lang="de-DE" dirty="0"/>
-          </a:p>
-          <a:p>
-            <a:pPr lvl="1"/>
-            <a:r>
-              <a:rPr lang="de-DE" dirty="0"/>
-              <a:t>Die Konfiguration über </a:t>
-            </a:r>
-            <a:r>
-              <a:rPr lang="de-DE" dirty="0" err="1"/>
-              <a:t>docker-compose.yml</a:t>
-            </a:r>
-            <a:r>
-              <a:rPr lang="de-DE" dirty="0"/>
-              <a:t> und Best </a:t>
-            </a:r>
-            <a:r>
-              <a:rPr lang="de-DE" dirty="0" err="1"/>
-              <a:t>Pracices</a:t>
-            </a:r>
-            <a:endParaRPr lang="de-DE" dirty="0"/>
-          </a:p>
-          <a:p>
-            <a:pPr lvl="1"/>
-            <a:r>
-              <a:rPr lang="de-DE" dirty="0"/>
-              <a:t>Der Befehl „</a:t>
-            </a:r>
-            <a:r>
-              <a:rPr lang="de-DE" dirty="0" err="1"/>
-              <a:t>docker-compose</a:t>
-            </a:r>
-            <a:r>
-              <a:rPr lang="de-DE" dirty="0"/>
-              <a:t>“</a:t>
+              <a:rPr lang="de-DE" dirty="0">
+                <a:solidFill>
+                  <a:schemeClr val="accent4">
+                    <a:lumMod val="20000"/>
+                    <a:lumOff val="80000"/>
+                  </a:schemeClr>
+                </a:solidFill>
+              </a:rPr>
+              <a:t>, Best Practices</a:t>
             </a:r>
           </a:p>
           <a:p>
@@ -3285,32 +3345,43 @@
             </a:r>
           </a:p>
           <a:p>
-            <a:pPr lvl="1"/>
-            <a:r>
-              <a:rPr lang="de-DE" dirty="0" err="1"/>
+            <a:pPr marL="457200" lvl="1" indent="0">
+              <a:buNone/>
+            </a:pPr>
+            <a:r>
+              <a:rPr lang="de-DE" dirty="0" err="1">
+                <a:solidFill>
+                  <a:schemeClr val="accent4">
+                    <a:lumMod val="20000"/>
+                    <a:lumOff val="80000"/>
+                  </a:schemeClr>
+                </a:solidFill>
+              </a:rPr>
               <a:t>Referenzimplementation</a:t>
             </a:r>
-            <a:endParaRPr lang="de-DE" dirty="0"/>
-          </a:p>
-          <a:p>
-            <a:pPr lvl="1"/>
-            <a:r>
-              <a:rPr lang="de-DE" dirty="0"/>
-              <a:t>Inbetriebnahme</a:t>
-            </a:r>
-          </a:p>
-          <a:p>
-            <a:pPr lvl="1"/>
-            <a:r>
-              <a:rPr lang="de-DE" dirty="0"/>
-              <a:t>Update</a:t>
-            </a:r>
-          </a:p>
-          <a:p>
-            <a:pPr lvl="1"/>
-            <a:r>
-              <a:rPr lang="de-DE" dirty="0"/>
-              <a:t>CI/CD</a:t>
+            <a:endParaRPr lang="de-DE" dirty="0">
+              <a:solidFill>
+                <a:schemeClr val="accent4">
+                  <a:lumMod val="20000"/>
+                  <a:lumOff val="80000"/>
+                </a:schemeClr>
+              </a:solidFill>
+            </a:endParaRPr>
+          </a:p>
+          <a:p>
+            <a:pPr marL="457200" lvl="1" indent="0">
+              <a:buNone/>
+            </a:pPr>
+            <a:r>
+              <a:rPr lang="de-DE" dirty="0">
+                <a:solidFill>
+                  <a:schemeClr val="accent4">
+                    <a:lumMod val="20000"/>
+                    <a:lumOff val="80000"/>
+                  </a:schemeClr>
+                </a:solidFill>
+              </a:rPr>
+              <a:t>Inbetriebnahme, Updates, CI/CD</a:t>
             </a:r>
           </a:p>
           <a:p>
@@ -3320,17 +3391,40 @@
             </a:r>
           </a:p>
           <a:p>
-            <a:pPr lvl="1"/>
-            <a:r>
-              <a:rPr lang="de-DE" dirty="0"/>
+            <a:pPr marL="457200" lvl="1" indent="0">
+              <a:buNone/>
+            </a:pPr>
+            <a:r>
+              <a:rPr lang="de-DE" dirty="0">
+                <a:solidFill>
+                  <a:schemeClr val="accent4">
+                    <a:lumMod val="20000"/>
+                    <a:lumOff val="80000"/>
+                  </a:schemeClr>
+                </a:solidFill>
+              </a:rPr>
               <a:t>Docker und </a:t>
             </a:r>
             <a:r>
-              <a:rPr lang="de-DE" dirty="0" err="1"/>
+              <a:rPr lang="de-DE" dirty="0" err="1">
+                <a:solidFill>
+                  <a:schemeClr val="accent4">
+                    <a:lumMod val="20000"/>
+                    <a:lumOff val="80000"/>
+                  </a:schemeClr>
+                </a:solidFill>
+              </a:rPr>
               <a:t>Kubernetes</a:t>
             </a:r>
             <a:r>
-              <a:rPr lang="de-DE" dirty="0"/>
+              <a:rPr lang="de-DE" dirty="0">
+                <a:solidFill>
+                  <a:schemeClr val="accent4">
+                    <a:lumMod val="20000"/>
+                    <a:lumOff val="80000"/>
+                  </a:schemeClr>
+                </a:solidFill>
+              </a:rPr>
               <a:t> (k8s)</a:t>
             </a:r>
           </a:p>

--- a/docs/Docker Workshop.de.pptx
+++ b/docs/Docker Workshop.de.pptx
@@ -9,6 +9,12 @@
     <p:sldId id="257" r:id="rId3"/>
     <p:sldId id="258" r:id="rId4"/>
     <p:sldId id="259" r:id="rId5"/>
+    <p:sldId id="260" r:id="rId6"/>
+    <p:sldId id="261" r:id="rId7"/>
+    <p:sldId id="262" r:id="rId8"/>
+    <p:sldId id="263" r:id="rId9"/>
+    <p:sldId id="264" r:id="rId10"/>
+    <p:sldId id="265" r:id="rId11"/>
   </p:sldIdLst>
   <p:sldSz cx="12192000" cy="6858000"/>
   <p:notesSz cx="6858000" cy="9144000"/>
@@ -246,7 +252,7 @@
           <a:p>
             <a:fld id="{42755817-096B-4D71-80A7-F1BD77409C8A}" type="datetimeFigureOut">
               <a:rPr lang="de-DE" smtClean="0"/>
-              <a:t>11.12.2020</a:t>
+              <a:t>25.01.2021</a:t>
             </a:fld>
             <a:endParaRPr lang="de-DE"/>
           </a:p>
@@ -416,7 +422,7 @@
           <a:p>
             <a:fld id="{42755817-096B-4D71-80A7-F1BD77409C8A}" type="datetimeFigureOut">
               <a:rPr lang="de-DE" smtClean="0"/>
-              <a:t>11.12.2020</a:t>
+              <a:t>25.01.2021</a:t>
             </a:fld>
             <a:endParaRPr lang="de-DE"/>
           </a:p>
@@ -596,7 +602,7 @@
           <a:p>
             <a:fld id="{42755817-096B-4D71-80A7-F1BD77409C8A}" type="datetimeFigureOut">
               <a:rPr lang="de-DE" smtClean="0"/>
-              <a:t>11.12.2020</a:t>
+              <a:t>25.01.2021</a:t>
             </a:fld>
             <a:endParaRPr lang="de-DE"/>
           </a:p>
@@ -766,7 +772,7 @@
           <a:p>
             <a:fld id="{42755817-096B-4D71-80A7-F1BD77409C8A}" type="datetimeFigureOut">
               <a:rPr lang="de-DE" smtClean="0"/>
-              <a:t>11.12.2020</a:t>
+              <a:t>25.01.2021</a:t>
             </a:fld>
             <a:endParaRPr lang="de-DE"/>
           </a:p>
@@ -1012,7 +1018,7 @@
           <a:p>
             <a:fld id="{42755817-096B-4D71-80A7-F1BD77409C8A}" type="datetimeFigureOut">
               <a:rPr lang="de-DE" smtClean="0"/>
-              <a:t>11.12.2020</a:t>
+              <a:t>25.01.2021</a:t>
             </a:fld>
             <a:endParaRPr lang="de-DE"/>
           </a:p>
@@ -1244,7 +1250,7 @@
           <a:p>
             <a:fld id="{42755817-096B-4D71-80A7-F1BD77409C8A}" type="datetimeFigureOut">
               <a:rPr lang="de-DE" smtClean="0"/>
-              <a:t>11.12.2020</a:t>
+              <a:t>25.01.2021</a:t>
             </a:fld>
             <a:endParaRPr lang="de-DE"/>
           </a:p>
@@ -1611,7 +1617,7 @@
           <a:p>
             <a:fld id="{42755817-096B-4D71-80A7-F1BD77409C8A}" type="datetimeFigureOut">
               <a:rPr lang="de-DE" smtClean="0"/>
-              <a:t>11.12.2020</a:t>
+              <a:t>25.01.2021</a:t>
             </a:fld>
             <a:endParaRPr lang="de-DE"/>
           </a:p>
@@ -1729,7 +1735,7 @@
           <a:p>
             <a:fld id="{42755817-096B-4D71-80A7-F1BD77409C8A}" type="datetimeFigureOut">
               <a:rPr lang="de-DE" smtClean="0"/>
-              <a:t>11.12.2020</a:t>
+              <a:t>25.01.2021</a:t>
             </a:fld>
             <a:endParaRPr lang="de-DE"/>
           </a:p>
@@ -1824,7 +1830,7 @@
           <a:p>
             <a:fld id="{42755817-096B-4D71-80A7-F1BD77409C8A}" type="datetimeFigureOut">
               <a:rPr lang="de-DE" smtClean="0"/>
-              <a:t>11.12.2020</a:t>
+              <a:t>25.01.2021</a:t>
             </a:fld>
             <a:endParaRPr lang="de-DE"/>
           </a:p>
@@ -2101,7 +2107,7 @@
           <a:p>
             <a:fld id="{42755817-096B-4D71-80A7-F1BD77409C8A}" type="datetimeFigureOut">
               <a:rPr lang="de-DE" smtClean="0"/>
-              <a:t>11.12.2020</a:t>
+              <a:t>25.01.2021</a:t>
             </a:fld>
             <a:endParaRPr lang="de-DE"/>
           </a:p>
@@ -2358,7 +2364,7 @@
           <a:p>
             <a:fld id="{42755817-096B-4D71-80A7-F1BD77409C8A}" type="datetimeFigureOut">
               <a:rPr lang="de-DE" smtClean="0"/>
-              <a:t>11.12.2020</a:t>
+              <a:t>25.01.2021</a:t>
             </a:fld>
             <a:endParaRPr lang="de-DE"/>
           </a:p>
@@ -2571,7 +2577,7 @@
           <a:p>
             <a:fld id="{42755817-096B-4D71-80A7-F1BD77409C8A}" type="datetimeFigureOut">
               <a:rPr lang="de-DE" smtClean="0"/>
-              <a:t>11.12.2020</a:t>
+              <a:t>25.01.2021</a:t>
             </a:fld>
             <a:endParaRPr lang="de-DE"/>
           </a:p>
@@ -3065,6 +3071,325 @@
 </p:sld>
 </file>
 
+<file path=ppt/slides/slide10.xml><?xml version="1.0" encoding="utf-8"?>
+<p:sld xmlns:a="http://schemas.openxmlformats.org/drawingml/2006/main" xmlns:r="http://schemas.openxmlformats.org/officeDocument/2006/relationships" xmlns:p="http://schemas.openxmlformats.org/presentationml/2006/main">
+  <p:cSld>
+    <p:spTree>
+      <p:nvGrpSpPr>
+        <p:cNvPr id="1" name=""/>
+        <p:cNvGrpSpPr/>
+        <p:nvPr/>
+      </p:nvGrpSpPr>
+      <p:grpSpPr>
+        <a:xfrm>
+          <a:off x="0" y="0"/>
+          <a:ext cx="0" cy="0"/>
+          <a:chOff x="0" y="0"/>
+          <a:chExt cx="0" cy="0"/>
+        </a:xfrm>
+      </p:grpSpPr>
+      <p:sp>
+        <p:nvSpPr>
+          <p:cNvPr id="2" name="Titel 1">
+            <a:extLst>
+              <a:ext uri="{FF2B5EF4-FFF2-40B4-BE49-F238E27FC236}">
+                <a16:creationId xmlns:a16="http://schemas.microsoft.com/office/drawing/2014/main" id="{96648B71-3AC4-47A9-B317-3EB7F13DB51C}"/>
+              </a:ext>
+            </a:extLst>
+          </p:cNvPr>
+          <p:cNvSpPr>
+            <a:spLocks noGrp="1"/>
+          </p:cNvSpPr>
+          <p:nvPr>
+            <p:ph type="title"/>
+          </p:nvPr>
+        </p:nvSpPr>
+        <p:spPr>
+          <a:xfrm>
+            <a:off x="838200" y="373146"/>
+            <a:ext cx="10515600" cy="1325563"/>
+          </a:xfrm>
+        </p:spPr>
+        <p:txBody>
+          <a:bodyPr/>
+          <a:lstStyle/>
+          <a:p>
+            <a:r>
+              <a:rPr lang="de-DE" dirty="0">
+                <a:solidFill>
+                  <a:schemeClr val="accent4">
+                    <a:lumMod val="60000"/>
+                    <a:lumOff val="40000"/>
+                  </a:schemeClr>
+                </a:solidFill>
+              </a:rPr>
+              <a:t>Erste Schritte</a:t>
+            </a:r>
+            <a:endParaRPr lang="de-DE" dirty="0">
+              <a:solidFill>
+                <a:srgbClr val="00B0F0"/>
+              </a:solidFill>
+            </a:endParaRPr>
+          </a:p>
+        </p:txBody>
+      </p:sp>
+      <p:sp>
+        <p:nvSpPr>
+          <p:cNvPr id="3" name="Inhaltsplatzhalter 2">
+            <a:extLst>
+              <a:ext uri="{FF2B5EF4-FFF2-40B4-BE49-F238E27FC236}">
+                <a16:creationId xmlns:a16="http://schemas.microsoft.com/office/drawing/2014/main" id="{0A5E6262-E967-4ED3-9F3E-B7A9552D58C0}"/>
+              </a:ext>
+            </a:extLst>
+          </p:cNvPr>
+          <p:cNvSpPr>
+            <a:spLocks noGrp="1"/>
+          </p:cNvSpPr>
+          <p:nvPr>
+            <p:ph idx="1"/>
+          </p:nvPr>
+        </p:nvSpPr>
+        <p:spPr/>
+        <p:txBody>
+          <a:bodyPr>
+            <a:normAutofit/>
+          </a:bodyPr>
+          <a:lstStyle/>
+          <a:p>
+            <a:pPr lvl="1">
+              <a:buFontTx/>
+              <a:buChar char="-"/>
+            </a:pPr>
+            <a:r>
+              <a:rPr lang="de-DE" dirty="0"/>
+              <a:t>Erstellen eines Docker-Accounts</a:t>
+            </a:r>
+          </a:p>
+          <a:p>
+            <a:pPr marL="914400" lvl="2" indent="0">
+              <a:buNone/>
+            </a:pPr>
+            <a:r>
+              <a:rPr lang="de-DE" dirty="0">
+                <a:solidFill>
+                  <a:schemeClr val="accent1">
+                    <a:lumMod val="60000"/>
+                    <a:lumOff val="40000"/>
+                  </a:schemeClr>
+                </a:solidFill>
+              </a:rPr>
+              <a:t>https://hub.docker.com/signup</a:t>
+            </a:r>
+          </a:p>
+          <a:p>
+            <a:pPr lvl="1">
+              <a:buFontTx/>
+              <a:buChar char="-"/>
+            </a:pPr>
+            <a:r>
+              <a:rPr lang="de-DE" dirty="0"/>
+              <a:t>Start des Docker </a:t>
+            </a:r>
+            <a:r>
+              <a:rPr lang="de-DE" dirty="0" err="1"/>
+              <a:t>Playgrounds</a:t>
+            </a:r>
+            <a:endParaRPr lang="de-DE" dirty="0"/>
+          </a:p>
+          <a:p>
+            <a:pPr marL="914400" lvl="2" indent="0">
+              <a:buNone/>
+            </a:pPr>
+            <a:r>
+              <a:rPr lang="de-DE" dirty="0">
+                <a:solidFill>
+                  <a:schemeClr val="accent1">
+                    <a:lumMod val="60000"/>
+                    <a:lumOff val="40000"/>
+                  </a:schemeClr>
+                </a:solidFill>
+              </a:rPr>
+              <a:t>https://labs.play-with-docker.com</a:t>
+            </a:r>
+          </a:p>
+          <a:p>
+            <a:pPr lvl="1">
+              <a:buFontTx/>
+              <a:buChar char="-"/>
+            </a:pPr>
+            <a:r>
+              <a:rPr lang="de-DE" dirty="0"/>
+              <a:t>Abrufen und starten des ersten Containers</a:t>
+            </a:r>
+          </a:p>
+          <a:p>
+            <a:pPr marL="914400" lvl="2" indent="0">
+              <a:buNone/>
+            </a:pPr>
+            <a:r>
+              <a:rPr lang="de-DE" dirty="0"/>
+              <a:t>Erstellen einer neuen Serverinstanz </a:t>
+            </a:r>
+            <a:r>
+              <a:rPr lang="de-DE" dirty="0">
+                <a:solidFill>
+                  <a:schemeClr val="accent1"/>
+                </a:solidFill>
+              </a:rPr>
+              <a:t>+ ADD NEW INSTANCE</a:t>
+            </a:r>
+          </a:p>
+          <a:p>
+            <a:pPr marL="0" indent="0">
+              <a:buNone/>
+            </a:pPr>
+            <a:r>
+              <a:rPr lang="de-DE" dirty="0"/>
+              <a:t>	</a:t>
+            </a:r>
+            <a:r>
+              <a:rPr lang="de-DE" sz="2000" i="1" dirty="0" err="1">
+                <a:solidFill>
+                  <a:schemeClr val="accent2">
+                    <a:lumMod val="40000"/>
+                    <a:lumOff val="60000"/>
+                  </a:schemeClr>
+                </a:solidFill>
+                <a:latin typeface="Courier New" panose="02070309020205020404" pitchFamily="49" charset="0"/>
+                <a:cs typeface="Courier New" panose="02070309020205020404" pitchFamily="49" charset="0"/>
+              </a:rPr>
+              <a:t>docker</a:t>
+            </a:r>
+            <a:r>
+              <a:rPr lang="de-DE" sz="2000" i="1" dirty="0">
+                <a:solidFill>
+                  <a:schemeClr val="accent2">
+                    <a:lumMod val="40000"/>
+                    <a:lumOff val="60000"/>
+                  </a:schemeClr>
+                </a:solidFill>
+                <a:latin typeface="Courier New" panose="02070309020205020404" pitchFamily="49" charset="0"/>
+                <a:cs typeface="Courier New" panose="02070309020205020404" pitchFamily="49" charset="0"/>
+              </a:rPr>
+              <a:t> </a:t>
+            </a:r>
+            <a:r>
+              <a:rPr lang="de-DE" sz="2000" i="1" dirty="0" err="1">
+                <a:solidFill>
+                  <a:schemeClr val="accent2">
+                    <a:lumMod val="40000"/>
+                    <a:lumOff val="60000"/>
+                  </a:schemeClr>
+                </a:solidFill>
+                <a:latin typeface="Courier New" panose="02070309020205020404" pitchFamily="49" charset="0"/>
+                <a:cs typeface="Courier New" panose="02070309020205020404" pitchFamily="49" charset="0"/>
+              </a:rPr>
+              <a:t>run</a:t>
+            </a:r>
+            <a:r>
+              <a:rPr lang="de-DE" sz="2000" i="1" dirty="0">
+                <a:solidFill>
+                  <a:schemeClr val="accent2">
+                    <a:lumMod val="40000"/>
+                    <a:lumOff val="60000"/>
+                  </a:schemeClr>
+                </a:solidFill>
+                <a:latin typeface="Courier New" panose="02070309020205020404" pitchFamily="49" charset="0"/>
+                <a:cs typeface="Courier New" panose="02070309020205020404" pitchFamily="49" charset="0"/>
+              </a:rPr>
+              <a:t> -d maddev77/workshop-</a:t>
+            </a:r>
+            <a:r>
+              <a:rPr lang="de-DE" sz="2000" i="1" dirty="0" err="1">
+                <a:solidFill>
+                  <a:schemeClr val="accent2">
+                    <a:lumMod val="40000"/>
+                    <a:lumOff val="60000"/>
+                  </a:schemeClr>
+                </a:solidFill>
+                <a:latin typeface="Courier New" panose="02070309020205020404" pitchFamily="49" charset="0"/>
+                <a:cs typeface="Courier New" panose="02070309020205020404" pitchFamily="49" charset="0"/>
+              </a:rPr>
+              <a:t>getting</a:t>
+            </a:r>
+            <a:r>
+              <a:rPr lang="de-DE" sz="2000" i="1" dirty="0">
+                <a:solidFill>
+                  <a:schemeClr val="accent2">
+                    <a:lumMod val="40000"/>
+                    <a:lumOff val="60000"/>
+                  </a:schemeClr>
+                </a:solidFill>
+                <a:latin typeface="Courier New" panose="02070309020205020404" pitchFamily="49" charset="0"/>
+                <a:cs typeface="Courier New" panose="02070309020205020404" pitchFamily="49" charset="0"/>
+              </a:rPr>
+              <a:t>-</a:t>
+            </a:r>
+            <a:r>
+              <a:rPr lang="de-DE" sz="2000" i="1" dirty="0" err="1">
+                <a:solidFill>
+                  <a:schemeClr val="accent2">
+                    <a:lumMod val="40000"/>
+                    <a:lumOff val="60000"/>
+                  </a:schemeClr>
+                </a:solidFill>
+                <a:latin typeface="Courier New" panose="02070309020205020404" pitchFamily="49" charset="0"/>
+                <a:cs typeface="Courier New" panose="02070309020205020404" pitchFamily="49" charset="0"/>
+              </a:rPr>
+              <a:t>started</a:t>
+            </a:r>
+            <a:endParaRPr lang="de-DE" sz="2000" i="1" dirty="0">
+              <a:solidFill>
+                <a:schemeClr val="accent2">
+                  <a:lumMod val="40000"/>
+                  <a:lumOff val="60000"/>
+                </a:schemeClr>
+              </a:solidFill>
+              <a:latin typeface="Courier New" panose="02070309020205020404" pitchFamily="49" charset="0"/>
+              <a:cs typeface="Courier New" panose="02070309020205020404" pitchFamily="49" charset="0"/>
+            </a:endParaRPr>
+          </a:p>
+          <a:p>
+            <a:pPr marL="0" indent="0">
+              <a:buNone/>
+            </a:pPr>
+            <a:r>
+              <a:rPr lang="de-DE" sz="2000" dirty="0">
+                <a:solidFill>
+                  <a:schemeClr val="accent2">
+                    <a:lumMod val="40000"/>
+                    <a:lumOff val="60000"/>
+                  </a:schemeClr>
+                </a:solidFill>
+              </a:rPr>
+              <a:t>	</a:t>
+            </a:r>
+            <a:r>
+              <a:rPr lang="de-DE" sz="2000" dirty="0"/>
+              <a:t>Aufruf der Website mittels Klick auf den Port 80 Status Badge</a:t>
+            </a:r>
+          </a:p>
+          <a:p>
+            <a:pPr marL="0" indent="0">
+              <a:buNone/>
+            </a:pPr>
+            <a:endParaRPr lang="de-DE" dirty="0"/>
+          </a:p>
+        </p:txBody>
+      </p:sp>
+    </p:spTree>
+    <p:extLst>
+      <p:ext uri="{BB962C8B-B14F-4D97-AF65-F5344CB8AC3E}">
+        <p14:creationId xmlns:p14="http://schemas.microsoft.com/office/powerpoint/2010/main" val="3987028226"/>
+      </p:ext>
+    </p:extLst>
+  </p:cSld>
+  <p:clrMapOvr>
+    <a:masterClrMapping/>
+  </p:clrMapOvr>
+</p:sld>
+</file>
+
 <file path=ppt/slides/slide2.xml><?xml version="1.0" encoding="utf-8"?>
 <p:sld xmlns:a="http://schemas.openxmlformats.org/drawingml/2006/main" xmlns:r="http://schemas.openxmlformats.org/officeDocument/2006/relationships" xmlns:p="http://schemas.openxmlformats.org/presentationml/2006/main">
   <p:cSld>
@@ -3138,7 +3463,7 @@
         </p:spPr>
         <p:txBody>
           <a:bodyPr>
-            <a:normAutofit fontScale="62500" lnSpcReduction="20000"/>
+            <a:normAutofit fontScale="55000" lnSpcReduction="20000"/>
           </a:bodyPr>
           <a:lstStyle/>
           <a:p>
@@ -3186,12 +3511,6 @@
             </a:r>
           </a:p>
           <a:p>
-            <a:r>
-              <a:rPr lang="de-DE" dirty="0"/>
-              <a:t>Erste Schritte</a:t>
-            </a:r>
-          </a:p>
-          <a:p>
             <a:pPr marL="457200" lvl="1" indent="0">
               <a:buNone/>
             </a:pPr>
@@ -3204,15 +3523,10 @@
                   </a:schemeClr>
                 </a:solidFill>
               </a:rPr>
-              <a:t>Herunterladen und Ausführen eines Containers</a:t>
-            </a:r>
-          </a:p>
-          <a:p>
-            <a:pPr marL="457200" lvl="1" indent="0">
-              <a:buNone/>
-            </a:pPr>
-            <a:r>
-              <a:rPr lang="de-DE" dirty="0">
+              <a:t>Docker </a:t>
+            </a:r>
+            <a:r>
+              <a:rPr lang="de-DE" dirty="0" err="1">
                 <a:solidFill>
                   <a:schemeClr val="accent4">
                     <a:lumMod val="20000"/>
@@ -3220,18 +3534,7 @@
                   </a:schemeClr>
                 </a:solidFill>
               </a:rPr>
-              <a:t>Networking, Port-Mapping, </a:t>
-            </a:r>
-            <a:r>
-              <a:rPr lang="de-DE" dirty="0" err="1">
-                <a:solidFill>
-                  <a:schemeClr val="accent4">
-                    <a:lumMod val="20000"/>
-                    <a:lumOff val="80000"/>
-                  </a:schemeClr>
-                </a:solidFill>
-              </a:rPr>
-              <a:t>Volumes</a:t>
+              <a:t>Playground</a:t>
             </a:r>
             <a:endParaRPr lang="de-DE" dirty="0">
               <a:solidFill>
@@ -3244,8 +3547,8 @@
           </a:p>
           <a:p>
             <a:r>
-              <a:rPr lang="de-DE" sz="2900" dirty="0"/>
-              <a:t>Nützliche Tools</a:t>
+              <a:rPr lang="de-DE" dirty="0"/>
+              <a:t>Erste Schritte</a:t>
             </a:r>
           </a:p>
           <a:p>
@@ -3253,7 +3556,7 @@
               <a:buNone/>
             </a:pPr>
             <a:r>
-              <a:rPr lang="de-DE" dirty="0" err="1">
+              <a:rPr lang="de-DE" dirty="0">
                 <a:solidFill>
                   <a:schemeClr val="accent4">
                     <a:lumMod val="20000"/>
@@ -3261,7 +3564,34 @@
                   </a:schemeClr>
                 </a:solidFill>
               </a:rPr>
-              <a:t>Portainer</a:t>
+              <a:t>Herunterladen und Ausführen eines Containers</a:t>
+            </a:r>
+          </a:p>
+          <a:p>
+            <a:pPr marL="457200" lvl="1" indent="0">
+              <a:buNone/>
+            </a:pPr>
+            <a:r>
+              <a:rPr lang="de-DE" dirty="0">
+                <a:solidFill>
+                  <a:schemeClr val="accent4">
+                    <a:lumMod val="20000"/>
+                    <a:lumOff val="80000"/>
+                  </a:schemeClr>
+                </a:solidFill>
+              </a:rPr>
+              <a:t>Networking, Port-Mapping, </a:t>
+            </a:r>
+            <a:r>
+              <a:rPr lang="de-DE" dirty="0" err="1">
+                <a:solidFill>
+                  <a:schemeClr val="accent4">
+                    <a:lumMod val="20000"/>
+                    <a:lumOff val="80000"/>
+                  </a:schemeClr>
+                </a:solidFill>
+              </a:rPr>
+              <a:t>Volumes</a:t>
             </a:r>
             <a:endParaRPr lang="de-DE" dirty="0">
               <a:solidFill>
@@ -3274,8 +3604,8 @@
           </a:p>
           <a:p>
             <a:r>
-              <a:rPr lang="de-DE" dirty="0"/>
-              <a:t>Orchestrierung von Containern</a:t>
+              <a:rPr lang="de-DE" sz="2900" dirty="0"/>
+              <a:t>Nützliche Tools</a:t>
             </a:r>
           </a:p>
           <a:p>
@@ -3283,7 +3613,7 @@
               <a:buNone/>
             </a:pPr>
             <a:r>
-              <a:rPr lang="de-DE" dirty="0">
+              <a:rPr lang="de-DE" dirty="0" err="1">
                 <a:solidFill>
                   <a:schemeClr val="accent4">
                     <a:lumMod val="20000"/>
@@ -3291,73 +3621,7 @@
                   </a:schemeClr>
                 </a:solidFill>
               </a:rPr>
-              <a:t>„</a:t>
-            </a:r>
-            <a:r>
-              <a:rPr lang="de-DE" dirty="0" err="1">
-                <a:solidFill>
-                  <a:schemeClr val="accent4">
-                    <a:lumMod val="20000"/>
-                    <a:lumOff val="80000"/>
-                  </a:schemeClr>
-                </a:solidFill>
-              </a:rPr>
-              <a:t>docker-compose</a:t>
-            </a:r>
-            <a:r>
-              <a:rPr lang="de-DE" dirty="0">
-                <a:solidFill>
-                  <a:schemeClr val="accent4">
-                    <a:lumMod val="20000"/>
-                    <a:lumOff val="80000"/>
-                  </a:schemeClr>
-                </a:solidFill>
-              </a:rPr>
-              <a:t>“ und </a:t>
-            </a:r>
-            <a:r>
-              <a:rPr lang="de-DE" dirty="0" err="1">
-                <a:solidFill>
-                  <a:schemeClr val="accent4">
-                    <a:lumMod val="20000"/>
-                    <a:lumOff val="80000"/>
-                  </a:schemeClr>
-                </a:solidFill>
-              </a:rPr>
-              <a:t>yml</a:t>
-            </a:r>
-            <a:r>
-              <a:rPr lang="de-DE" dirty="0">
-                <a:solidFill>
-                  <a:schemeClr val="accent4">
-                    <a:lumMod val="20000"/>
-                    <a:lumOff val="80000"/>
-                  </a:schemeClr>
-                </a:solidFill>
-              </a:rPr>
-              <a:t>, Best Practices</a:t>
-            </a:r>
-          </a:p>
-          <a:p>
-            <a:r>
-              <a:rPr lang="de-DE" dirty="0"/>
-              <a:t>Beispiel: Microservices und Docker</a:t>
-            </a:r>
-          </a:p>
-          <a:p>
-            <a:pPr marL="457200" lvl="1" indent="0">
-              <a:buNone/>
-            </a:pPr>
-            <a:r>
-              <a:rPr lang="de-DE" dirty="0" err="1">
-                <a:solidFill>
-                  <a:schemeClr val="accent4">
-                    <a:lumMod val="20000"/>
-                    <a:lumOff val="80000"/>
-                  </a:schemeClr>
-                </a:solidFill>
-              </a:rPr>
-              <a:t>Referenzimplementation</a:t>
+              <a:t>Portainer</a:t>
             </a:r>
             <a:endParaRPr lang="de-DE" dirty="0">
               <a:solidFill>
@@ -3369,6 +3633,12 @@
             </a:endParaRPr>
           </a:p>
           <a:p>
+            <a:r>
+              <a:rPr lang="de-DE" dirty="0"/>
+              <a:t>Orchestrierung von Containern</a:t>
+            </a:r>
+          </a:p>
+          <a:p>
             <a:pPr marL="457200" lvl="1" indent="0">
               <a:buNone/>
             </a:pPr>
@@ -3381,21 +3651,10 @@
                   </a:schemeClr>
                 </a:solidFill>
               </a:rPr>
-              <a:t>Inbetriebnahme, Updates, CI/CD</a:t>
-            </a:r>
-          </a:p>
-          <a:p>
-            <a:r>
-              <a:rPr lang="de-DE" dirty="0"/>
-              <a:t>Ausblick / Weitere Schritte</a:t>
-            </a:r>
-          </a:p>
-          <a:p>
-            <a:pPr marL="457200" lvl="1" indent="0">
-              <a:buNone/>
-            </a:pPr>
-            <a:r>
-              <a:rPr lang="de-DE" dirty="0">
+              <a:t>„</a:t>
+            </a:r>
+            <a:r>
+              <a:rPr lang="de-DE" dirty="0" err="1">
                 <a:solidFill>
                   <a:schemeClr val="accent4">
                     <a:lumMod val="20000"/>
@@ -3403,10 +3662,10 @@
                   </a:schemeClr>
                 </a:solidFill>
               </a:rPr>
-              <a:t>Docker und </a:t>
-            </a:r>
-            <a:r>
-              <a:rPr lang="de-DE" dirty="0" err="1">
+              <a:t>docker-compose</a:t>
+            </a:r>
+            <a:r>
+              <a:rPr lang="de-DE" dirty="0">
                 <a:solidFill>
                   <a:schemeClr val="accent4">
                     <a:lumMod val="20000"/>
@@ -3414,10 +3673,10 @@
                   </a:schemeClr>
                 </a:solidFill>
               </a:rPr>
-              <a:t>Kubernetes</a:t>
-            </a:r>
-            <a:r>
-              <a:rPr lang="de-DE" dirty="0">
+              <a:t>“ und </a:t>
+            </a:r>
+            <a:r>
+              <a:rPr lang="de-DE" dirty="0" err="1">
                 <a:solidFill>
                   <a:schemeClr val="accent4">
                     <a:lumMod val="20000"/>
@@ -3425,8 +3684,155 @@
                   </a:schemeClr>
                 </a:solidFill>
               </a:rPr>
+              <a:t>yml</a:t>
+            </a:r>
+            <a:r>
+              <a:rPr lang="de-DE" dirty="0">
+                <a:solidFill>
+                  <a:schemeClr val="accent4">
+                    <a:lumMod val="20000"/>
+                    <a:lumOff val="80000"/>
+                  </a:schemeClr>
+                </a:solidFill>
+              </a:rPr>
+              <a:t>, Best Practices</a:t>
+            </a:r>
+          </a:p>
+          <a:p>
+            <a:r>
+              <a:rPr lang="de-DE" dirty="0"/>
+              <a:t>Beispiel: Microservices und Docker</a:t>
+            </a:r>
+          </a:p>
+          <a:p>
+            <a:pPr marL="457200" lvl="1" indent="0">
+              <a:buNone/>
+            </a:pPr>
+            <a:r>
+              <a:rPr lang="de-DE" dirty="0" err="1">
+                <a:solidFill>
+                  <a:schemeClr val="accent4">
+                    <a:lumMod val="20000"/>
+                    <a:lumOff val="80000"/>
+                  </a:schemeClr>
+                </a:solidFill>
+              </a:rPr>
+              <a:t>Referenzimplementation</a:t>
+            </a:r>
+            <a:endParaRPr lang="de-DE" dirty="0">
+              <a:solidFill>
+                <a:schemeClr val="accent4">
+                  <a:lumMod val="20000"/>
+                  <a:lumOff val="80000"/>
+                </a:schemeClr>
+              </a:solidFill>
+            </a:endParaRPr>
+          </a:p>
+          <a:p>
+            <a:pPr marL="457200" lvl="1" indent="0">
+              <a:buNone/>
+            </a:pPr>
+            <a:r>
+              <a:rPr lang="de-DE" dirty="0">
+                <a:solidFill>
+                  <a:schemeClr val="accent4">
+                    <a:lumMod val="20000"/>
+                    <a:lumOff val="80000"/>
+                  </a:schemeClr>
+                </a:solidFill>
+              </a:rPr>
+              <a:t>Inbetriebnahme, Updates, CI/CD</a:t>
+            </a:r>
+          </a:p>
+          <a:p>
+            <a:r>
+              <a:rPr lang="de-DE" dirty="0"/>
+              <a:t>Ausblick / Weitere Schritte</a:t>
+            </a:r>
+          </a:p>
+          <a:p>
+            <a:pPr marL="457200" lvl="1" indent="0">
+              <a:buNone/>
+            </a:pPr>
+            <a:r>
+              <a:rPr lang="de-DE" dirty="0">
+                <a:solidFill>
+                  <a:schemeClr val="accent4">
+                    <a:lumMod val="20000"/>
+                    <a:lumOff val="80000"/>
+                  </a:schemeClr>
+                </a:solidFill>
+              </a:rPr>
+              <a:t>Orchestrierung mittels </a:t>
+            </a:r>
+            <a:r>
+              <a:rPr lang="de-DE" dirty="0" err="1">
+                <a:solidFill>
+                  <a:schemeClr val="accent4">
+                    <a:lumMod val="20000"/>
+                    <a:lumOff val="80000"/>
+                  </a:schemeClr>
+                </a:solidFill>
+              </a:rPr>
+              <a:t>Kubernetes</a:t>
+            </a:r>
+            <a:r>
+              <a:rPr lang="de-DE" dirty="0">
+                <a:solidFill>
+                  <a:schemeClr val="accent4">
+                    <a:lumMod val="20000"/>
+                    <a:lumOff val="80000"/>
+                  </a:schemeClr>
+                </a:solidFill>
+              </a:rPr>
               <a:t> (k8s)</a:t>
             </a:r>
+          </a:p>
+          <a:p>
+            <a:pPr marL="457200" lvl="1" indent="0">
+              <a:buNone/>
+            </a:pPr>
+            <a:r>
+              <a:rPr lang="de-DE" dirty="0" err="1">
+                <a:solidFill>
+                  <a:schemeClr val="accent4">
+                    <a:lumMod val="20000"/>
+                    <a:lumOff val="80000"/>
+                  </a:schemeClr>
+                </a:solidFill>
+              </a:rPr>
+              <a:t>Logstash</a:t>
+            </a:r>
+            <a:r>
+              <a:rPr lang="de-DE" dirty="0">
+                <a:solidFill>
+                  <a:schemeClr val="accent4">
+                    <a:lumMod val="20000"/>
+                    <a:lumOff val="80000"/>
+                  </a:schemeClr>
+                </a:solidFill>
+              </a:rPr>
+              <a:t> für globales </a:t>
+            </a:r>
+            <a:r>
+              <a:rPr lang="de-DE" dirty="0" err="1">
+                <a:solidFill>
+                  <a:schemeClr val="accent4">
+                    <a:lumMod val="20000"/>
+                    <a:lumOff val="80000"/>
+                  </a:schemeClr>
+                </a:solidFill>
+              </a:rPr>
+              <a:t>Logging</a:t>
+            </a:r>
+            <a:endParaRPr lang="de-DE" dirty="0">
+              <a:solidFill>
+                <a:schemeClr val="accent4">
+                  <a:lumMod val="20000"/>
+                  <a:lumOff val="80000"/>
+                </a:schemeClr>
+              </a:solidFill>
+            </a:endParaRPr>
           </a:p>
           <a:p>
             <a:endParaRPr lang="de-DE" dirty="0"/>
@@ -3743,15 +4149,18 @@
             </a:pPr>
             <a:r>
               <a:rPr lang="de-DE" dirty="0"/>
-              <a:t>Ab Windows Server 2016 und Windows 10 ist Docker in Windows integriert</a:t>
-            </a:r>
-          </a:p>
-          <a:p>
-            <a:pPr>
-              <a:buFontTx/>
-              <a:buChar char="-"/>
-            </a:pPr>
-            <a:endParaRPr lang="de-DE" dirty="0"/>
+              <a:t>Ab Windows Server 2016 ist Docker in Windows integriert</a:t>
+            </a:r>
+          </a:p>
+          <a:p>
+            <a:pPr lvl="1">
+              <a:buFontTx/>
+              <a:buChar char="-"/>
+            </a:pPr>
+            <a:r>
+              <a:rPr lang="de-DE" dirty="0"/>
+              <a:t>Für Windows 10 ist Docker Desktop verfügbar</a:t>
+            </a:r>
           </a:p>
           <a:p>
             <a:pPr lvl="1">
@@ -3766,6 +4175,996 @@
     <p:extLst>
       <p:ext uri="{BB962C8B-B14F-4D97-AF65-F5344CB8AC3E}">
         <p14:creationId xmlns:p14="http://schemas.microsoft.com/office/powerpoint/2010/main" val="1367696823"/>
+      </p:ext>
+    </p:extLst>
+  </p:cSld>
+  <p:clrMapOvr>
+    <a:masterClrMapping/>
+  </p:clrMapOvr>
+</p:sld>
+</file>
+
+<file path=ppt/slides/slide5.xml><?xml version="1.0" encoding="utf-8"?>
+<p:sld xmlns:a="http://schemas.openxmlformats.org/drawingml/2006/main" xmlns:r="http://schemas.openxmlformats.org/officeDocument/2006/relationships" xmlns:p="http://schemas.openxmlformats.org/presentationml/2006/main">
+  <p:cSld>
+    <p:spTree>
+      <p:nvGrpSpPr>
+        <p:cNvPr id="1" name=""/>
+        <p:cNvGrpSpPr/>
+        <p:nvPr/>
+      </p:nvGrpSpPr>
+      <p:grpSpPr>
+        <a:xfrm>
+          <a:off x="0" y="0"/>
+          <a:ext cx="0" cy="0"/>
+          <a:chOff x="0" y="0"/>
+          <a:chExt cx="0" cy="0"/>
+        </a:xfrm>
+      </p:grpSpPr>
+      <p:sp>
+        <p:nvSpPr>
+          <p:cNvPr id="2" name="Titel 1">
+            <a:extLst>
+              <a:ext uri="{FF2B5EF4-FFF2-40B4-BE49-F238E27FC236}">
+                <a16:creationId xmlns:a16="http://schemas.microsoft.com/office/drawing/2014/main" id="{96648B71-3AC4-47A9-B317-3EB7F13DB51C}"/>
+              </a:ext>
+            </a:extLst>
+          </p:cNvPr>
+          <p:cNvSpPr>
+            <a:spLocks noGrp="1"/>
+          </p:cNvSpPr>
+          <p:nvPr>
+            <p:ph type="title"/>
+          </p:nvPr>
+        </p:nvSpPr>
+        <p:spPr>
+          <a:xfrm>
+            <a:off x="838200" y="373146"/>
+            <a:ext cx="10515600" cy="1325563"/>
+          </a:xfrm>
+        </p:spPr>
+        <p:txBody>
+          <a:bodyPr/>
+          <a:lstStyle/>
+          <a:p>
+            <a:r>
+              <a:rPr lang="de-DE" dirty="0">
+                <a:solidFill>
+                  <a:srgbClr val="00B0F0"/>
+                </a:solidFill>
+              </a:rPr>
+              <a:t>Container – Grundlagen</a:t>
+            </a:r>
+          </a:p>
+        </p:txBody>
+      </p:sp>
+      <p:sp>
+        <p:nvSpPr>
+          <p:cNvPr id="3" name="Inhaltsplatzhalter 2">
+            <a:extLst>
+              <a:ext uri="{FF2B5EF4-FFF2-40B4-BE49-F238E27FC236}">
+                <a16:creationId xmlns:a16="http://schemas.microsoft.com/office/drawing/2014/main" id="{0A5E6262-E967-4ED3-9F3E-B7A9552D58C0}"/>
+              </a:ext>
+            </a:extLst>
+          </p:cNvPr>
+          <p:cNvSpPr>
+            <a:spLocks noGrp="1"/>
+          </p:cNvSpPr>
+          <p:nvPr>
+            <p:ph idx="1"/>
+          </p:nvPr>
+        </p:nvSpPr>
+        <p:spPr/>
+        <p:txBody>
+          <a:bodyPr>
+            <a:normAutofit/>
+          </a:bodyPr>
+          <a:lstStyle/>
+          <a:p>
+            <a:pPr>
+              <a:buFontTx/>
+              <a:buChar char="-"/>
+            </a:pPr>
+            <a:r>
+              <a:rPr lang="de-DE" dirty="0"/>
+              <a:t>Softwareplattform für das Erstellen, Testen und Bereitstellen von Anwendungen</a:t>
+            </a:r>
+          </a:p>
+          <a:p>
+            <a:pPr>
+              <a:buFontTx/>
+              <a:buChar char="-"/>
+            </a:pPr>
+            <a:r>
+              <a:rPr lang="de-DE" dirty="0"/>
+              <a:t>Isolierung von Anwendungen =&gt; Containern</a:t>
+            </a:r>
+          </a:p>
+          <a:p>
+            <a:pPr>
+              <a:buFontTx/>
+              <a:buChar char="-"/>
+            </a:pPr>
+            <a:r>
+              <a:rPr lang="de-DE" dirty="0"/>
+              <a:t>Ähnlich wie eine VM die Hardware eines Systems virtualisiert, virtualisieren Container das Betriebssystem</a:t>
+            </a:r>
+          </a:p>
+          <a:p>
+            <a:pPr>
+              <a:buFontTx/>
+              <a:buChar char="-"/>
+            </a:pPr>
+            <a:r>
+              <a:rPr lang="de-DE" dirty="0"/>
+              <a:t>Docker ist eine Implementierung einer solchen Softwareplattform</a:t>
+            </a:r>
+          </a:p>
+          <a:p>
+            <a:pPr>
+              <a:buFontTx/>
+              <a:buChar char="-"/>
+            </a:pPr>
+            <a:r>
+              <a:rPr lang="de-DE" dirty="0"/>
+              <a:t>Docker ist an sich keine Neuerfindung, sondern macht bestehende Linux-Techniken einfach zugänglich =&gt; Control Groups / Namespaces (Isolierung von CPU, Arbeitsspeicher, I/O, Netzwerk usw.)</a:t>
+            </a:r>
+          </a:p>
+        </p:txBody>
+      </p:sp>
+    </p:spTree>
+    <p:extLst>
+      <p:ext uri="{BB962C8B-B14F-4D97-AF65-F5344CB8AC3E}">
+        <p14:creationId xmlns:p14="http://schemas.microsoft.com/office/powerpoint/2010/main" val="2552472128"/>
+      </p:ext>
+    </p:extLst>
+  </p:cSld>
+  <p:clrMapOvr>
+    <a:masterClrMapping/>
+  </p:clrMapOvr>
+</p:sld>
+</file>
+
+<file path=ppt/slides/slide6.xml><?xml version="1.0" encoding="utf-8"?>
+<p:sld xmlns:a="http://schemas.openxmlformats.org/drawingml/2006/main" xmlns:r="http://schemas.openxmlformats.org/officeDocument/2006/relationships" xmlns:p="http://schemas.openxmlformats.org/presentationml/2006/main">
+  <p:cSld>
+    <p:spTree>
+      <p:nvGrpSpPr>
+        <p:cNvPr id="1" name=""/>
+        <p:cNvGrpSpPr/>
+        <p:nvPr/>
+      </p:nvGrpSpPr>
+      <p:grpSpPr>
+        <a:xfrm>
+          <a:off x="0" y="0"/>
+          <a:ext cx="0" cy="0"/>
+          <a:chOff x="0" y="0"/>
+          <a:chExt cx="0" cy="0"/>
+        </a:xfrm>
+      </p:grpSpPr>
+      <p:sp>
+        <p:nvSpPr>
+          <p:cNvPr id="2" name="Titel 1">
+            <a:extLst>
+              <a:ext uri="{FF2B5EF4-FFF2-40B4-BE49-F238E27FC236}">
+                <a16:creationId xmlns:a16="http://schemas.microsoft.com/office/drawing/2014/main" id="{96648B71-3AC4-47A9-B317-3EB7F13DB51C}"/>
+              </a:ext>
+            </a:extLst>
+          </p:cNvPr>
+          <p:cNvSpPr>
+            <a:spLocks noGrp="1"/>
+          </p:cNvSpPr>
+          <p:nvPr>
+            <p:ph type="title"/>
+          </p:nvPr>
+        </p:nvSpPr>
+        <p:spPr>
+          <a:xfrm>
+            <a:off x="838200" y="373146"/>
+            <a:ext cx="10515600" cy="1325563"/>
+          </a:xfrm>
+        </p:spPr>
+        <p:txBody>
+          <a:bodyPr/>
+          <a:lstStyle/>
+          <a:p>
+            <a:r>
+              <a:rPr lang="de-DE" dirty="0">
+                <a:solidFill>
+                  <a:srgbClr val="00B0F0"/>
+                </a:solidFill>
+              </a:rPr>
+              <a:t>Container – Grundlagen</a:t>
+            </a:r>
+          </a:p>
+        </p:txBody>
+      </p:sp>
+      <p:sp>
+        <p:nvSpPr>
+          <p:cNvPr id="3" name="Inhaltsplatzhalter 2">
+            <a:extLst>
+              <a:ext uri="{FF2B5EF4-FFF2-40B4-BE49-F238E27FC236}">
+                <a16:creationId xmlns:a16="http://schemas.microsoft.com/office/drawing/2014/main" id="{0A5E6262-E967-4ED3-9F3E-B7A9552D58C0}"/>
+              </a:ext>
+            </a:extLst>
+          </p:cNvPr>
+          <p:cNvSpPr>
+            <a:spLocks noGrp="1"/>
+          </p:cNvSpPr>
+          <p:nvPr>
+            <p:ph idx="1"/>
+          </p:nvPr>
+        </p:nvSpPr>
+        <p:spPr/>
+        <p:txBody>
+          <a:bodyPr>
+            <a:normAutofit/>
+          </a:bodyPr>
+          <a:lstStyle/>
+          <a:p>
+            <a:pPr>
+              <a:buFontTx/>
+              <a:buChar char="-"/>
+            </a:pPr>
+            <a:r>
+              <a:rPr lang="de-DE" dirty="0"/>
+              <a:t>Docker-Host &lt;= Maschine der die Docker Engine (</a:t>
+            </a:r>
+            <a:r>
+              <a:rPr lang="de-DE" dirty="0" err="1"/>
+              <a:t>Daemon</a:t>
+            </a:r>
+            <a:r>
+              <a:rPr lang="de-DE" dirty="0"/>
+              <a:t>) ausführt</a:t>
+            </a:r>
+          </a:p>
+          <a:p>
+            <a:pPr>
+              <a:buFontTx/>
+              <a:buChar char="-"/>
+            </a:pPr>
+            <a:r>
+              <a:rPr lang="de-DE" dirty="0"/>
+              <a:t>Docker Engine &lt;= Laufzeitumgebung und Steuerung für Docker Container und Images</a:t>
+            </a:r>
+          </a:p>
+          <a:p>
+            <a:pPr>
+              <a:buFontTx/>
+              <a:buChar char="-"/>
+            </a:pPr>
+            <a:r>
+              <a:rPr lang="de-DE" dirty="0"/>
+              <a:t>Image &lt;= Datei zur Ausführung von Containern (Anwendung)</a:t>
+            </a:r>
+          </a:p>
+          <a:p>
+            <a:pPr lvl="1">
+              <a:buFontTx/>
+              <a:buChar char="-"/>
+            </a:pPr>
+            <a:r>
+              <a:rPr lang="de-DE" dirty="0"/>
+              <a:t>Ähnlich einem Snapshot einer VM</a:t>
+            </a:r>
+          </a:p>
+          <a:p>
+            <a:pPr lvl="1">
+              <a:buFontTx/>
+              <a:buChar char="-"/>
+            </a:pPr>
+            <a:r>
+              <a:rPr lang="de-DE" dirty="0"/>
+              <a:t>Image kann mehrere Layer beinhalten</a:t>
+            </a:r>
+          </a:p>
+          <a:p>
+            <a:pPr>
+              <a:buFontTx/>
+              <a:buChar char="-"/>
+            </a:pPr>
+            <a:r>
+              <a:rPr lang="de-DE" dirty="0"/>
+              <a:t>Container &lt;= Instanz eines Images (ein ausgeführtes Images)</a:t>
+            </a:r>
+          </a:p>
+          <a:p>
+            <a:pPr>
+              <a:buFontTx/>
+              <a:buChar char="-"/>
+            </a:pPr>
+            <a:r>
+              <a:rPr lang="de-DE" dirty="0"/>
+              <a:t>Container sind zunächst voneinander isoliert und verfügen erstmal über keinen persistenten Zustand</a:t>
+            </a:r>
+          </a:p>
+          <a:p>
+            <a:pPr>
+              <a:buFontTx/>
+              <a:buChar char="-"/>
+            </a:pPr>
+            <a:endParaRPr lang="de-DE" dirty="0"/>
+          </a:p>
+        </p:txBody>
+      </p:sp>
+    </p:spTree>
+    <p:extLst>
+      <p:ext uri="{BB962C8B-B14F-4D97-AF65-F5344CB8AC3E}">
+        <p14:creationId xmlns:p14="http://schemas.microsoft.com/office/powerpoint/2010/main" val="3854934188"/>
+      </p:ext>
+    </p:extLst>
+  </p:cSld>
+  <p:clrMapOvr>
+    <a:masterClrMapping/>
+  </p:clrMapOvr>
+</p:sld>
+</file>
+
+<file path=ppt/slides/slide7.xml><?xml version="1.0" encoding="utf-8"?>
+<p:sld xmlns:a="http://schemas.openxmlformats.org/drawingml/2006/main" xmlns:r="http://schemas.openxmlformats.org/officeDocument/2006/relationships" xmlns:p="http://schemas.openxmlformats.org/presentationml/2006/main">
+  <p:cSld>
+    <p:spTree>
+      <p:nvGrpSpPr>
+        <p:cNvPr id="1" name=""/>
+        <p:cNvGrpSpPr/>
+        <p:nvPr/>
+      </p:nvGrpSpPr>
+      <p:grpSpPr>
+        <a:xfrm>
+          <a:off x="0" y="0"/>
+          <a:ext cx="0" cy="0"/>
+          <a:chOff x="0" y="0"/>
+          <a:chExt cx="0" cy="0"/>
+        </a:xfrm>
+      </p:grpSpPr>
+      <p:sp>
+        <p:nvSpPr>
+          <p:cNvPr id="2" name="Titel 1">
+            <a:extLst>
+              <a:ext uri="{FF2B5EF4-FFF2-40B4-BE49-F238E27FC236}">
+                <a16:creationId xmlns:a16="http://schemas.microsoft.com/office/drawing/2014/main" id="{96648B71-3AC4-47A9-B317-3EB7F13DB51C}"/>
+              </a:ext>
+            </a:extLst>
+          </p:cNvPr>
+          <p:cNvSpPr>
+            <a:spLocks noGrp="1"/>
+          </p:cNvSpPr>
+          <p:nvPr>
+            <p:ph type="title"/>
+          </p:nvPr>
+        </p:nvSpPr>
+        <p:spPr>
+          <a:xfrm>
+            <a:off x="838200" y="373146"/>
+            <a:ext cx="10515600" cy="1325563"/>
+          </a:xfrm>
+        </p:spPr>
+        <p:txBody>
+          <a:bodyPr/>
+          <a:lstStyle/>
+          <a:p>
+            <a:r>
+              <a:rPr lang="de-DE" dirty="0">
+                <a:solidFill>
+                  <a:srgbClr val="00B0F0"/>
+                </a:solidFill>
+              </a:rPr>
+              <a:t>Container – Grundlagen</a:t>
+            </a:r>
+          </a:p>
+        </p:txBody>
+      </p:sp>
+      <p:sp>
+        <p:nvSpPr>
+          <p:cNvPr id="3" name="Inhaltsplatzhalter 2">
+            <a:extLst>
+              <a:ext uri="{FF2B5EF4-FFF2-40B4-BE49-F238E27FC236}">
+                <a16:creationId xmlns:a16="http://schemas.microsoft.com/office/drawing/2014/main" id="{0A5E6262-E967-4ED3-9F3E-B7A9552D58C0}"/>
+              </a:ext>
+            </a:extLst>
+          </p:cNvPr>
+          <p:cNvSpPr>
+            <a:spLocks noGrp="1"/>
+          </p:cNvSpPr>
+          <p:nvPr>
+            <p:ph idx="1"/>
+          </p:nvPr>
+        </p:nvSpPr>
+        <p:spPr/>
+        <p:txBody>
+          <a:bodyPr>
+            <a:normAutofit/>
+          </a:bodyPr>
+          <a:lstStyle/>
+          <a:p>
+            <a:pPr>
+              <a:buFontTx/>
+              <a:buChar char="-"/>
+            </a:pPr>
+            <a:r>
+              <a:rPr lang="de-DE" dirty="0"/>
+              <a:t>Docker für Windows</a:t>
+            </a:r>
+          </a:p>
+          <a:p>
+            <a:pPr lvl="1">
+              <a:buFontTx/>
+              <a:buChar char="-"/>
+            </a:pPr>
+            <a:r>
+              <a:rPr lang="de-DE" dirty="0"/>
+              <a:t>Docker Desktop für Windows 10 &amp; Mac</a:t>
+            </a:r>
+          </a:p>
+          <a:p>
+            <a:pPr lvl="1">
+              <a:buFontTx/>
+              <a:buChar char="-"/>
+            </a:pPr>
+            <a:r>
+              <a:rPr lang="de-DE" dirty="0"/>
+              <a:t>Docker Engine als integriertes Windows Server Feature</a:t>
+            </a:r>
+          </a:p>
+          <a:p>
+            <a:pPr lvl="1">
+              <a:buFontTx/>
+              <a:buChar char="-"/>
+            </a:pPr>
+            <a:endParaRPr lang="de-DE" dirty="0"/>
+          </a:p>
+          <a:p>
+            <a:pPr>
+              <a:buFontTx/>
+              <a:buChar char="-"/>
+            </a:pPr>
+            <a:r>
+              <a:rPr lang="de-DE" dirty="0"/>
+              <a:t>Docker für Linux</a:t>
+            </a:r>
+          </a:p>
+          <a:p>
+            <a:pPr lvl="1">
+              <a:buFontTx/>
+              <a:buChar char="-"/>
+            </a:pPr>
+            <a:r>
+              <a:rPr lang="de-DE" dirty="0"/>
+              <a:t>.</a:t>
+            </a:r>
+            <a:r>
+              <a:rPr lang="de-DE" dirty="0" err="1"/>
+              <a:t>deb</a:t>
+            </a:r>
+            <a:r>
+              <a:rPr lang="de-DE" dirty="0"/>
+              <a:t> Paket</a:t>
+            </a:r>
+          </a:p>
+          <a:p>
+            <a:pPr lvl="1">
+              <a:buFontTx/>
+              <a:buChar char="-"/>
+            </a:pPr>
+            <a:r>
+              <a:rPr lang="de-DE" dirty="0"/>
+              <a:t>.</a:t>
+            </a:r>
+            <a:r>
+              <a:rPr lang="de-DE" dirty="0" err="1"/>
+              <a:t>rpm</a:t>
+            </a:r>
+            <a:r>
+              <a:rPr lang="de-DE" dirty="0"/>
+              <a:t> Paket</a:t>
+            </a:r>
+          </a:p>
+          <a:p>
+            <a:pPr lvl="1">
+              <a:buFontTx/>
+              <a:buChar char="-"/>
+            </a:pPr>
+            <a:endParaRPr lang="de-DE" dirty="0"/>
+          </a:p>
+          <a:p>
+            <a:pPr lvl="1">
+              <a:buFontTx/>
+              <a:buChar char="-"/>
+            </a:pPr>
+            <a:endParaRPr lang="de-DE" dirty="0"/>
+          </a:p>
+          <a:p>
+            <a:pPr lvl="1">
+              <a:buFontTx/>
+              <a:buChar char="-"/>
+            </a:pPr>
+            <a:endParaRPr lang="de-DE" dirty="0"/>
+          </a:p>
+        </p:txBody>
+      </p:sp>
+    </p:spTree>
+    <p:extLst>
+      <p:ext uri="{BB962C8B-B14F-4D97-AF65-F5344CB8AC3E}">
+        <p14:creationId xmlns:p14="http://schemas.microsoft.com/office/powerpoint/2010/main" val="2028106134"/>
+      </p:ext>
+    </p:extLst>
+  </p:cSld>
+  <p:clrMapOvr>
+    <a:masterClrMapping/>
+  </p:clrMapOvr>
+</p:sld>
+</file>
+
+<file path=ppt/slides/slide8.xml><?xml version="1.0" encoding="utf-8"?>
+<p:sld xmlns:a="http://schemas.openxmlformats.org/drawingml/2006/main" xmlns:r="http://schemas.openxmlformats.org/officeDocument/2006/relationships" xmlns:p="http://schemas.openxmlformats.org/presentationml/2006/main">
+  <p:cSld>
+    <p:spTree>
+      <p:nvGrpSpPr>
+        <p:cNvPr id="1" name=""/>
+        <p:cNvGrpSpPr/>
+        <p:nvPr/>
+      </p:nvGrpSpPr>
+      <p:grpSpPr>
+        <a:xfrm>
+          <a:off x="0" y="0"/>
+          <a:ext cx="0" cy="0"/>
+          <a:chOff x="0" y="0"/>
+          <a:chExt cx="0" cy="0"/>
+        </a:xfrm>
+      </p:grpSpPr>
+      <p:sp>
+        <p:nvSpPr>
+          <p:cNvPr id="2" name="Titel 1">
+            <a:extLst>
+              <a:ext uri="{FF2B5EF4-FFF2-40B4-BE49-F238E27FC236}">
+                <a16:creationId xmlns:a16="http://schemas.microsoft.com/office/drawing/2014/main" id="{96648B71-3AC4-47A9-B317-3EB7F13DB51C}"/>
+              </a:ext>
+            </a:extLst>
+          </p:cNvPr>
+          <p:cNvSpPr>
+            <a:spLocks noGrp="1"/>
+          </p:cNvSpPr>
+          <p:nvPr>
+            <p:ph type="title"/>
+          </p:nvPr>
+        </p:nvSpPr>
+        <p:spPr>
+          <a:xfrm>
+            <a:off x="838200" y="373146"/>
+            <a:ext cx="10515600" cy="1325563"/>
+          </a:xfrm>
+        </p:spPr>
+        <p:txBody>
+          <a:bodyPr/>
+          <a:lstStyle/>
+          <a:p>
+            <a:r>
+              <a:rPr lang="de-DE" dirty="0">
+                <a:solidFill>
+                  <a:srgbClr val="00B0F0"/>
+                </a:solidFill>
+              </a:rPr>
+              <a:t>Container – Grundlagen</a:t>
+            </a:r>
+          </a:p>
+        </p:txBody>
+      </p:sp>
+      <p:sp>
+        <p:nvSpPr>
+          <p:cNvPr id="3" name="Inhaltsplatzhalter 2">
+            <a:extLst>
+              <a:ext uri="{FF2B5EF4-FFF2-40B4-BE49-F238E27FC236}">
+                <a16:creationId xmlns:a16="http://schemas.microsoft.com/office/drawing/2014/main" id="{0A5E6262-E967-4ED3-9F3E-B7A9552D58C0}"/>
+              </a:ext>
+            </a:extLst>
+          </p:cNvPr>
+          <p:cNvSpPr>
+            <a:spLocks noGrp="1"/>
+          </p:cNvSpPr>
+          <p:nvPr>
+            <p:ph idx="1"/>
+          </p:nvPr>
+        </p:nvSpPr>
+        <p:spPr/>
+        <p:txBody>
+          <a:bodyPr>
+            <a:normAutofit lnSpcReduction="10000"/>
+          </a:bodyPr>
+          <a:lstStyle/>
+          <a:p>
+            <a:pPr>
+              <a:buFontTx/>
+              <a:buChar char="-"/>
+            </a:pPr>
+            <a:r>
+              <a:rPr lang="de-DE" dirty="0"/>
+              <a:t>Docker Registry</a:t>
+            </a:r>
+          </a:p>
+          <a:p>
+            <a:pPr lvl="1">
+              <a:buFontTx/>
+              <a:buChar char="-"/>
+            </a:pPr>
+            <a:r>
+              <a:rPr lang="de-DE" dirty="0"/>
+              <a:t>Repositorien für die Bereitstellung und Verwaltung von Images</a:t>
+            </a:r>
+          </a:p>
+          <a:p>
+            <a:pPr marL="914400" lvl="2" indent="0">
+              <a:buNone/>
+            </a:pPr>
+            <a:r>
+              <a:rPr lang="de-DE" dirty="0"/>
+              <a:t>(Marketplace für Container Lösungen)</a:t>
+            </a:r>
+          </a:p>
+          <a:p>
+            <a:pPr lvl="1">
+              <a:buFontTx/>
+              <a:buChar char="-"/>
+            </a:pPr>
+            <a:r>
+              <a:rPr lang="de-DE" dirty="0"/>
+              <a:t>Unterscheidung zwischen </a:t>
+            </a:r>
+          </a:p>
+          <a:p>
+            <a:pPr lvl="2">
+              <a:buFontTx/>
+              <a:buChar char="-"/>
+            </a:pPr>
+            <a:r>
+              <a:rPr lang="de-DE" dirty="0"/>
+              <a:t>Öffentlich </a:t>
+            </a:r>
+          </a:p>
+          <a:p>
+            <a:pPr lvl="2">
+              <a:buFontTx/>
+              <a:buChar char="-"/>
+            </a:pPr>
+            <a:r>
+              <a:rPr lang="de-DE" dirty="0"/>
+              <a:t>Privat </a:t>
+            </a:r>
+          </a:p>
+          <a:p>
+            <a:pPr lvl="1">
+              <a:buFontTx/>
+              <a:buChar char="-"/>
+            </a:pPr>
+            <a:r>
+              <a:rPr lang="de-DE" dirty="0"/>
+              <a:t>Versionierung / Bezeichnung über so genannte Tags</a:t>
+            </a:r>
+          </a:p>
+          <a:p>
+            <a:pPr lvl="2">
+              <a:buFontTx/>
+              <a:buChar char="-"/>
+            </a:pPr>
+            <a:r>
+              <a:rPr lang="de-DE" dirty="0"/>
+              <a:t>„</a:t>
+            </a:r>
+            <a:r>
+              <a:rPr lang="de-DE" dirty="0" err="1"/>
+              <a:t>latest</a:t>
+            </a:r>
+            <a:r>
+              <a:rPr lang="de-DE" dirty="0"/>
+              <a:t>“ Tag allgemein verwendet um den letzten Stand zu kennzeichnen</a:t>
+            </a:r>
+          </a:p>
+          <a:p>
+            <a:pPr lvl="1">
+              <a:buFontTx/>
+              <a:buChar char="-"/>
+            </a:pPr>
+            <a:r>
+              <a:rPr lang="de-DE" dirty="0"/>
+              <a:t>Cloud-Lösungen fürs Hosten einer Docker Registry verfügbar</a:t>
+            </a:r>
+          </a:p>
+          <a:p>
+            <a:pPr lvl="2">
+              <a:buFontTx/>
+              <a:buChar char="-"/>
+            </a:pPr>
+            <a:r>
+              <a:rPr lang="de-DE" dirty="0"/>
+              <a:t>Docker Hub</a:t>
+            </a:r>
+          </a:p>
+          <a:p>
+            <a:pPr lvl="2">
+              <a:buFontTx/>
+              <a:buChar char="-"/>
+            </a:pPr>
+            <a:r>
+              <a:rPr lang="de-DE" dirty="0"/>
+              <a:t>Azure Container Registry</a:t>
+            </a:r>
+          </a:p>
+          <a:p>
+            <a:pPr lvl="1">
+              <a:buFontTx/>
+              <a:buChar char="-"/>
+            </a:pPr>
+            <a:r>
+              <a:rPr lang="de-DE" dirty="0"/>
+              <a:t>Hosten on-</a:t>
+            </a:r>
+            <a:r>
+              <a:rPr lang="de-DE" dirty="0" err="1"/>
+              <a:t>premise</a:t>
+            </a:r>
+            <a:r>
+              <a:rPr lang="de-DE" dirty="0"/>
+              <a:t> möglich (Docker Registry existiert als Container-Lösung)</a:t>
+            </a:r>
+          </a:p>
+          <a:p>
+            <a:pPr marL="457200" lvl="1" indent="0">
+              <a:buNone/>
+            </a:pPr>
+            <a:endParaRPr lang="de-DE" dirty="0"/>
+          </a:p>
+          <a:p>
+            <a:pPr lvl="1">
+              <a:buFontTx/>
+              <a:buChar char="-"/>
+            </a:pPr>
+            <a:endParaRPr lang="de-DE" dirty="0"/>
+          </a:p>
+        </p:txBody>
+      </p:sp>
+    </p:spTree>
+    <p:extLst>
+      <p:ext uri="{BB962C8B-B14F-4D97-AF65-F5344CB8AC3E}">
+        <p14:creationId xmlns:p14="http://schemas.microsoft.com/office/powerpoint/2010/main" val="326392660"/>
+      </p:ext>
+    </p:extLst>
+  </p:cSld>
+  <p:clrMapOvr>
+    <a:masterClrMapping/>
+  </p:clrMapOvr>
+</p:sld>
+</file>
+
+<file path=ppt/slides/slide9.xml><?xml version="1.0" encoding="utf-8"?>
+<p:sld xmlns:a="http://schemas.openxmlformats.org/drawingml/2006/main" xmlns:r="http://schemas.openxmlformats.org/officeDocument/2006/relationships" xmlns:p="http://schemas.openxmlformats.org/presentationml/2006/main">
+  <p:cSld>
+    <p:spTree>
+      <p:nvGrpSpPr>
+        <p:cNvPr id="1" name=""/>
+        <p:cNvGrpSpPr/>
+        <p:nvPr/>
+      </p:nvGrpSpPr>
+      <p:grpSpPr>
+        <a:xfrm>
+          <a:off x="0" y="0"/>
+          <a:ext cx="0" cy="0"/>
+          <a:chOff x="0" y="0"/>
+          <a:chExt cx="0" cy="0"/>
+        </a:xfrm>
+      </p:grpSpPr>
+      <p:sp>
+        <p:nvSpPr>
+          <p:cNvPr id="2" name="Titel 1">
+            <a:extLst>
+              <a:ext uri="{FF2B5EF4-FFF2-40B4-BE49-F238E27FC236}">
+                <a16:creationId xmlns:a16="http://schemas.microsoft.com/office/drawing/2014/main" id="{96648B71-3AC4-47A9-B317-3EB7F13DB51C}"/>
+              </a:ext>
+            </a:extLst>
+          </p:cNvPr>
+          <p:cNvSpPr>
+            <a:spLocks noGrp="1"/>
+          </p:cNvSpPr>
+          <p:nvPr>
+            <p:ph type="title"/>
+          </p:nvPr>
+        </p:nvSpPr>
+        <p:spPr>
+          <a:xfrm>
+            <a:off x="838200" y="373146"/>
+            <a:ext cx="10515600" cy="1325563"/>
+          </a:xfrm>
+        </p:spPr>
+        <p:txBody>
+          <a:bodyPr/>
+          <a:lstStyle/>
+          <a:p>
+            <a:r>
+              <a:rPr lang="de-DE" dirty="0">
+                <a:solidFill>
+                  <a:srgbClr val="00B0F0"/>
+                </a:solidFill>
+              </a:rPr>
+              <a:t>Container – Grundlagen</a:t>
+            </a:r>
+          </a:p>
+        </p:txBody>
+      </p:sp>
+      <p:sp>
+        <p:nvSpPr>
+          <p:cNvPr id="3" name="Inhaltsplatzhalter 2">
+            <a:extLst>
+              <a:ext uri="{FF2B5EF4-FFF2-40B4-BE49-F238E27FC236}">
+                <a16:creationId xmlns:a16="http://schemas.microsoft.com/office/drawing/2014/main" id="{0A5E6262-E967-4ED3-9F3E-B7A9552D58C0}"/>
+              </a:ext>
+            </a:extLst>
+          </p:cNvPr>
+          <p:cNvSpPr>
+            <a:spLocks noGrp="1"/>
+          </p:cNvSpPr>
+          <p:nvPr>
+            <p:ph idx="1"/>
+          </p:nvPr>
+        </p:nvSpPr>
+        <p:spPr/>
+        <p:txBody>
+          <a:bodyPr>
+            <a:normAutofit lnSpcReduction="10000"/>
+          </a:bodyPr>
+          <a:lstStyle/>
+          <a:p>
+            <a:pPr>
+              <a:buFontTx/>
+              <a:buChar char="-"/>
+            </a:pPr>
+            <a:r>
+              <a:rPr lang="de-DE" dirty="0"/>
+              <a:t>Container Registry</a:t>
+            </a:r>
+          </a:p>
+          <a:p>
+            <a:pPr lvl="1">
+              <a:buFontTx/>
+              <a:buChar char="-"/>
+            </a:pPr>
+            <a:r>
+              <a:rPr lang="de-DE" dirty="0"/>
+              <a:t>Repositorien für die Bereitstellung und Verwaltung von Images</a:t>
+            </a:r>
+          </a:p>
+          <a:p>
+            <a:pPr marL="914400" lvl="2" indent="0">
+              <a:buNone/>
+            </a:pPr>
+            <a:r>
+              <a:rPr lang="de-DE" dirty="0"/>
+              <a:t>(Marketplace für Container Lösungen)</a:t>
+            </a:r>
+          </a:p>
+          <a:p>
+            <a:pPr lvl="1">
+              <a:buFontTx/>
+              <a:buChar char="-"/>
+            </a:pPr>
+            <a:r>
+              <a:rPr lang="de-DE" dirty="0"/>
+              <a:t>Unterscheidung zwischen </a:t>
+            </a:r>
+          </a:p>
+          <a:p>
+            <a:pPr lvl="2">
+              <a:buFontTx/>
+              <a:buChar char="-"/>
+            </a:pPr>
+            <a:r>
+              <a:rPr lang="de-DE" dirty="0"/>
+              <a:t>Öffentlich </a:t>
+            </a:r>
+          </a:p>
+          <a:p>
+            <a:pPr lvl="2">
+              <a:buFontTx/>
+              <a:buChar char="-"/>
+            </a:pPr>
+            <a:r>
+              <a:rPr lang="de-DE" dirty="0"/>
+              <a:t>Privat </a:t>
+            </a:r>
+          </a:p>
+          <a:p>
+            <a:pPr lvl="1">
+              <a:buFontTx/>
+              <a:buChar char="-"/>
+            </a:pPr>
+            <a:r>
+              <a:rPr lang="de-DE" dirty="0"/>
+              <a:t>Versionierung / Bezeichnung über so genannte Tags</a:t>
+            </a:r>
+          </a:p>
+          <a:p>
+            <a:pPr lvl="2">
+              <a:buFontTx/>
+              <a:buChar char="-"/>
+            </a:pPr>
+            <a:r>
+              <a:rPr lang="de-DE" dirty="0"/>
+              <a:t>„</a:t>
+            </a:r>
+            <a:r>
+              <a:rPr lang="de-DE" dirty="0" err="1"/>
+              <a:t>latest</a:t>
+            </a:r>
+            <a:r>
+              <a:rPr lang="de-DE" dirty="0"/>
+              <a:t>“ Tag allgemein verwendet um den letzten Stand zu kennzeichnen</a:t>
+            </a:r>
+          </a:p>
+          <a:p>
+            <a:pPr lvl="1">
+              <a:buFontTx/>
+              <a:buChar char="-"/>
+            </a:pPr>
+            <a:r>
+              <a:rPr lang="de-DE" dirty="0"/>
+              <a:t>Cloud-Lösungen fürs Hosten einer Docker Registry verfügbar</a:t>
+            </a:r>
+          </a:p>
+          <a:p>
+            <a:pPr lvl="2">
+              <a:buFontTx/>
+              <a:buChar char="-"/>
+            </a:pPr>
+            <a:r>
+              <a:rPr lang="de-DE" dirty="0"/>
+              <a:t>Docker Hub</a:t>
+            </a:r>
+          </a:p>
+          <a:p>
+            <a:pPr lvl="2">
+              <a:buFontTx/>
+              <a:buChar char="-"/>
+            </a:pPr>
+            <a:r>
+              <a:rPr lang="de-DE" dirty="0"/>
+              <a:t>Azure Container Registry</a:t>
+            </a:r>
+          </a:p>
+          <a:p>
+            <a:pPr lvl="1">
+              <a:buFontTx/>
+              <a:buChar char="-"/>
+            </a:pPr>
+            <a:r>
+              <a:rPr lang="de-DE" dirty="0"/>
+              <a:t>Hosten on-</a:t>
+            </a:r>
+            <a:r>
+              <a:rPr lang="de-DE" dirty="0" err="1"/>
+              <a:t>premise</a:t>
+            </a:r>
+            <a:r>
+              <a:rPr lang="de-DE" dirty="0"/>
+              <a:t> möglich (Docker Registry existiert als Container-Lösung)</a:t>
+            </a:r>
+          </a:p>
+          <a:p>
+            <a:pPr marL="457200" lvl="1" indent="0">
+              <a:buNone/>
+            </a:pPr>
+            <a:endParaRPr lang="de-DE" dirty="0"/>
+          </a:p>
+          <a:p>
+            <a:pPr lvl="1">
+              <a:buFontTx/>
+              <a:buChar char="-"/>
+            </a:pPr>
+            <a:endParaRPr lang="de-DE" dirty="0"/>
+          </a:p>
+        </p:txBody>
+      </p:sp>
+    </p:spTree>
+    <p:extLst>
+      <p:ext uri="{BB962C8B-B14F-4D97-AF65-F5344CB8AC3E}">
+        <p14:creationId xmlns:p14="http://schemas.microsoft.com/office/powerpoint/2010/main" val="527236980"/>
       </p:ext>
     </p:extLst>
   </p:cSld>

--- a/docs/Docker Workshop.de.pptx
+++ b/docs/Docker Workshop.de.pptx
@@ -10,11 +10,14 @@
     <p:sldId id="258" r:id="rId4"/>
     <p:sldId id="259" r:id="rId5"/>
     <p:sldId id="260" r:id="rId6"/>
-    <p:sldId id="261" r:id="rId7"/>
-    <p:sldId id="262" r:id="rId8"/>
-    <p:sldId id="263" r:id="rId9"/>
-    <p:sldId id="264" r:id="rId10"/>
-    <p:sldId id="265" r:id="rId11"/>
+    <p:sldId id="268" r:id="rId7"/>
+    <p:sldId id="269" r:id="rId8"/>
+    <p:sldId id="267" r:id="rId9"/>
+    <p:sldId id="261" r:id="rId10"/>
+    <p:sldId id="262" r:id="rId11"/>
+    <p:sldId id="263" r:id="rId12"/>
+    <p:sldId id="266" r:id="rId13"/>
+    <p:sldId id="265" r:id="rId14"/>
   </p:sldIdLst>
   <p:sldSz cx="12192000" cy="6858000"/>
   <p:notesSz cx="6858000" cy="9144000"/>
@@ -252,7 +255,7 @@
           <a:p>
             <a:fld id="{42755817-096B-4D71-80A7-F1BD77409C8A}" type="datetimeFigureOut">
               <a:rPr lang="de-DE" smtClean="0"/>
-              <a:t>25.01.2021</a:t>
+              <a:t>28.01.2021</a:t>
             </a:fld>
             <a:endParaRPr lang="de-DE"/>
           </a:p>
@@ -422,7 +425,7 @@
           <a:p>
             <a:fld id="{42755817-096B-4D71-80A7-F1BD77409C8A}" type="datetimeFigureOut">
               <a:rPr lang="de-DE" smtClean="0"/>
-              <a:t>25.01.2021</a:t>
+              <a:t>28.01.2021</a:t>
             </a:fld>
             <a:endParaRPr lang="de-DE"/>
           </a:p>
@@ -602,7 +605,7 @@
           <a:p>
             <a:fld id="{42755817-096B-4D71-80A7-F1BD77409C8A}" type="datetimeFigureOut">
               <a:rPr lang="de-DE" smtClean="0"/>
-              <a:t>25.01.2021</a:t>
+              <a:t>28.01.2021</a:t>
             </a:fld>
             <a:endParaRPr lang="de-DE"/>
           </a:p>
@@ -772,7 +775,7 @@
           <a:p>
             <a:fld id="{42755817-096B-4D71-80A7-F1BD77409C8A}" type="datetimeFigureOut">
               <a:rPr lang="de-DE" smtClean="0"/>
-              <a:t>25.01.2021</a:t>
+              <a:t>28.01.2021</a:t>
             </a:fld>
             <a:endParaRPr lang="de-DE"/>
           </a:p>
@@ -1018,7 +1021,7 @@
           <a:p>
             <a:fld id="{42755817-096B-4D71-80A7-F1BD77409C8A}" type="datetimeFigureOut">
               <a:rPr lang="de-DE" smtClean="0"/>
-              <a:t>25.01.2021</a:t>
+              <a:t>28.01.2021</a:t>
             </a:fld>
             <a:endParaRPr lang="de-DE"/>
           </a:p>
@@ -1250,7 +1253,7 @@
           <a:p>
             <a:fld id="{42755817-096B-4D71-80A7-F1BD77409C8A}" type="datetimeFigureOut">
               <a:rPr lang="de-DE" smtClean="0"/>
-              <a:t>25.01.2021</a:t>
+              <a:t>28.01.2021</a:t>
             </a:fld>
             <a:endParaRPr lang="de-DE"/>
           </a:p>
@@ -1617,7 +1620,7 @@
           <a:p>
             <a:fld id="{42755817-096B-4D71-80A7-F1BD77409C8A}" type="datetimeFigureOut">
               <a:rPr lang="de-DE" smtClean="0"/>
-              <a:t>25.01.2021</a:t>
+              <a:t>28.01.2021</a:t>
             </a:fld>
             <a:endParaRPr lang="de-DE"/>
           </a:p>
@@ -1735,7 +1738,7 @@
           <a:p>
             <a:fld id="{42755817-096B-4D71-80A7-F1BD77409C8A}" type="datetimeFigureOut">
               <a:rPr lang="de-DE" smtClean="0"/>
-              <a:t>25.01.2021</a:t>
+              <a:t>28.01.2021</a:t>
             </a:fld>
             <a:endParaRPr lang="de-DE"/>
           </a:p>
@@ -1830,7 +1833,7 @@
           <a:p>
             <a:fld id="{42755817-096B-4D71-80A7-F1BD77409C8A}" type="datetimeFigureOut">
               <a:rPr lang="de-DE" smtClean="0"/>
-              <a:t>25.01.2021</a:t>
+              <a:t>28.01.2021</a:t>
             </a:fld>
             <a:endParaRPr lang="de-DE"/>
           </a:p>
@@ -2107,7 +2110,7 @@
           <a:p>
             <a:fld id="{42755817-096B-4D71-80A7-F1BD77409C8A}" type="datetimeFigureOut">
               <a:rPr lang="de-DE" smtClean="0"/>
-              <a:t>25.01.2021</a:t>
+              <a:t>28.01.2021</a:t>
             </a:fld>
             <a:endParaRPr lang="de-DE"/>
           </a:p>
@@ -2364,7 +2367,7 @@
           <a:p>
             <a:fld id="{42755817-096B-4D71-80A7-F1BD77409C8A}" type="datetimeFigureOut">
               <a:rPr lang="de-DE" smtClean="0"/>
-              <a:t>25.01.2021</a:t>
+              <a:t>28.01.2021</a:t>
             </a:fld>
             <a:endParaRPr lang="de-DE"/>
           </a:p>
@@ -2577,7 +2580,7 @@
           <a:p>
             <a:fld id="{42755817-096B-4D71-80A7-F1BD77409C8A}" type="datetimeFigureOut">
               <a:rPr lang="de-DE" smtClean="0"/>
-              <a:t>25.01.2021</a:t>
+              <a:t>28.01.2021</a:t>
             </a:fld>
             <a:endParaRPr lang="de-DE"/>
           </a:p>
@@ -3117,13 +3120,33 @@
             <a:r>
               <a:rPr lang="de-DE" dirty="0">
                 <a:solidFill>
-                  <a:schemeClr val="accent4">
-                    <a:lumMod val="60000"/>
-                    <a:lumOff val="40000"/>
-                  </a:schemeClr>
+                  <a:srgbClr val="00B0F0"/>
                 </a:solidFill>
               </a:rPr>
-              <a:t>Erste Schritte</a:t>
+              <a:t>Kurze Einführung</a:t>
+            </a:r>
+            <a:br>
+              <a:rPr lang="de-DE" dirty="0">
+                <a:solidFill>
+                  <a:srgbClr val="00B0F0"/>
+                </a:solidFill>
+              </a:rPr>
+            </a:br>
+            <a:r>
+              <a:rPr lang="de-DE" dirty="0">
+                <a:solidFill>
+                  <a:srgbClr val="00B0F0"/>
+                </a:solidFill>
+              </a:rPr>
+              <a:t>Docker </a:t>
+            </a:r>
+            <a:r>
+              <a:rPr lang="de-DE" dirty="0" err="1">
+                <a:solidFill>
+                  <a:srgbClr val="00B0F0"/>
+                </a:solidFill>
+              </a:rPr>
+              <a:t>Engines</a:t>
             </a:r>
             <a:endParaRPr lang="de-DE" dirty="0">
               <a:solidFill>
@@ -3156,6 +3179,671 @@
           </a:bodyPr>
           <a:lstStyle/>
           <a:p>
+            <a:pPr>
+              <a:buFontTx/>
+              <a:buChar char="-"/>
+            </a:pPr>
+            <a:r>
+              <a:rPr lang="de-DE" dirty="0"/>
+              <a:t>Docker für Windows</a:t>
+            </a:r>
+          </a:p>
+          <a:p>
+            <a:pPr lvl="1">
+              <a:buFontTx/>
+              <a:buChar char="-"/>
+            </a:pPr>
+            <a:r>
+              <a:rPr lang="de-DE" dirty="0"/>
+              <a:t>Docker Desktop für Windows 10 &amp; Mac</a:t>
+            </a:r>
+          </a:p>
+          <a:p>
+            <a:pPr lvl="1">
+              <a:buFontTx/>
+              <a:buChar char="-"/>
+            </a:pPr>
+            <a:r>
+              <a:rPr lang="de-DE" dirty="0"/>
+              <a:t>Docker Engine als integriertes Windows Server Feature</a:t>
+            </a:r>
+          </a:p>
+          <a:p>
+            <a:pPr lvl="1">
+              <a:buFontTx/>
+              <a:buChar char="-"/>
+            </a:pPr>
+            <a:endParaRPr lang="de-DE" dirty="0"/>
+          </a:p>
+          <a:p>
+            <a:pPr>
+              <a:buFontTx/>
+              <a:buChar char="-"/>
+            </a:pPr>
+            <a:r>
+              <a:rPr lang="de-DE" dirty="0"/>
+              <a:t>Docker für Linux</a:t>
+            </a:r>
+          </a:p>
+          <a:p>
+            <a:pPr lvl="1">
+              <a:buFontTx/>
+              <a:buChar char="-"/>
+            </a:pPr>
+            <a:r>
+              <a:rPr lang="de-DE" dirty="0"/>
+              <a:t>.</a:t>
+            </a:r>
+            <a:r>
+              <a:rPr lang="de-DE" dirty="0" err="1"/>
+              <a:t>deb</a:t>
+            </a:r>
+            <a:r>
+              <a:rPr lang="de-DE" dirty="0"/>
+              <a:t> Paket</a:t>
+            </a:r>
+          </a:p>
+          <a:p>
+            <a:pPr lvl="1">
+              <a:buFontTx/>
+              <a:buChar char="-"/>
+            </a:pPr>
+            <a:r>
+              <a:rPr lang="de-DE" dirty="0"/>
+              <a:t>.</a:t>
+            </a:r>
+            <a:r>
+              <a:rPr lang="de-DE" dirty="0" err="1"/>
+              <a:t>rpm</a:t>
+            </a:r>
+            <a:r>
+              <a:rPr lang="de-DE" dirty="0"/>
+              <a:t> Paket</a:t>
+            </a:r>
+          </a:p>
+          <a:p>
+            <a:pPr lvl="1">
+              <a:buFontTx/>
+              <a:buChar char="-"/>
+            </a:pPr>
+            <a:endParaRPr lang="de-DE" dirty="0"/>
+          </a:p>
+          <a:p>
+            <a:pPr lvl="1">
+              <a:buFontTx/>
+              <a:buChar char="-"/>
+            </a:pPr>
+            <a:endParaRPr lang="de-DE" dirty="0"/>
+          </a:p>
+          <a:p>
+            <a:pPr lvl="1">
+              <a:buFontTx/>
+              <a:buChar char="-"/>
+            </a:pPr>
+            <a:endParaRPr lang="de-DE" dirty="0"/>
+          </a:p>
+        </p:txBody>
+      </p:sp>
+    </p:spTree>
+    <p:extLst>
+      <p:ext uri="{BB962C8B-B14F-4D97-AF65-F5344CB8AC3E}">
+        <p14:creationId xmlns:p14="http://schemas.microsoft.com/office/powerpoint/2010/main" val="2028106134"/>
+      </p:ext>
+    </p:extLst>
+  </p:cSld>
+  <p:clrMapOvr>
+    <a:masterClrMapping/>
+  </p:clrMapOvr>
+</p:sld>
+</file>
+
+<file path=ppt/slides/slide11.xml><?xml version="1.0" encoding="utf-8"?>
+<p:sld xmlns:a="http://schemas.openxmlformats.org/drawingml/2006/main" xmlns:r="http://schemas.openxmlformats.org/officeDocument/2006/relationships" xmlns:p="http://schemas.openxmlformats.org/presentationml/2006/main">
+  <p:cSld>
+    <p:spTree>
+      <p:nvGrpSpPr>
+        <p:cNvPr id="1" name=""/>
+        <p:cNvGrpSpPr/>
+        <p:nvPr/>
+      </p:nvGrpSpPr>
+      <p:grpSpPr>
+        <a:xfrm>
+          <a:off x="0" y="0"/>
+          <a:ext cx="0" cy="0"/>
+          <a:chOff x="0" y="0"/>
+          <a:chExt cx="0" cy="0"/>
+        </a:xfrm>
+      </p:grpSpPr>
+      <p:sp>
+        <p:nvSpPr>
+          <p:cNvPr id="2" name="Titel 1">
+            <a:extLst>
+              <a:ext uri="{FF2B5EF4-FFF2-40B4-BE49-F238E27FC236}">
+                <a16:creationId xmlns:a16="http://schemas.microsoft.com/office/drawing/2014/main" id="{96648B71-3AC4-47A9-B317-3EB7F13DB51C}"/>
+              </a:ext>
+            </a:extLst>
+          </p:cNvPr>
+          <p:cNvSpPr>
+            <a:spLocks noGrp="1"/>
+          </p:cNvSpPr>
+          <p:nvPr>
+            <p:ph type="title"/>
+          </p:nvPr>
+        </p:nvSpPr>
+        <p:spPr>
+          <a:xfrm>
+            <a:off x="838200" y="373146"/>
+            <a:ext cx="10515600" cy="1325563"/>
+          </a:xfrm>
+        </p:spPr>
+        <p:txBody>
+          <a:bodyPr/>
+          <a:lstStyle/>
+          <a:p>
+            <a:r>
+              <a:rPr lang="de-DE" dirty="0">
+                <a:solidFill>
+                  <a:srgbClr val="00B0F0"/>
+                </a:solidFill>
+              </a:rPr>
+              <a:t>Kurze Einführung</a:t>
+            </a:r>
+            <a:br>
+              <a:rPr lang="de-DE" dirty="0">
+                <a:solidFill>
+                  <a:srgbClr val="00B0F0"/>
+                </a:solidFill>
+              </a:rPr>
+            </a:br>
+            <a:r>
+              <a:rPr lang="de-DE" dirty="0">
+                <a:solidFill>
+                  <a:srgbClr val="00B0F0"/>
+                </a:solidFill>
+              </a:rPr>
+              <a:t>Registry</a:t>
+            </a:r>
+          </a:p>
+        </p:txBody>
+      </p:sp>
+      <p:sp>
+        <p:nvSpPr>
+          <p:cNvPr id="3" name="Inhaltsplatzhalter 2">
+            <a:extLst>
+              <a:ext uri="{FF2B5EF4-FFF2-40B4-BE49-F238E27FC236}">
+                <a16:creationId xmlns:a16="http://schemas.microsoft.com/office/drawing/2014/main" id="{0A5E6262-E967-4ED3-9F3E-B7A9552D58C0}"/>
+              </a:ext>
+            </a:extLst>
+          </p:cNvPr>
+          <p:cNvSpPr>
+            <a:spLocks noGrp="1"/>
+          </p:cNvSpPr>
+          <p:nvPr>
+            <p:ph idx="1"/>
+          </p:nvPr>
+        </p:nvSpPr>
+        <p:spPr/>
+        <p:txBody>
+          <a:bodyPr>
+            <a:normAutofit/>
+          </a:bodyPr>
+          <a:lstStyle/>
+          <a:p>
+            <a:pPr lvl="1">
+              <a:buFontTx/>
+              <a:buChar char="-"/>
+            </a:pPr>
+            <a:r>
+              <a:rPr lang="de-DE" dirty="0"/>
+              <a:t>Repositorien für die Speicherung, Bereitstellung und Verwaltung von Images</a:t>
+            </a:r>
+          </a:p>
+          <a:p>
+            <a:pPr marL="914400" lvl="2" indent="0">
+              <a:buNone/>
+            </a:pPr>
+            <a:r>
+              <a:rPr lang="de-DE" dirty="0"/>
+              <a:t>(Marketplace für Container Lösungen)</a:t>
+            </a:r>
+          </a:p>
+          <a:p>
+            <a:pPr lvl="1">
+              <a:buFontTx/>
+              <a:buChar char="-"/>
+            </a:pPr>
+            <a:r>
+              <a:rPr lang="de-DE" dirty="0"/>
+              <a:t>Unterscheidung zwischen </a:t>
+            </a:r>
+          </a:p>
+          <a:p>
+            <a:pPr lvl="2">
+              <a:buFontTx/>
+              <a:buChar char="-"/>
+            </a:pPr>
+            <a:r>
+              <a:rPr lang="de-DE" dirty="0"/>
+              <a:t>Öffentlich </a:t>
+            </a:r>
+          </a:p>
+          <a:p>
+            <a:pPr lvl="2">
+              <a:buFontTx/>
+              <a:buChar char="-"/>
+            </a:pPr>
+            <a:r>
+              <a:rPr lang="de-DE" dirty="0"/>
+              <a:t>Privat </a:t>
+            </a:r>
+          </a:p>
+          <a:p>
+            <a:pPr lvl="1">
+              <a:buFontTx/>
+              <a:buChar char="-"/>
+            </a:pPr>
+            <a:r>
+              <a:rPr lang="de-DE" dirty="0"/>
+              <a:t>Versionierung / Bezeichnung über so genannte Tags</a:t>
+            </a:r>
+          </a:p>
+          <a:p>
+            <a:pPr lvl="2">
+              <a:buFontTx/>
+              <a:buChar char="-"/>
+            </a:pPr>
+            <a:r>
+              <a:rPr lang="de-DE" dirty="0"/>
+              <a:t>„</a:t>
+            </a:r>
+            <a:r>
+              <a:rPr lang="de-DE" dirty="0" err="1"/>
+              <a:t>latest</a:t>
+            </a:r>
+            <a:r>
+              <a:rPr lang="de-DE" dirty="0"/>
+              <a:t>“ Tag allgemein verwendet um den letzten Stand zu kennzeichnen</a:t>
+            </a:r>
+          </a:p>
+          <a:p>
+            <a:pPr lvl="1">
+              <a:buFontTx/>
+              <a:buChar char="-"/>
+            </a:pPr>
+            <a:r>
+              <a:rPr lang="de-DE" dirty="0"/>
+              <a:t>Cloud-Lösungen fürs Hosten einer Docker Registry verfügbar</a:t>
+            </a:r>
+          </a:p>
+          <a:p>
+            <a:pPr lvl="2">
+              <a:buFontTx/>
+              <a:buChar char="-"/>
+            </a:pPr>
+            <a:r>
+              <a:rPr lang="de-DE" dirty="0"/>
+              <a:t>Docker Hub</a:t>
+            </a:r>
+          </a:p>
+          <a:p>
+            <a:pPr lvl="2">
+              <a:buFontTx/>
+              <a:buChar char="-"/>
+            </a:pPr>
+            <a:r>
+              <a:rPr lang="de-DE" dirty="0"/>
+              <a:t>Azure Container Registry</a:t>
+            </a:r>
+          </a:p>
+          <a:p>
+            <a:pPr lvl="1">
+              <a:buFontTx/>
+              <a:buChar char="-"/>
+            </a:pPr>
+            <a:r>
+              <a:rPr lang="de-DE" dirty="0"/>
+              <a:t>Hosten on-</a:t>
+            </a:r>
+            <a:r>
+              <a:rPr lang="de-DE" dirty="0" err="1"/>
+              <a:t>premise</a:t>
+            </a:r>
+            <a:r>
+              <a:rPr lang="de-DE" dirty="0"/>
+              <a:t> möglich (Docker Registry existiert als Container-Lösung)</a:t>
+            </a:r>
+          </a:p>
+          <a:p>
+            <a:pPr marL="457200" lvl="1" indent="0">
+              <a:buNone/>
+            </a:pPr>
+            <a:endParaRPr lang="de-DE" dirty="0"/>
+          </a:p>
+          <a:p>
+            <a:pPr lvl="1">
+              <a:buFontTx/>
+              <a:buChar char="-"/>
+            </a:pPr>
+            <a:endParaRPr lang="de-DE" dirty="0"/>
+          </a:p>
+        </p:txBody>
+      </p:sp>
+    </p:spTree>
+    <p:extLst>
+      <p:ext uri="{BB962C8B-B14F-4D97-AF65-F5344CB8AC3E}">
+        <p14:creationId xmlns:p14="http://schemas.microsoft.com/office/powerpoint/2010/main" val="326392660"/>
+      </p:ext>
+    </p:extLst>
+  </p:cSld>
+  <p:clrMapOvr>
+    <a:masterClrMapping/>
+  </p:clrMapOvr>
+</p:sld>
+</file>
+
+<file path=ppt/slides/slide12.xml><?xml version="1.0" encoding="utf-8"?>
+<p:sld xmlns:a="http://schemas.openxmlformats.org/drawingml/2006/main" xmlns:r="http://schemas.openxmlformats.org/officeDocument/2006/relationships" xmlns:p="http://schemas.openxmlformats.org/presentationml/2006/main">
+  <p:cSld>
+    <p:spTree>
+      <p:nvGrpSpPr>
+        <p:cNvPr id="1" name=""/>
+        <p:cNvGrpSpPr/>
+        <p:nvPr/>
+      </p:nvGrpSpPr>
+      <p:grpSpPr>
+        <a:xfrm>
+          <a:off x="0" y="0"/>
+          <a:ext cx="0" cy="0"/>
+          <a:chOff x="0" y="0"/>
+          <a:chExt cx="0" cy="0"/>
+        </a:xfrm>
+      </p:grpSpPr>
+      <p:sp>
+        <p:nvSpPr>
+          <p:cNvPr id="2" name="Titel 1">
+            <a:extLst>
+              <a:ext uri="{FF2B5EF4-FFF2-40B4-BE49-F238E27FC236}">
+                <a16:creationId xmlns:a16="http://schemas.microsoft.com/office/drawing/2014/main" id="{96648B71-3AC4-47A9-B317-3EB7F13DB51C}"/>
+              </a:ext>
+            </a:extLst>
+          </p:cNvPr>
+          <p:cNvSpPr>
+            <a:spLocks noGrp="1"/>
+          </p:cNvSpPr>
+          <p:nvPr>
+            <p:ph type="title"/>
+          </p:nvPr>
+        </p:nvSpPr>
+        <p:spPr>
+          <a:xfrm>
+            <a:off x="838200" y="373146"/>
+            <a:ext cx="10515600" cy="1325563"/>
+          </a:xfrm>
+        </p:spPr>
+        <p:txBody>
+          <a:bodyPr/>
+          <a:lstStyle/>
+          <a:p>
+            <a:r>
+              <a:rPr lang="de-DE" dirty="0">
+                <a:solidFill>
+                  <a:schemeClr val="accent2"/>
+                </a:solidFill>
+              </a:rPr>
+              <a:t>Installation Docker Desktop</a:t>
+            </a:r>
+          </a:p>
+        </p:txBody>
+      </p:sp>
+      <p:sp>
+        <p:nvSpPr>
+          <p:cNvPr id="3" name="Inhaltsplatzhalter 2">
+            <a:extLst>
+              <a:ext uri="{FF2B5EF4-FFF2-40B4-BE49-F238E27FC236}">
+                <a16:creationId xmlns:a16="http://schemas.microsoft.com/office/drawing/2014/main" id="{0A5E6262-E967-4ED3-9F3E-B7A9552D58C0}"/>
+              </a:ext>
+            </a:extLst>
+          </p:cNvPr>
+          <p:cNvSpPr>
+            <a:spLocks noGrp="1"/>
+          </p:cNvSpPr>
+          <p:nvPr>
+            <p:ph idx="1"/>
+          </p:nvPr>
+        </p:nvSpPr>
+        <p:spPr>
+          <a:xfrm>
+            <a:off x="838200" y="2013284"/>
+            <a:ext cx="10515600" cy="4163679"/>
+          </a:xfrm>
+        </p:spPr>
+        <p:txBody>
+          <a:bodyPr>
+            <a:normAutofit/>
+          </a:bodyPr>
+          <a:lstStyle/>
+          <a:p>
+            <a:pPr marL="457200" lvl="1" indent="0">
+              <a:buNone/>
+            </a:pPr>
+            <a:r>
+              <a:rPr lang="de-DE" dirty="0"/>
+              <a:t>Download für Windows</a:t>
+            </a:r>
+          </a:p>
+          <a:p>
+            <a:pPr marL="457200" lvl="1" indent="0">
+              <a:buNone/>
+            </a:pPr>
+            <a:r>
+              <a:rPr lang="de-DE" dirty="0">
+                <a:hlinkClick r:id="rId2"/>
+              </a:rPr>
+              <a:t>https://desktop.docker.com/win/stable/Docker%20Desktop%20Installer.exe</a:t>
+            </a:r>
+            <a:endParaRPr lang="de-DE" dirty="0"/>
+          </a:p>
+          <a:p>
+            <a:pPr marL="457200" lvl="1" indent="0">
+              <a:buNone/>
+            </a:pPr>
+            <a:endParaRPr lang="de-DE" dirty="0"/>
+          </a:p>
+          <a:p>
+            <a:pPr marL="457200" lvl="1" indent="0">
+              <a:buNone/>
+            </a:pPr>
+            <a:r>
+              <a:rPr lang="de-DE" dirty="0"/>
+              <a:t>Download für Mac</a:t>
+            </a:r>
+          </a:p>
+          <a:p>
+            <a:pPr marL="457200" lvl="1" indent="0">
+              <a:buNone/>
+            </a:pPr>
+            <a:r>
+              <a:rPr lang="de-DE" dirty="0">
+                <a:hlinkClick r:id="rId3"/>
+              </a:rPr>
+              <a:t>https://desktop.docker.com/mac/stable/Docker.dmg</a:t>
+            </a:r>
+            <a:endParaRPr lang="de-DE" dirty="0"/>
+          </a:p>
+          <a:p>
+            <a:pPr marL="457200" lvl="1" indent="0">
+              <a:buNone/>
+            </a:pPr>
+            <a:endParaRPr lang="de-DE" dirty="0"/>
+          </a:p>
+          <a:p>
+            <a:pPr marL="457200" lvl="1" indent="0">
+              <a:buNone/>
+            </a:pPr>
+            <a:r>
+              <a:rPr lang="de-DE" dirty="0" err="1"/>
+              <a:t>Install</a:t>
+            </a:r>
+            <a:r>
+              <a:rPr lang="de-DE" dirty="0"/>
+              <a:t> Docker Engine on Ubuntu</a:t>
+            </a:r>
+          </a:p>
+          <a:p>
+            <a:pPr marL="457200" lvl="1" indent="0">
+              <a:buNone/>
+            </a:pPr>
+            <a:r>
+              <a:rPr lang="de-DE" dirty="0">
+                <a:hlinkClick r:id="rId4"/>
+              </a:rPr>
+              <a:t>https://docs.docker.com/engine/install/ubuntu/</a:t>
+            </a:r>
+            <a:endParaRPr lang="de-DE" dirty="0"/>
+          </a:p>
+          <a:p>
+            <a:pPr marL="457200" lvl="1" indent="0">
+              <a:buNone/>
+            </a:pPr>
+            <a:endParaRPr lang="de-DE" dirty="0"/>
+          </a:p>
+          <a:p>
+            <a:pPr marL="457200" lvl="1" indent="0">
+              <a:buNone/>
+            </a:pPr>
+            <a:endParaRPr lang="de-DE" dirty="0"/>
+          </a:p>
+          <a:p>
+            <a:pPr marL="457200" lvl="1" indent="0">
+              <a:buNone/>
+            </a:pPr>
+            <a:endParaRPr lang="de-DE" dirty="0"/>
+          </a:p>
+          <a:p>
+            <a:pPr marL="457200" lvl="1" indent="0">
+              <a:buNone/>
+            </a:pPr>
+            <a:endParaRPr lang="de-DE" dirty="0"/>
+          </a:p>
+          <a:p>
+            <a:pPr marL="457200" lvl="1" indent="0">
+              <a:buNone/>
+            </a:pPr>
+            <a:endParaRPr lang="de-DE" dirty="0"/>
+          </a:p>
+          <a:p>
+            <a:pPr marL="457200" lvl="1" indent="0">
+              <a:buNone/>
+            </a:pPr>
+            <a:endParaRPr lang="de-DE" dirty="0"/>
+          </a:p>
+          <a:p>
+            <a:pPr lvl="1">
+              <a:buFontTx/>
+              <a:buChar char="-"/>
+            </a:pPr>
+            <a:endParaRPr lang="de-DE" dirty="0"/>
+          </a:p>
+        </p:txBody>
+      </p:sp>
+    </p:spTree>
+    <p:extLst>
+      <p:ext uri="{BB962C8B-B14F-4D97-AF65-F5344CB8AC3E}">
+        <p14:creationId xmlns:p14="http://schemas.microsoft.com/office/powerpoint/2010/main" val="3871147968"/>
+      </p:ext>
+    </p:extLst>
+  </p:cSld>
+  <p:clrMapOvr>
+    <a:masterClrMapping/>
+  </p:clrMapOvr>
+</p:sld>
+</file>
+
+<file path=ppt/slides/slide13.xml><?xml version="1.0" encoding="utf-8"?>
+<p:sld xmlns:a="http://schemas.openxmlformats.org/drawingml/2006/main" xmlns:r="http://schemas.openxmlformats.org/officeDocument/2006/relationships" xmlns:p="http://schemas.openxmlformats.org/presentationml/2006/main">
+  <p:cSld>
+    <p:spTree>
+      <p:nvGrpSpPr>
+        <p:cNvPr id="1" name=""/>
+        <p:cNvGrpSpPr/>
+        <p:nvPr/>
+      </p:nvGrpSpPr>
+      <p:grpSpPr>
+        <a:xfrm>
+          <a:off x="0" y="0"/>
+          <a:ext cx="0" cy="0"/>
+          <a:chOff x="0" y="0"/>
+          <a:chExt cx="0" cy="0"/>
+        </a:xfrm>
+      </p:grpSpPr>
+      <p:sp>
+        <p:nvSpPr>
+          <p:cNvPr id="2" name="Titel 1">
+            <a:extLst>
+              <a:ext uri="{FF2B5EF4-FFF2-40B4-BE49-F238E27FC236}">
+                <a16:creationId xmlns:a16="http://schemas.microsoft.com/office/drawing/2014/main" id="{96648B71-3AC4-47A9-B317-3EB7F13DB51C}"/>
+              </a:ext>
+            </a:extLst>
+          </p:cNvPr>
+          <p:cNvSpPr>
+            <a:spLocks noGrp="1"/>
+          </p:cNvSpPr>
+          <p:nvPr>
+            <p:ph type="title"/>
+          </p:nvPr>
+        </p:nvSpPr>
+        <p:spPr>
+          <a:xfrm>
+            <a:off x="838200" y="373146"/>
+            <a:ext cx="10515600" cy="1325563"/>
+          </a:xfrm>
+        </p:spPr>
+        <p:txBody>
+          <a:bodyPr/>
+          <a:lstStyle/>
+          <a:p>
+            <a:r>
+              <a:rPr lang="de-DE" dirty="0">
+                <a:solidFill>
+                  <a:schemeClr val="accent4">
+                    <a:lumMod val="60000"/>
+                    <a:lumOff val="40000"/>
+                  </a:schemeClr>
+                </a:solidFill>
+              </a:rPr>
+              <a:t>Erste Schritte</a:t>
+            </a:r>
+            <a:endParaRPr lang="de-DE" dirty="0">
+              <a:solidFill>
+                <a:srgbClr val="00B0F0"/>
+              </a:solidFill>
+            </a:endParaRPr>
+          </a:p>
+        </p:txBody>
+      </p:sp>
+      <p:sp>
+        <p:nvSpPr>
+          <p:cNvPr id="3" name="Inhaltsplatzhalter 2">
+            <a:extLst>
+              <a:ext uri="{FF2B5EF4-FFF2-40B4-BE49-F238E27FC236}">
+                <a16:creationId xmlns:a16="http://schemas.microsoft.com/office/drawing/2014/main" id="{0A5E6262-E967-4ED3-9F3E-B7A9552D58C0}"/>
+              </a:ext>
+            </a:extLst>
+          </p:cNvPr>
+          <p:cNvSpPr>
+            <a:spLocks noGrp="1"/>
+          </p:cNvSpPr>
+          <p:nvPr>
+            <p:ph idx="1"/>
+          </p:nvPr>
+        </p:nvSpPr>
+        <p:spPr/>
+        <p:txBody>
+          <a:bodyPr>
+            <a:normAutofit/>
+          </a:bodyPr>
+          <a:lstStyle/>
+          <a:p>
             <a:pPr lvl="1">
               <a:buFontTx/>
               <a:buChar char="-"/>
@@ -3177,9 +3865,18 @@
                     <a:lumOff val="40000"/>
                   </a:schemeClr>
                 </a:solidFill>
+                <a:hlinkClick r:id="rId2"/>
               </a:rPr>
               <a:t>https://hub.docker.com/signup</a:t>
             </a:r>
+            <a:endParaRPr lang="de-DE" dirty="0">
+              <a:solidFill>
+                <a:schemeClr val="accent1">
+                  <a:lumMod val="60000"/>
+                  <a:lumOff val="40000"/>
+                </a:schemeClr>
+              </a:solidFill>
+            </a:endParaRPr>
           </a:p>
           <a:p>
             <a:pPr lvl="1">
@@ -3203,14 +3900,17 @@
             <a:r>
               <a:rPr lang="de-DE" dirty="0">
                 <a:solidFill>
-                  <a:schemeClr val="accent1">
-                    <a:lumMod val="60000"/>
-                    <a:lumOff val="40000"/>
-                  </a:schemeClr>
+                  <a:schemeClr val="accent1"/>
                 </a:solidFill>
+                <a:hlinkClick r:id="rId3"/>
               </a:rPr>
               <a:t>https://labs.play-with-docker.com</a:t>
             </a:r>
+            <a:endParaRPr lang="de-DE" dirty="0">
+              <a:solidFill>
+                <a:schemeClr val="accent1"/>
+              </a:solidFill>
+            </a:endParaRPr>
           </a:p>
           <a:p>
             <a:pPr lvl="1">
@@ -3233,7 +3933,10 @@
             <a:r>
               <a:rPr lang="de-DE" dirty="0">
                 <a:solidFill>
-                  <a:schemeClr val="accent1"/>
+                  <a:schemeClr val="accent2">
+                    <a:lumMod val="40000"/>
+                    <a:lumOff val="60000"/>
+                  </a:schemeClr>
                 </a:solidFill>
               </a:rPr>
               <a:t>+ ADD NEW INSTANCE</a:t>
@@ -3297,7 +4000,7 @@
                 <a:latin typeface="Courier New" panose="02070309020205020404" pitchFamily="49" charset="0"/>
                 <a:cs typeface="Courier New" panose="02070309020205020404" pitchFamily="49" charset="0"/>
               </a:rPr>
-              <a:t> -d maddev77/workshop-</a:t>
+              <a:t> –d –p 80:80 maddev77/workshop-</a:t>
             </a:r>
             <a:r>
               <a:rPr lang="de-DE" sz="2000" i="1" dirty="0" err="1">
@@ -3367,6 +4070,37 @@
             <a:r>
               <a:rPr lang="de-DE" sz="2000" dirty="0"/>
               <a:t>Aufruf der Website mittels Klick auf den Port 80 Status Badge</a:t>
+            </a:r>
+          </a:p>
+          <a:p>
+            <a:pPr marL="0" indent="0">
+              <a:buNone/>
+            </a:pPr>
+            <a:endParaRPr lang="de-DE" sz="2000" dirty="0"/>
+          </a:p>
+          <a:p>
+            <a:pPr marL="0" indent="0">
+              <a:buNone/>
+            </a:pPr>
+            <a:endParaRPr lang="de-DE" sz="2000" dirty="0"/>
+          </a:p>
+          <a:p>
+            <a:pPr marL="0" indent="0">
+              <a:buNone/>
+            </a:pPr>
+            <a:r>
+              <a:rPr lang="de-DE" sz="1200" dirty="0"/>
+              <a:t>Die Anleitung und der Code für „Erste Schritte“ ist auf </a:t>
+            </a:r>
+            <a:r>
+              <a:rPr lang="de-DE" sz="1200" dirty="0">
+                <a:hlinkClick r:id="rId4"/>
+              </a:rPr>
+              <a:t>https://github.com/BadMadDev/workshop-getting-started</a:t>
+            </a:r>
+            <a:r>
+              <a:rPr lang="de-DE" sz="1200" dirty="0"/>
+              <a:t> verfügbar.</a:t>
             </a:r>
           </a:p>
           <a:p>
@@ -3701,32 +4435,8 @@
           <a:p>
             <a:r>
               <a:rPr lang="de-DE" dirty="0"/>
-              <a:t>Beispiel: Microservices und Docker</a:t>
-            </a:r>
-          </a:p>
-          <a:p>
-            <a:pPr marL="457200" lvl="1" indent="0">
-              <a:buNone/>
-            </a:pPr>
-            <a:r>
-              <a:rPr lang="de-DE" dirty="0" err="1">
-                <a:solidFill>
-                  <a:schemeClr val="accent4">
-                    <a:lumMod val="20000"/>
-                    <a:lumOff val="80000"/>
-                  </a:schemeClr>
-                </a:solidFill>
-              </a:rPr>
-              <a:t>Referenzimplementation</a:t>
-            </a:r>
-            <a:endParaRPr lang="de-DE" dirty="0">
-              <a:solidFill>
-                <a:schemeClr val="accent4">
-                  <a:lumMod val="20000"/>
-                  <a:lumOff val="80000"/>
-                </a:schemeClr>
-              </a:solidFill>
-            </a:endParaRPr>
+              <a:t>Entwickeln mit und Docker</a:t>
+            </a:r>
           </a:p>
           <a:p>
             <a:pPr marL="457200" lvl="1" indent="0">
@@ -3741,7 +4451,7 @@
                   </a:schemeClr>
                 </a:solidFill>
               </a:rPr>
-              <a:t>Inbetriebnahme, Updates, CI/CD</a:t>
+              <a:t>Erstellen von Containern, Debuggen von Containern, CI/CD</a:t>
             </a:r>
           </a:p>
           <a:p>
@@ -3898,6 +4608,18 @@
               </a:rPr>
               <a:t>Kurze Einführung</a:t>
             </a:r>
+            <a:br>
+              <a:rPr lang="de-DE" dirty="0">
+                <a:solidFill>
+                  <a:schemeClr val="accent6"/>
+                </a:solidFill>
+              </a:rPr>
+            </a:br>
+            <a:endParaRPr lang="de-DE" dirty="0">
+              <a:solidFill>
+                <a:schemeClr val="accent6"/>
+              </a:solidFill>
+            </a:endParaRPr>
           </a:p>
         </p:txBody>
       </p:sp>
@@ -4046,7 +4768,22 @@
                   <a:schemeClr val="accent6"/>
                 </a:solidFill>
               </a:rPr>
-              <a:t>Kurze Einführung - Geschichte</a:t>
+              <a:t>Kurze Einführung </a:t>
+            </a:r>
+            <a:br>
+              <a:rPr lang="de-DE" dirty="0">
+                <a:solidFill>
+                  <a:schemeClr val="accent6"/>
+                </a:solidFill>
+              </a:rPr>
+            </a:br>
+            <a:r>
+              <a:rPr lang="de-DE" dirty="0">
+                <a:solidFill>
+                  <a:schemeClr val="accent6"/>
+                </a:solidFill>
+              </a:rPr>
+              <a:t>Geschichte</a:t>
             </a:r>
           </a:p>
         </p:txBody>
@@ -4070,7 +4807,7 @@
         <p:spPr/>
         <p:txBody>
           <a:bodyPr>
-            <a:normAutofit/>
+            <a:normAutofit lnSpcReduction="10000"/>
           </a:bodyPr>
           <a:lstStyle/>
           <a:p>
@@ -4167,7 +4904,34 @@
               <a:buFontTx/>
               <a:buChar char="-"/>
             </a:pPr>
-            <a:endParaRPr lang="de-DE" dirty="0"/>
+            <a:r>
+              <a:rPr lang="de-DE" dirty="0"/>
+              <a:t>Seit 2017 ist das Hosten von Linux in Windows möglich</a:t>
+            </a:r>
+          </a:p>
+          <a:p>
+            <a:pPr lvl="1">
+              <a:buFontTx/>
+              <a:buChar char="-"/>
+            </a:pPr>
+            <a:r>
+              <a:rPr lang="de-DE" dirty="0"/>
+              <a:t>Linux-Container auf Mac ausführbar</a:t>
+            </a:r>
+          </a:p>
+          <a:p>
+            <a:pPr>
+              <a:buFontTx/>
+              <a:buChar char="-"/>
+            </a:pPr>
+            <a:r>
+              <a:rPr lang="de-DE" dirty="0" err="1"/>
+              <a:t>Mirantis</a:t>
+            </a:r>
+            <a:r>
+              <a:rPr lang="de-DE" dirty="0"/>
+              <a:t> (Open-Source-Company) kauft 2019 die Docker-Enterprise Plattform</a:t>
+            </a:r>
           </a:p>
         </p:txBody>
       </p:sp>
@@ -4233,7 +4997,22 @@
                   <a:srgbClr val="00B0F0"/>
                 </a:solidFill>
               </a:rPr>
-              <a:t>Container – Grundlagen</a:t>
+              <a:t>Kurze Einführung</a:t>
+            </a:r>
+            <a:br>
+              <a:rPr lang="de-DE" dirty="0">
+                <a:solidFill>
+                  <a:srgbClr val="00B0F0"/>
+                </a:solidFill>
+              </a:rPr>
+            </a:br>
+            <a:r>
+              <a:rPr lang="de-DE" dirty="0">
+                <a:solidFill>
+                  <a:srgbClr val="00B0F0"/>
+                </a:solidFill>
+              </a:rPr>
+              <a:t>Was ist Docker nochmal?</a:t>
             </a:r>
           </a:p>
         </p:txBody>
@@ -4374,7 +5153,22 @@
                   <a:srgbClr val="00B0F0"/>
                 </a:solidFill>
               </a:rPr>
-              <a:t>Container – Grundlagen</a:t>
+              <a:t>Kurze Einführung</a:t>
+            </a:r>
+            <a:br>
+              <a:rPr lang="de-DE" dirty="0">
+                <a:solidFill>
+                  <a:srgbClr val="00B0F0"/>
+                </a:solidFill>
+              </a:rPr>
+            </a:br>
+            <a:r>
+              <a:rPr lang="de-DE" dirty="0">
+                <a:solidFill>
+                  <a:srgbClr val="00B0F0"/>
+                </a:solidFill>
+              </a:rPr>
+              <a:t>Warum Docker? Wofür?</a:t>
             </a:r>
           </a:p>
         </p:txBody>
@@ -4408,35 +5202,7 @@
             </a:pPr>
             <a:r>
               <a:rPr lang="de-DE" dirty="0"/>
-              <a:t>Docker-Host &lt;= Maschine der die Docker Engine (</a:t>
-            </a:r>
-            <a:r>
-              <a:rPr lang="de-DE" dirty="0" err="1"/>
-              <a:t>Daemon</a:t>
-            </a:r>
-            <a:r>
-              <a:rPr lang="de-DE" dirty="0"/>
-              <a:t>) ausführt</a:t>
-            </a:r>
-          </a:p>
-          <a:p>
-            <a:pPr>
-              <a:buFontTx/>
-              <a:buChar char="-"/>
-            </a:pPr>
-            <a:r>
-              <a:rPr lang="de-DE" dirty="0"/>
-              <a:t>Docker Engine &lt;= Laufzeitumgebung und Steuerung für Docker Container und Images</a:t>
-            </a:r>
-          </a:p>
-          <a:p>
-            <a:pPr>
-              <a:buFontTx/>
-              <a:buChar char="-"/>
-            </a:pPr>
-            <a:r>
-              <a:rPr lang="de-DE" dirty="0"/>
-              <a:t>Image &lt;= Datei zur Ausführung von Containern (Anwendung)</a:t>
+              <a:t>Individuelle Maschinen, VMs</a:t>
             </a:r>
           </a:p>
           <a:p>
@@ -4446,7 +5212,7 @@
             </a:pPr>
             <a:r>
               <a:rPr lang="de-DE" dirty="0"/>
-              <a:t>Ähnlich einem Snapshot einer VM</a:t>
+              <a:t>OS, Upgrades, Patches</a:t>
             </a:r>
           </a:p>
           <a:p>
@@ -4456,33 +5222,54 @@
             </a:pPr>
             <a:r>
               <a:rPr lang="de-DE" dirty="0"/>
-              <a:t>Image kann mehrere Layer beinhalten</a:t>
-            </a:r>
-          </a:p>
-          <a:p>
-            <a:pPr>
+              <a:t>Verschiedene Abhängigkeiten und Voraussetzungen </a:t>
+            </a:r>
+          </a:p>
+          <a:p>
+            <a:pPr lvl="1">
               <a:buFontTx/>
               <a:buChar char="-"/>
             </a:pPr>
             <a:r>
               <a:rPr lang="de-DE" dirty="0"/>
-              <a:t>Container &lt;= Instanz eines Images (ein ausgeführtes Images)</a:t>
-            </a:r>
-          </a:p>
-          <a:p>
-            <a:pPr>
+              <a:t>Anwendungen und Konfigurationen</a:t>
+            </a:r>
+          </a:p>
+          <a:p>
+            <a:pPr lvl="1">
               <a:buFontTx/>
               <a:buChar char="-"/>
             </a:pPr>
             <a:r>
               <a:rPr lang="de-DE" dirty="0"/>
-              <a:t>Container sind zunächst voneinander isoliert und verfügen erstmal über keinen persistenten Zustand</a:t>
-            </a:r>
-          </a:p>
-          <a:p>
-            <a:pPr>
+              <a:t>Schwierige Fehlersuche und –</a:t>
+            </a:r>
+            <a:r>
+              <a:rPr lang="de-DE" dirty="0" err="1"/>
+              <a:t>behebung</a:t>
+            </a:r>
+            <a:endParaRPr lang="de-DE" dirty="0"/>
+          </a:p>
+          <a:p>
+            <a:pPr lvl="1">
               <a:buFontTx/>
               <a:buChar char="-"/>
+            </a:pPr>
+            <a:r>
+              <a:rPr lang="de-DE" dirty="0"/>
+              <a:t>Störungen untereinander</a:t>
+            </a:r>
+          </a:p>
+          <a:p>
+            <a:pPr lvl="1">
+              <a:buFontTx/>
+              <a:buChar char="-"/>
+            </a:pPr>
+            <a:endParaRPr lang="de-DE" dirty="0"/>
+          </a:p>
+          <a:p>
+            <a:pPr marL="0" indent="0">
+              <a:buNone/>
             </a:pPr>
             <a:endParaRPr lang="de-DE" dirty="0"/>
           </a:p>
@@ -4491,7 +5278,7 @@
     </p:spTree>
     <p:extLst>
       <p:ext uri="{BB962C8B-B14F-4D97-AF65-F5344CB8AC3E}">
-        <p14:creationId xmlns:p14="http://schemas.microsoft.com/office/powerpoint/2010/main" val="3854934188"/>
+        <p14:creationId xmlns:p14="http://schemas.microsoft.com/office/powerpoint/2010/main" val="507906814"/>
       </p:ext>
     </p:extLst>
   </p:cSld>
@@ -4541,7 +5328,9 @@
           </a:xfrm>
         </p:spPr>
         <p:txBody>
-          <a:bodyPr/>
+          <a:bodyPr>
+            <a:normAutofit/>
+          </a:bodyPr>
           <a:lstStyle/>
           <a:p>
             <a:r>
@@ -4550,8 +5339,20 @@
                   <a:srgbClr val="00B0F0"/>
                 </a:solidFill>
               </a:rPr>
-              <a:t>Container – Grundlagen</a:t>
-            </a:r>
+              <a:t>Kurze Einführung</a:t>
+            </a:r>
+            <a:br>
+              <a:rPr lang="de-DE" dirty="0">
+                <a:solidFill>
+                  <a:srgbClr val="00B0F0"/>
+                </a:solidFill>
+              </a:rPr>
+            </a:br>
+            <a:endParaRPr lang="de-DE" dirty="0">
+              <a:solidFill>
+                <a:srgbClr val="00B0F0"/>
+              </a:solidFill>
+            </a:endParaRPr>
           </a:p>
         </p:txBody>
       </p:sp>
@@ -4571,128 +5372,2723 @@
             <p:ph idx="1"/>
           </p:nvPr>
         </p:nvSpPr>
-        <p:spPr/>
+        <p:spPr>
+          <a:xfrm>
+            <a:off x="216310" y="1902737"/>
+            <a:ext cx="11670889" cy="583444"/>
+          </a:xfrm>
+        </p:spPr>
         <p:txBody>
           <a:bodyPr>
+            <a:noAutofit/>
+          </a:bodyPr>
+          <a:lstStyle/>
+          <a:p>
+            <a:pPr marL="457200" lvl="1" indent="0">
+              <a:buNone/>
+            </a:pPr>
+            <a:r>
+              <a:rPr lang="de-DE" sz="1400" dirty="0"/>
+              <a:t>Was wäre wenn wir einfach unsere Anwendung, alle Abhängigkeiten (inkl. OS) und Konfiguration  zu einem Paket schnüren…</a:t>
+            </a:r>
+          </a:p>
+          <a:p>
+            <a:pPr marL="457200" lvl="1" indent="0">
+              <a:buNone/>
+            </a:pPr>
+            <a:r>
+              <a:rPr lang="de-DE" sz="1400" dirty="0"/>
+              <a:t>							 			        …und das nur einmal </a:t>
+            </a:r>
+          </a:p>
+        </p:txBody>
+      </p:sp>
+      <p:grpSp>
+        <p:nvGrpSpPr>
+          <p:cNvPr id="57" name="Gruppieren 56">
+            <a:extLst>
+              <a:ext uri="{FF2B5EF4-FFF2-40B4-BE49-F238E27FC236}">
+                <a16:creationId xmlns:a16="http://schemas.microsoft.com/office/drawing/2014/main" id="{76BD5798-F305-48C1-931A-C74D230BBAA8}"/>
+              </a:ext>
+            </a:extLst>
+          </p:cNvPr>
+          <p:cNvGrpSpPr/>
+          <p:nvPr/>
+        </p:nvGrpSpPr>
+        <p:grpSpPr>
+          <a:xfrm>
+            <a:off x="2298318" y="2486181"/>
+            <a:ext cx="7962421" cy="3842084"/>
+            <a:chOff x="2298318" y="2486181"/>
+            <a:chExt cx="7962421" cy="3842084"/>
+          </a:xfrm>
+        </p:grpSpPr>
+        <p:sp>
+          <p:nvSpPr>
+            <p:cNvPr id="4" name="Rechteck 3">
+              <a:extLst>
+                <a:ext uri="{FF2B5EF4-FFF2-40B4-BE49-F238E27FC236}">
+                  <a16:creationId xmlns:a16="http://schemas.microsoft.com/office/drawing/2014/main" id="{C77E0738-C4E0-4DE6-9F71-EAA9162B8D22}"/>
+                </a:ext>
+              </a:extLst>
+            </p:cNvPr>
+            <p:cNvSpPr/>
+            <p:nvPr/>
+          </p:nvSpPr>
+          <p:spPr>
+            <a:xfrm>
+              <a:off x="2298318" y="2486181"/>
+              <a:ext cx="2347683" cy="3842084"/>
+            </a:xfrm>
+            <a:prstGeom prst="rect">
+              <a:avLst/>
+            </a:prstGeom>
+          </p:spPr>
+          <p:style>
+            <a:lnRef idx="2">
+              <a:schemeClr val="accent5">
+                <a:shade val="50000"/>
+              </a:schemeClr>
+            </a:lnRef>
+            <a:fillRef idx="1">
+              <a:schemeClr val="accent5"/>
+            </a:fillRef>
+            <a:effectRef idx="0">
+              <a:schemeClr val="accent5"/>
+            </a:effectRef>
+            <a:fontRef idx="minor">
+              <a:schemeClr val="lt1"/>
+            </a:fontRef>
+          </p:style>
+          <p:txBody>
+            <a:bodyPr rtlCol="0" anchor="t"/>
+            <a:lstStyle/>
+            <a:p>
+              <a:pPr algn="ctr"/>
+              <a:r>
+                <a:rPr lang="de-DE" dirty="0"/>
+                <a:t>Server</a:t>
+              </a:r>
+            </a:p>
+          </p:txBody>
+        </p:sp>
+        <p:sp>
+          <p:nvSpPr>
+            <p:cNvPr id="6" name="Rechteck 5">
+              <a:extLst>
+                <a:ext uri="{FF2B5EF4-FFF2-40B4-BE49-F238E27FC236}">
+                  <a16:creationId xmlns:a16="http://schemas.microsoft.com/office/drawing/2014/main" id="{0BD58E54-B2EE-4D32-A082-A7E2B7CF7742}"/>
+                </a:ext>
+              </a:extLst>
+            </p:cNvPr>
+            <p:cNvSpPr/>
+            <p:nvPr/>
+          </p:nvSpPr>
+          <p:spPr>
+            <a:xfrm>
+              <a:off x="5105686" y="2486181"/>
+              <a:ext cx="2347683" cy="3842084"/>
+            </a:xfrm>
+            <a:prstGeom prst="rect">
+              <a:avLst/>
+            </a:prstGeom>
+          </p:spPr>
+          <p:style>
+            <a:lnRef idx="2">
+              <a:schemeClr val="accent5">
+                <a:shade val="50000"/>
+              </a:schemeClr>
+            </a:lnRef>
+            <a:fillRef idx="1">
+              <a:schemeClr val="accent5"/>
+            </a:fillRef>
+            <a:effectRef idx="0">
+              <a:schemeClr val="accent5"/>
+            </a:effectRef>
+            <a:fontRef idx="minor">
+              <a:schemeClr val="lt1"/>
+            </a:fontRef>
+          </p:style>
+          <p:txBody>
+            <a:bodyPr rtlCol="0" anchor="t"/>
+            <a:lstStyle/>
+            <a:p>
+              <a:pPr algn="ctr"/>
+              <a:r>
+                <a:rPr lang="de-DE" dirty="0"/>
+                <a:t>Server</a:t>
+              </a:r>
+            </a:p>
+          </p:txBody>
+        </p:sp>
+        <p:sp>
+          <p:nvSpPr>
+            <p:cNvPr id="7" name="Rechteck 6">
+              <a:extLst>
+                <a:ext uri="{FF2B5EF4-FFF2-40B4-BE49-F238E27FC236}">
+                  <a16:creationId xmlns:a16="http://schemas.microsoft.com/office/drawing/2014/main" id="{9095ED56-C772-46FD-8FF1-E2AEFCEBECDF}"/>
+                </a:ext>
+              </a:extLst>
+            </p:cNvPr>
+            <p:cNvSpPr/>
+            <p:nvPr/>
+          </p:nvSpPr>
+          <p:spPr>
+            <a:xfrm>
+              <a:off x="7913056" y="2486181"/>
+              <a:ext cx="2347683" cy="3842084"/>
+            </a:xfrm>
+            <a:prstGeom prst="rect">
+              <a:avLst/>
+            </a:prstGeom>
+          </p:spPr>
+          <p:style>
+            <a:lnRef idx="2">
+              <a:schemeClr val="accent5">
+                <a:shade val="50000"/>
+              </a:schemeClr>
+            </a:lnRef>
+            <a:fillRef idx="1">
+              <a:schemeClr val="accent5"/>
+            </a:fillRef>
+            <a:effectRef idx="0">
+              <a:schemeClr val="accent5"/>
+            </a:effectRef>
+            <a:fontRef idx="minor">
+              <a:schemeClr val="lt1"/>
+            </a:fontRef>
+          </p:style>
+          <p:txBody>
+            <a:bodyPr rtlCol="0" anchor="t"/>
+            <a:lstStyle/>
+            <a:p>
+              <a:pPr algn="ctr"/>
+              <a:r>
+                <a:rPr lang="de-DE" dirty="0"/>
+                <a:t>Server</a:t>
+              </a:r>
+            </a:p>
+          </p:txBody>
+        </p:sp>
+      </p:grpSp>
+      <p:sp>
+        <p:nvSpPr>
+          <p:cNvPr id="19" name="Titel 1">
+            <a:extLst>
+              <a:ext uri="{FF2B5EF4-FFF2-40B4-BE49-F238E27FC236}">
+                <a16:creationId xmlns:a16="http://schemas.microsoft.com/office/drawing/2014/main" id="{37CABCB1-3316-47BB-A605-734CB5EE8CF1}"/>
+              </a:ext>
+            </a:extLst>
+          </p:cNvPr>
+          <p:cNvSpPr txBox="1">
+            <a:spLocks/>
+          </p:cNvSpPr>
+          <p:nvPr/>
+        </p:nvSpPr>
+        <p:spPr>
+          <a:xfrm>
+            <a:off x="838199" y="364476"/>
+            <a:ext cx="8097253" cy="1325563"/>
+          </a:xfrm>
+          <a:prstGeom prst="rect">
+            <a:avLst/>
+          </a:prstGeom>
+        </p:spPr>
+        <p:txBody>
+          <a:bodyPr vert="horz" lIns="91440" tIns="45720" rIns="91440" bIns="45720" rtlCol="0" anchor="ctr">
             <a:normAutofit/>
           </a:bodyPr>
-          <a:lstStyle/>
-          <a:p>
-            <a:pPr>
-              <a:buFontTx/>
-              <a:buChar char="-"/>
-            </a:pPr>
-            <a:r>
-              <a:rPr lang="de-DE" dirty="0"/>
-              <a:t>Docker für Windows</a:t>
-            </a:r>
-          </a:p>
-          <a:p>
-            <a:pPr lvl="1">
-              <a:buFontTx/>
-              <a:buChar char="-"/>
-            </a:pPr>
-            <a:r>
-              <a:rPr lang="de-DE" dirty="0"/>
-              <a:t>Docker Desktop für Windows 10 &amp; Mac</a:t>
-            </a:r>
-          </a:p>
-          <a:p>
-            <a:pPr lvl="1">
-              <a:buFontTx/>
-              <a:buChar char="-"/>
-            </a:pPr>
-            <a:r>
-              <a:rPr lang="de-DE" dirty="0"/>
-              <a:t>Docker Engine als integriertes Windows Server Feature</a:t>
-            </a:r>
-          </a:p>
-          <a:p>
-            <a:pPr lvl="1">
-              <a:buFontTx/>
-              <a:buChar char="-"/>
-            </a:pPr>
-            <a:endParaRPr lang="de-DE" dirty="0"/>
-          </a:p>
-          <a:p>
-            <a:pPr>
-              <a:buFontTx/>
-              <a:buChar char="-"/>
-            </a:pPr>
-            <a:r>
-              <a:rPr lang="de-DE" dirty="0"/>
-              <a:t>Docker für Linux</a:t>
-            </a:r>
-          </a:p>
-          <a:p>
-            <a:pPr lvl="1">
-              <a:buFontTx/>
-              <a:buChar char="-"/>
-            </a:pPr>
-            <a:r>
-              <a:rPr lang="de-DE" dirty="0"/>
-              <a:t>.</a:t>
-            </a:r>
-            <a:r>
-              <a:rPr lang="de-DE" dirty="0" err="1"/>
-              <a:t>deb</a:t>
-            </a:r>
-            <a:r>
-              <a:rPr lang="de-DE" dirty="0"/>
-              <a:t> Paket</a:t>
-            </a:r>
-          </a:p>
-          <a:p>
-            <a:pPr lvl="1">
-              <a:buFontTx/>
-              <a:buChar char="-"/>
-            </a:pPr>
-            <a:r>
-              <a:rPr lang="de-DE" dirty="0"/>
-              <a:t>.</a:t>
-            </a:r>
-            <a:r>
-              <a:rPr lang="de-DE" dirty="0" err="1"/>
-              <a:t>rpm</a:t>
-            </a:r>
-            <a:r>
-              <a:rPr lang="de-DE" dirty="0"/>
-              <a:t> Paket</a:t>
-            </a:r>
-          </a:p>
-          <a:p>
-            <a:pPr lvl="1">
-              <a:buFontTx/>
-              <a:buChar char="-"/>
-            </a:pPr>
-            <a:endParaRPr lang="de-DE" dirty="0"/>
-          </a:p>
-          <a:p>
-            <a:pPr lvl="1">
-              <a:buFontTx/>
-              <a:buChar char="-"/>
-            </a:pPr>
-            <a:endParaRPr lang="de-DE" dirty="0"/>
-          </a:p>
-          <a:p>
-            <a:pPr lvl="1">
-              <a:buFontTx/>
-              <a:buChar char="-"/>
-            </a:pPr>
-            <a:endParaRPr lang="de-DE" dirty="0"/>
-          </a:p>
-        </p:txBody>
-      </p:sp>
+          <a:lstStyle>
+            <a:lvl1pPr algn="l" defTabSz="914400" rtl="0" eaLnBrk="1" latinLnBrk="0" hangingPunct="1">
+              <a:lnSpc>
+                <a:spcPct val="90000"/>
+              </a:lnSpc>
+              <a:spcBef>
+                <a:spcPct val="0"/>
+              </a:spcBef>
+              <a:buNone/>
+              <a:defRPr sz="4400" kern="1200">
+                <a:solidFill>
+                  <a:schemeClr val="tx1"/>
+                </a:solidFill>
+                <a:latin typeface="+mj-lt"/>
+                <a:ea typeface="+mj-ea"/>
+                <a:cs typeface="+mj-cs"/>
+              </a:defRPr>
+            </a:lvl1pPr>
+          </a:lstStyle>
+          <a:p>
+            <a:endParaRPr lang="de-DE" dirty="0">
+              <a:solidFill>
+                <a:srgbClr val="00B0F0"/>
+              </a:solidFill>
+            </a:endParaRPr>
+          </a:p>
+          <a:p>
+            <a:r>
+              <a:rPr lang="de-DE" dirty="0">
+                <a:solidFill>
+                  <a:srgbClr val="00B0F0"/>
+                </a:solidFill>
+              </a:rPr>
+              <a:t>Vom Haustier zum Nutztier</a:t>
+            </a:r>
+          </a:p>
+        </p:txBody>
+      </p:sp>
+      <p:sp>
+        <p:nvSpPr>
+          <p:cNvPr id="20" name="Titel 1">
+            <a:extLst>
+              <a:ext uri="{FF2B5EF4-FFF2-40B4-BE49-F238E27FC236}">
+                <a16:creationId xmlns:a16="http://schemas.microsoft.com/office/drawing/2014/main" id="{337BE1AC-D614-49BE-AA20-6F15A5EA5DD0}"/>
+              </a:ext>
+            </a:extLst>
+          </p:cNvPr>
+          <p:cNvSpPr txBox="1">
+            <a:spLocks/>
+          </p:cNvSpPr>
+          <p:nvPr/>
+        </p:nvSpPr>
+        <p:spPr>
+          <a:xfrm>
+            <a:off x="838200" y="364476"/>
+            <a:ext cx="8097253" cy="1325563"/>
+          </a:xfrm>
+          <a:prstGeom prst="rect">
+            <a:avLst/>
+          </a:prstGeom>
+        </p:spPr>
+        <p:txBody>
+          <a:bodyPr vert="horz" lIns="91440" tIns="45720" rIns="91440" bIns="45720" rtlCol="0" anchor="ctr">
+            <a:normAutofit/>
+          </a:bodyPr>
+          <a:lstStyle>
+            <a:lvl1pPr algn="l" defTabSz="914400" rtl="0" eaLnBrk="1" latinLnBrk="0" hangingPunct="1">
+              <a:lnSpc>
+                <a:spcPct val="90000"/>
+              </a:lnSpc>
+              <a:spcBef>
+                <a:spcPct val="0"/>
+              </a:spcBef>
+              <a:buNone/>
+              <a:defRPr sz="4400" kern="1200">
+                <a:solidFill>
+                  <a:schemeClr val="tx1"/>
+                </a:solidFill>
+                <a:latin typeface="+mj-lt"/>
+                <a:ea typeface="+mj-ea"/>
+                <a:cs typeface="+mj-cs"/>
+              </a:defRPr>
+            </a:lvl1pPr>
+          </a:lstStyle>
+          <a:p>
+            <a:endParaRPr lang="de-DE" dirty="0">
+              <a:solidFill>
+                <a:srgbClr val="00B0F0"/>
+              </a:solidFill>
+            </a:endParaRPr>
+          </a:p>
+          <a:p>
+            <a:r>
+              <a:rPr lang="de-DE" dirty="0">
+                <a:solidFill>
+                  <a:srgbClr val="00B0F0"/>
+                </a:solidFill>
+              </a:rPr>
+              <a:t>Docker </a:t>
+            </a:r>
+            <a:r>
+              <a:rPr lang="de-DE" dirty="0" err="1">
+                <a:solidFill>
+                  <a:srgbClr val="00B0F0"/>
+                </a:solidFill>
+              </a:rPr>
+              <a:t>to</a:t>
+            </a:r>
+            <a:r>
+              <a:rPr lang="de-DE" dirty="0">
+                <a:solidFill>
+                  <a:srgbClr val="00B0F0"/>
+                </a:solidFill>
+              </a:rPr>
+              <a:t> </a:t>
+            </a:r>
+            <a:r>
+              <a:rPr lang="de-DE" dirty="0" err="1">
+                <a:solidFill>
+                  <a:srgbClr val="00B0F0"/>
+                </a:solidFill>
+              </a:rPr>
+              <a:t>the</a:t>
+            </a:r>
+            <a:r>
+              <a:rPr lang="de-DE" dirty="0">
+                <a:solidFill>
+                  <a:srgbClr val="00B0F0"/>
+                </a:solidFill>
+              </a:rPr>
+              <a:t> Rescue</a:t>
+            </a:r>
+          </a:p>
+        </p:txBody>
+      </p:sp>
+      <p:grpSp>
+        <p:nvGrpSpPr>
+          <p:cNvPr id="21" name="Gruppieren 20">
+            <a:extLst>
+              <a:ext uri="{FF2B5EF4-FFF2-40B4-BE49-F238E27FC236}">
+                <a16:creationId xmlns:a16="http://schemas.microsoft.com/office/drawing/2014/main" id="{1700D5F7-F351-492F-87D1-F50F3ADE5933}"/>
+              </a:ext>
+            </a:extLst>
+          </p:cNvPr>
+          <p:cNvGrpSpPr/>
+          <p:nvPr/>
+        </p:nvGrpSpPr>
+        <p:grpSpPr>
+          <a:xfrm>
+            <a:off x="3082323" y="3223145"/>
+            <a:ext cx="637333" cy="478943"/>
+            <a:chOff x="1985551" y="5904513"/>
+            <a:chExt cx="637333" cy="478943"/>
+          </a:xfrm>
+        </p:grpSpPr>
+        <p:sp>
+          <p:nvSpPr>
+            <p:cNvPr id="22" name="Würfel 21">
+              <a:extLst>
+                <a:ext uri="{FF2B5EF4-FFF2-40B4-BE49-F238E27FC236}">
+                  <a16:creationId xmlns:a16="http://schemas.microsoft.com/office/drawing/2014/main" id="{55A319F9-D346-4C9C-BE83-396385319CE2}"/>
+                </a:ext>
+              </a:extLst>
+            </p:cNvPr>
+            <p:cNvSpPr/>
+            <p:nvPr/>
+          </p:nvSpPr>
+          <p:spPr>
+            <a:xfrm>
+              <a:off x="1985551" y="6104021"/>
+              <a:ext cx="637333" cy="279435"/>
+            </a:xfrm>
+            <a:prstGeom prst="cube">
+              <a:avLst>
+                <a:gd name="adj" fmla="val 78110"/>
+              </a:avLst>
+            </a:prstGeom>
+          </p:spPr>
+          <p:style>
+            <a:lnRef idx="3">
+              <a:schemeClr val="lt1"/>
+            </a:lnRef>
+            <a:fillRef idx="1">
+              <a:schemeClr val="accent6"/>
+            </a:fillRef>
+            <a:effectRef idx="1">
+              <a:schemeClr val="accent6"/>
+            </a:effectRef>
+            <a:fontRef idx="minor">
+              <a:schemeClr val="lt1"/>
+            </a:fontRef>
+          </p:style>
+          <p:txBody>
+            <a:bodyPr rtlCol="0" anchor="ctr"/>
+            <a:lstStyle/>
+            <a:p>
+              <a:pPr algn="ctr"/>
+              <a:endParaRPr lang="de-DE"/>
+            </a:p>
+          </p:txBody>
+        </p:sp>
+        <p:sp>
+          <p:nvSpPr>
+            <p:cNvPr id="23" name="Würfel 22">
+              <a:extLst>
+                <a:ext uri="{FF2B5EF4-FFF2-40B4-BE49-F238E27FC236}">
+                  <a16:creationId xmlns:a16="http://schemas.microsoft.com/office/drawing/2014/main" id="{3CF5BDE8-5920-437A-85DF-641A6B29FE17}"/>
+                </a:ext>
+              </a:extLst>
+            </p:cNvPr>
+            <p:cNvSpPr/>
+            <p:nvPr/>
+          </p:nvSpPr>
+          <p:spPr>
+            <a:xfrm>
+              <a:off x="1985551" y="6004267"/>
+              <a:ext cx="637333" cy="279435"/>
+            </a:xfrm>
+            <a:prstGeom prst="cube">
+              <a:avLst>
+                <a:gd name="adj" fmla="val 78110"/>
+              </a:avLst>
+            </a:prstGeom>
+          </p:spPr>
+          <p:style>
+            <a:lnRef idx="3">
+              <a:schemeClr val="lt1"/>
+            </a:lnRef>
+            <a:fillRef idx="1">
+              <a:schemeClr val="accent6"/>
+            </a:fillRef>
+            <a:effectRef idx="1">
+              <a:schemeClr val="accent6"/>
+            </a:effectRef>
+            <a:fontRef idx="minor">
+              <a:schemeClr val="lt1"/>
+            </a:fontRef>
+          </p:style>
+          <p:txBody>
+            <a:bodyPr rtlCol="0" anchor="ctr"/>
+            <a:lstStyle/>
+            <a:p>
+              <a:pPr algn="ctr"/>
+              <a:endParaRPr lang="de-DE"/>
+            </a:p>
+          </p:txBody>
+        </p:sp>
+        <p:sp>
+          <p:nvSpPr>
+            <p:cNvPr id="24" name="Würfel 23">
+              <a:extLst>
+                <a:ext uri="{FF2B5EF4-FFF2-40B4-BE49-F238E27FC236}">
+                  <a16:creationId xmlns:a16="http://schemas.microsoft.com/office/drawing/2014/main" id="{99C0CF1F-3CDC-4263-92A6-39677F82428C}"/>
+                </a:ext>
+              </a:extLst>
+            </p:cNvPr>
+            <p:cNvSpPr/>
+            <p:nvPr/>
+          </p:nvSpPr>
+          <p:spPr>
+            <a:xfrm>
+              <a:off x="1985551" y="5904513"/>
+              <a:ext cx="637333" cy="279435"/>
+            </a:xfrm>
+            <a:prstGeom prst="cube">
+              <a:avLst>
+                <a:gd name="adj" fmla="val 78110"/>
+              </a:avLst>
+            </a:prstGeom>
+          </p:spPr>
+          <p:style>
+            <a:lnRef idx="3">
+              <a:schemeClr val="lt1"/>
+            </a:lnRef>
+            <a:fillRef idx="1">
+              <a:schemeClr val="accent6"/>
+            </a:fillRef>
+            <a:effectRef idx="1">
+              <a:schemeClr val="accent6"/>
+            </a:effectRef>
+            <a:fontRef idx="minor">
+              <a:schemeClr val="lt1"/>
+            </a:fontRef>
+          </p:style>
+          <p:txBody>
+            <a:bodyPr rtlCol="0" anchor="ctr"/>
+            <a:lstStyle/>
+            <a:p>
+              <a:pPr algn="ctr"/>
+              <a:endParaRPr lang="de-DE" dirty="0"/>
+            </a:p>
+          </p:txBody>
+        </p:sp>
+      </p:grpSp>
+      <p:grpSp>
+        <p:nvGrpSpPr>
+          <p:cNvPr id="25" name="Gruppieren 24">
+            <a:extLst>
+              <a:ext uri="{FF2B5EF4-FFF2-40B4-BE49-F238E27FC236}">
+                <a16:creationId xmlns:a16="http://schemas.microsoft.com/office/drawing/2014/main" id="{87F76A5B-6DA2-4EC1-9F49-E59202D8FB26}"/>
+              </a:ext>
+            </a:extLst>
+          </p:cNvPr>
+          <p:cNvGrpSpPr/>
+          <p:nvPr/>
+        </p:nvGrpSpPr>
+        <p:grpSpPr>
+          <a:xfrm>
+            <a:off x="3082322" y="4000072"/>
+            <a:ext cx="637333" cy="478943"/>
+            <a:chOff x="1985551" y="5904513"/>
+            <a:chExt cx="637333" cy="478943"/>
+          </a:xfrm>
+        </p:grpSpPr>
+        <p:sp>
+          <p:nvSpPr>
+            <p:cNvPr id="26" name="Würfel 25">
+              <a:extLst>
+                <a:ext uri="{FF2B5EF4-FFF2-40B4-BE49-F238E27FC236}">
+                  <a16:creationId xmlns:a16="http://schemas.microsoft.com/office/drawing/2014/main" id="{551F8AD3-12DF-4542-A3E3-0CA533240544}"/>
+                </a:ext>
+              </a:extLst>
+            </p:cNvPr>
+            <p:cNvSpPr/>
+            <p:nvPr/>
+          </p:nvSpPr>
+          <p:spPr>
+            <a:xfrm>
+              <a:off x="1985551" y="6104021"/>
+              <a:ext cx="637333" cy="279435"/>
+            </a:xfrm>
+            <a:prstGeom prst="cube">
+              <a:avLst>
+                <a:gd name="adj" fmla="val 78110"/>
+              </a:avLst>
+            </a:prstGeom>
+          </p:spPr>
+          <p:style>
+            <a:lnRef idx="3">
+              <a:schemeClr val="lt1"/>
+            </a:lnRef>
+            <a:fillRef idx="1">
+              <a:schemeClr val="accent6"/>
+            </a:fillRef>
+            <a:effectRef idx="1">
+              <a:schemeClr val="accent6"/>
+            </a:effectRef>
+            <a:fontRef idx="minor">
+              <a:schemeClr val="lt1"/>
+            </a:fontRef>
+          </p:style>
+          <p:txBody>
+            <a:bodyPr rtlCol="0" anchor="ctr"/>
+            <a:lstStyle/>
+            <a:p>
+              <a:pPr algn="ctr"/>
+              <a:endParaRPr lang="de-DE"/>
+            </a:p>
+          </p:txBody>
+        </p:sp>
+        <p:sp>
+          <p:nvSpPr>
+            <p:cNvPr id="27" name="Würfel 26">
+              <a:extLst>
+                <a:ext uri="{FF2B5EF4-FFF2-40B4-BE49-F238E27FC236}">
+                  <a16:creationId xmlns:a16="http://schemas.microsoft.com/office/drawing/2014/main" id="{657968B6-F88E-48AE-B3FF-584A819C8C68}"/>
+                </a:ext>
+              </a:extLst>
+            </p:cNvPr>
+            <p:cNvSpPr/>
+            <p:nvPr/>
+          </p:nvSpPr>
+          <p:spPr>
+            <a:xfrm>
+              <a:off x="1985551" y="6004267"/>
+              <a:ext cx="637333" cy="279435"/>
+            </a:xfrm>
+            <a:prstGeom prst="cube">
+              <a:avLst>
+                <a:gd name="adj" fmla="val 78110"/>
+              </a:avLst>
+            </a:prstGeom>
+          </p:spPr>
+          <p:style>
+            <a:lnRef idx="3">
+              <a:schemeClr val="lt1"/>
+            </a:lnRef>
+            <a:fillRef idx="1">
+              <a:schemeClr val="accent6"/>
+            </a:fillRef>
+            <a:effectRef idx="1">
+              <a:schemeClr val="accent6"/>
+            </a:effectRef>
+            <a:fontRef idx="minor">
+              <a:schemeClr val="lt1"/>
+            </a:fontRef>
+          </p:style>
+          <p:txBody>
+            <a:bodyPr rtlCol="0" anchor="ctr"/>
+            <a:lstStyle/>
+            <a:p>
+              <a:pPr algn="ctr"/>
+              <a:endParaRPr lang="de-DE"/>
+            </a:p>
+          </p:txBody>
+        </p:sp>
+        <p:sp>
+          <p:nvSpPr>
+            <p:cNvPr id="28" name="Würfel 27">
+              <a:extLst>
+                <a:ext uri="{FF2B5EF4-FFF2-40B4-BE49-F238E27FC236}">
+                  <a16:creationId xmlns:a16="http://schemas.microsoft.com/office/drawing/2014/main" id="{9D5B9BE4-358E-4D2A-A2F0-F715D8A4E17B}"/>
+                </a:ext>
+              </a:extLst>
+            </p:cNvPr>
+            <p:cNvSpPr/>
+            <p:nvPr/>
+          </p:nvSpPr>
+          <p:spPr>
+            <a:xfrm>
+              <a:off x="1985551" y="5904513"/>
+              <a:ext cx="637333" cy="279435"/>
+            </a:xfrm>
+            <a:prstGeom prst="cube">
+              <a:avLst>
+                <a:gd name="adj" fmla="val 78110"/>
+              </a:avLst>
+            </a:prstGeom>
+          </p:spPr>
+          <p:style>
+            <a:lnRef idx="3">
+              <a:schemeClr val="lt1"/>
+            </a:lnRef>
+            <a:fillRef idx="1">
+              <a:schemeClr val="accent6"/>
+            </a:fillRef>
+            <a:effectRef idx="1">
+              <a:schemeClr val="accent6"/>
+            </a:effectRef>
+            <a:fontRef idx="minor">
+              <a:schemeClr val="lt1"/>
+            </a:fontRef>
+          </p:style>
+          <p:txBody>
+            <a:bodyPr rtlCol="0" anchor="ctr"/>
+            <a:lstStyle/>
+            <a:p>
+              <a:pPr algn="ctr"/>
+              <a:endParaRPr lang="de-DE"/>
+            </a:p>
+          </p:txBody>
+        </p:sp>
+      </p:grpSp>
+      <p:grpSp>
+        <p:nvGrpSpPr>
+          <p:cNvPr id="29" name="Gruppieren 28">
+            <a:extLst>
+              <a:ext uri="{FF2B5EF4-FFF2-40B4-BE49-F238E27FC236}">
+                <a16:creationId xmlns:a16="http://schemas.microsoft.com/office/drawing/2014/main" id="{2D71130D-0037-4FBA-BA44-04BF1D70FAF0}"/>
+              </a:ext>
+            </a:extLst>
+          </p:cNvPr>
+          <p:cNvGrpSpPr/>
+          <p:nvPr/>
+        </p:nvGrpSpPr>
+        <p:grpSpPr>
+          <a:xfrm>
+            <a:off x="5909097" y="3217306"/>
+            <a:ext cx="637333" cy="478943"/>
+            <a:chOff x="1985551" y="5904513"/>
+            <a:chExt cx="637333" cy="478943"/>
+          </a:xfrm>
+        </p:grpSpPr>
+        <p:sp>
+          <p:nvSpPr>
+            <p:cNvPr id="30" name="Würfel 29">
+              <a:extLst>
+                <a:ext uri="{FF2B5EF4-FFF2-40B4-BE49-F238E27FC236}">
+                  <a16:creationId xmlns:a16="http://schemas.microsoft.com/office/drawing/2014/main" id="{CBD87557-726A-4489-A0AE-D9E6BB0BAE34}"/>
+                </a:ext>
+              </a:extLst>
+            </p:cNvPr>
+            <p:cNvSpPr/>
+            <p:nvPr/>
+          </p:nvSpPr>
+          <p:spPr>
+            <a:xfrm>
+              <a:off x="1985551" y="6104021"/>
+              <a:ext cx="637333" cy="279435"/>
+            </a:xfrm>
+            <a:prstGeom prst="cube">
+              <a:avLst>
+                <a:gd name="adj" fmla="val 78110"/>
+              </a:avLst>
+            </a:prstGeom>
+          </p:spPr>
+          <p:style>
+            <a:lnRef idx="3">
+              <a:schemeClr val="lt1"/>
+            </a:lnRef>
+            <a:fillRef idx="1">
+              <a:schemeClr val="accent6"/>
+            </a:fillRef>
+            <a:effectRef idx="1">
+              <a:schemeClr val="accent6"/>
+            </a:effectRef>
+            <a:fontRef idx="minor">
+              <a:schemeClr val="lt1"/>
+            </a:fontRef>
+          </p:style>
+          <p:txBody>
+            <a:bodyPr rtlCol="0" anchor="ctr"/>
+            <a:lstStyle/>
+            <a:p>
+              <a:pPr algn="ctr"/>
+              <a:endParaRPr lang="de-DE"/>
+            </a:p>
+          </p:txBody>
+        </p:sp>
+        <p:sp>
+          <p:nvSpPr>
+            <p:cNvPr id="31" name="Würfel 30">
+              <a:extLst>
+                <a:ext uri="{FF2B5EF4-FFF2-40B4-BE49-F238E27FC236}">
+                  <a16:creationId xmlns:a16="http://schemas.microsoft.com/office/drawing/2014/main" id="{D3DD7730-98E3-447B-960D-969046D22BC6}"/>
+                </a:ext>
+              </a:extLst>
+            </p:cNvPr>
+            <p:cNvSpPr/>
+            <p:nvPr/>
+          </p:nvSpPr>
+          <p:spPr>
+            <a:xfrm>
+              <a:off x="1985551" y="6004267"/>
+              <a:ext cx="637333" cy="279435"/>
+            </a:xfrm>
+            <a:prstGeom prst="cube">
+              <a:avLst>
+                <a:gd name="adj" fmla="val 78110"/>
+              </a:avLst>
+            </a:prstGeom>
+          </p:spPr>
+          <p:style>
+            <a:lnRef idx="3">
+              <a:schemeClr val="lt1"/>
+            </a:lnRef>
+            <a:fillRef idx="1">
+              <a:schemeClr val="accent6"/>
+            </a:fillRef>
+            <a:effectRef idx="1">
+              <a:schemeClr val="accent6"/>
+            </a:effectRef>
+            <a:fontRef idx="minor">
+              <a:schemeClr val="lt1"/>
+            </a:fontRef>
+          </p:style>
+          <p:txBody>
+            <a:bodyPr rtlCol="0" anchor="ctr"/>
+            <a:lstStyle/>
+            <a:p>
+              <a:pPr algn="ctr"/>
+              <a:endParaRPr lang="de-DE"/>
+            </a:p>
+          </p:txBody>
+        </p:sp>
+        <p:sp>
+          <p:nvSpPr>
+            <p:cNvPr id="32" name="Würfel 31">
+              <a:extLst>
+                <a:ext uri="{FF2B5EF4-FFF2-40B4-BE49-F238E27FC236}">
+                  <a16:creationId xmlns:a16="http://schemas.microsoft.com/office/drawing/2014/main" id="{76854AC1-459C-41A4-82F2-10BC1DF5EBA7}"/>
+                </a:ext>
+              </a:extLst>
+            </p:cNvPr>
+            <p:cNvSpPr/>
+            <p:nvPr/>
+          </p:nvSpPr>
+          <p:spPr>
+            <a:xfrm>
+              <a:off x="1985551" y="5904513"/>
+              <a:ext cx="637333" cy="279435"/>
+            </a:xfrm>
+            <a:prstGeom prst="cube">
+              <a:avLst>
+                <a:gd name="adj" fmla="val 78110"/>
+              </a:avLst>
+            </a:prstGeom>
+          </p:spPr>
+          <p:style>
+            <a:lnRef idx="3">
+              <a:schemeClr val="lt1"/>
+            </a:lnRef>
+            <a:fillRef idx="1">
+              <a:schemeClr val="accent6"/>
+            </a:fillRef>
+            <a:effectRef idx="1">
+              <a:schemeClr val="accent6"/>
+            </a:effectRef>
+            <a:fontRef idx="minor">
+              <a:schemeClr val="lt1"/>
+            </a:fontRef>
+          </p:style>
+          <p:txBody>
+            <a:bodyPr rtlCol="0" anchor="ctr"/>
+            <a:lstStyle/>
+            <a:p>
+              <a:pPr algn="ctr"/>
+              <a:endParaRPr lang="de-DE"/>
+            </a:p>
+          </p:txBody>
+        </p:sp>
+      </p:grpSp>
+      <p:grpSp>
+        <p:nvGrpSpPr>
+          <p:cNvPr id="33" name="Gruppieren 32">
+            <a:extLst>
+              <a:ext uri="{FF2B5EF4-FFF2-40B4-BE49-F238E27FC236}">
+                <a16:creationId xmlns:a16="http://schemas.microsoft.com/office/drawing/2014/main" id="{28FC49AE-5162-4F4A-A4FD-65F06EF821EB}"/>
+              </a:ext>
+            </a:extLst>
+          </p:cNvPr>
+          <p:cNvGrpSpPr/>
+          <p:nvPr/>
+        </p:nvGrpSpPr>
+        <p:grpSpPr>
+          <a:xfrm>
+            <a:off x="5909096" y="3994233"/>
+            <a:ext cx="637333" cy="478943"/>
+            <a:chOff x="1985551" y="5904513"/>
+            <a:chExt cx="637333" cy="478943"/>
+          </a:xfrm>
+        </p:grpSpPr>
+        <p:sp>
+          <p:nvSpPr>
+            <p:cNvPr id="34" name="Würfel 33">
+              <a:extLst>
+                <a:ext uri="{FF2B5EF4-FFF2-40B4-BE49-F238E27FC236}">
+                  <a16:creationId xmlns:a16="http://schemas.microsoft.com/office/drawing/2014/main" id="{79D68083-EBAC-418A-BE7D-55C7706CBA19}"/>
+                </a:ext>
+              </a:extLst>
+            </p:cNvPr>
+            <p:cNvSpPr/>
+            <p:nvPr/>
+          </p:nvSpPr>
+          <p:spPr>
+            <a:xfrm>
+              <a:off x="1985551" y="6104021"/>
+              <a:ext cx="637333" cy="279435"/>
+            </a:xfrm>
+            <a:prstGeom prst="cube">
+              <a:avLst>
+                <a:gd name="adj" fmla="val 78110"/>
+              </a:avLst>
+            </a:prstGeom>
+          </p:spPr>
+          <p:style>
+            <a:lnRef idx="3">
+              <a:schemeClr val="lt1"/>
+            </a:lnRef>
+            <a:fillRef idx="1">
+              <a:schemeClr val="accent6"/>
+            </a:fillRef>
+            <a:effectRef idx="1">
+              <a:schemeClr val="accent6"/>
+            </a:effectRef>
+            <a:fontRef idx="minor">
+              <a:schemeClr val="lt1"/>
+            </a:fontRef>
+          </p:style>
+          <p:txBody>
+            <a:bodyPr rtlCol="0" anchor="ctr"/>
+            <a:lstStyle/>
+            <a:p>
+              <a:pPr algn="ctr"/>
+              <a:endParaRPr lang="de-DE"/>
+            </a:p>
+          </p:txBody>
+        </p:sp>
+        <p:sp>
+          <p:nvSpPr>
+            <p:cNvPr id="35" name="Würfel 34">
+              <a:extLst>
+                <a:ext uri="{FF2B5EF4-FFF2-40B4-BE49-F238E27FC236}">
+                  <a16:creationId xmlns:a16="http://schemas.microsoft.com/office/drawing/2014/main" id="{C2D5CF04-7846-48F8-8D79-7C88DDF3D7A0}"/>
+                </a:ext>
+              </a:extLst>
+            </p:cNvPr>
+            <p:cNvSpPr/>
+            <p:nvPr/>
+          </p:nvSpPr>
+          <p:spPr>
+            <a:xfrm>
+              <a:off x="1985551" y="6004267"/>
+              <a:ext cx="637333" cy="279435"/>
+            </a:xfrm>
+            <a:prstGeom prst="cube">
+              <a:avLst>
+                <a:gd name="adj" fmla="val 78110"/>
+              </a:avLst>
+            </a:prstGeom>
+          </p:spPr>
+          <p:style>
+            <a:lnRef idx="3">
+              <a:schemeClr val="lt1"/>
+            </a:lnRef>
+            <a:fillRef idx="1">
+              <a:schemeClr val="accent6"/>
+            </a:fillRef>
+            <a:effectRef idx="1">
+              <a:schemeClr val="accent6"/>
+            </a:effectRef>
+            <a:fontRef idx="minor">
+              <a:schemeClr val="lt1"/>
+            </a:fontRef>
+          </p:style>
+          <p:txBody>
+            <a:bodyPr rtlCol="0" anchor="ctr"/>
+            <a:lstStyle/>
+            <a:p>
+              <a:pPr algn="ctr"/>
+              <a:endParaRPr lang="de-DE"/>
+            </a:p>
+          </p:txBody>
+        </p:sp>
+        <p:sp>
+          <p:nvSpPr>
+            <p:cNvPr id="36" name="Würfel 35">
+              <a:extLst>
+                <a:ext uri="{FF2B5EF4-FFF2-40B4-BE49-F238E27FC236}">
+                  <a16:creationId xmlns:a16="http://schemas.microsoft.com/office/drawing/2014/main" id="{919FF910-F41A-4DC1-A971-D8B832E009B4}"/>
+                </a:ext>
+              </a:extLst>
+            </p:cNvPr>
+            <p:cNvSpPr/>
+            <p:nvPr/>
+          </p:nvSpPr>
+          <p:spPr>
+            <a:xfrm>
+              <a:off x="1985551" y="5904513"/>
+              <a:ext cx="637333" cy="279435"/>
+            </a:xfrm>
+            <a:prstGeom prst="cube">
+              <a:avLst>
+                <a:gd name="adj" fmla="val 78110"/>
+              </a:avLst>
+            </a:prstGeom>
+          </p:spPr>
+          <p:style>
+            <a:lnRef idx="3">
+              <a:schemeClr val="lt1"/>
+            </a:lnRef>
+            <a:fillRef idx="1">
+              <a:schemeClr val="accent6"/>
+            </a:fillRef>
+            <a:effectRef idx="1">
+              <a:schemeClr val="accent6"/>
+            </a:effectRef>
+            <a:fontRef idx="minor">
+              <a:schemeClr val="lt1"/>
+            </a:fontRef>
+          </p:style>
+          <p:txBody>
+            <a:bodyPr rtlCol="0" anchor="ctr"/>
+            <a:lstStyle/>
+            <a:p>
+              <a:pPr algn="ctr"/>
+              <a:endParaRPr lang="de-DE"/>
+            </a:p>
+          </p:txBody>
+        </p:sp>
+      </p:grpSp>
+      <p:grpSp>
+        <p:nvGrpSpPr>
+          <p:cNvPr id="37" name="Gruppieren 36">
+            <a:extLst>
+              <a:ext uri="{FF2B5EF4-FFF2-40B4-BE49-F238E27FC236}">
+                <a16:creationId xmlns:a16="http://schemas.microsoft.com/office/drawing/2014/main" id="{B1611371-C8FE-49BC-A98D-89FF96E3DB6F}"/>
+              </a:ext>
+            </a:extLst>
+          </p:cNvPr>
+          <p:cNvGrpSpPr/>
+          <p:nvPr/>
+        </p:nvGrpSpPr>
+        <p:grpSpPr>
+          <a:xfrm>
+            <a:off x="8740787" y="3196821"/>
+            <a:ext cx="637333" cy="478943"/>
+            <a:chOff x="1985551" y="5904513"/>
+            <a:chExt cx="637333" cy="478943"/>
+          </a:xfrm>
+        </p:grpSpPr>
+        <p:sp>
+          <p:nvSpPr>
+            <p:cNvPr id="38" name="Würfel 37">
+              <a:extLst>
+                <a:ext uri="{FF2B5EF4-FFF2-40B4-BE49-F238E27FC236}">
+                  <a16:creationId xmlns:a16="http://schemas.microsoft.com/office/drawing/2014/main" id="{52580A7D-C3F1-4C80-B5A6-4E856F6F42FB}"/>
+                </a:ext>
+              </a:extLst>
+            </p:cNvPr>
+            <p:cNvSpPr/>
+            <p:nvPr/>
+          </p:nvSpPr>
+          <p:spPr>
+            <a:xfrm>
+              <a:off x="1985551" y="6104021"/>
+              <a:ext cx="637333" cy="279435"/>
+            </a:xfrm>
+            <a:prstGeom prst="cube">
+              <a:avLst>
+                <a:gd name="adj" fmla="val 78110"/>
+              </a:avLst>
+            </a:prstGeom>
+          </p:spPr>
+          <p:style>
+            <a:lnRef idx="3">
+              <a:schemeClr val="lt1"/>
+            </a:lnRef>
+            <a:fillRef idx="1">
+              <a:schemeClr val="accent6"/>
+            </a:fillRef>
+            <a:effectRef idx="1">
+              <a:schemeClr val="accent6"/>
+            </a:effectRef>
+            <a:fontRef idx="minor">
+              <a:schemeClr val="lt1"/>
+            </a:fontRef>
+          </p:style>
+          <p:txBody>
+            <a:bodyPr rtlCol="0" anchor="ctr"/>
+            <a:lstStyle/>
+            <a:p>
+              <a:pPr algn="ctr"/>
+              <a:endParaRPr lang="de-DE"/>
+            </a:p>
+          </p:txBody>
+        </p:sp>
+        <p:sp>
+          <p:nvSpPr>
+            <p:cNvPr id="39" name="Würfel 38">
+              <a:extLst>
+                <a:ext uri="{FF2B5EF4-FFF2-40B4-BE49-F238E27FC236}">
+                  <a16:creationId xmlns:a16="http://schemas.microsoft.com/office/drawing/2014/main" id="{D0730307-962F-4D31-B7D1-13C3F4284C01}"/>
+                </a:ext>
+              </a:extLst>
+            </p:cNvPr>
+            <p:cNvSpPr/>
+            <p:nvPr/>
+          </p:nvSpPr>
+          <p:spPr>
+            <a:xfrm>
+              <a:off x="1985551" y="6004267"/>
+              <a:ext cx="637333" cy="279435"/>
+            </a:xfrm>
+            <a:prstGeom prst="cube">
+              <a:avLst>
+                <a:gd name="adj" fmla="val 78110"/>
+              </a:avLst>
+            </a:prstGeom>
+          </p:spPr>
+          <p:style>
+            <a:lnRef idx="3">
+              <a:schemeClr val="lt1"/>
+            </a:lnRef>
+            <a:fillRef idx="1">
+              <a:schemeClr val="accent6"/>
+            </a:fillRef>
+            <a:effectRef idx="1">
+              <a:schemeClr val="accent6"/>
+            </a:effectRef>
+            <a:fontRef idx="minor">
+              <a:schemeClr val="lt1"/>
+            </a:fontRef>
+          </p:style>
+          <p:txBody>
+            <a:bodyPr rtlCol="0" anchor="ctr"/>
+            <a:lstStyle/>
+            <a:p>
+              <a:pPr algn="ctr"/>
+              <a:endParaRPr lang="de-DE"/>
+            </a:p>
+          </p:txBody>
+        </p:sp>
+        <p:sp>
+          <p:nvSpPr>
+            <p:cNvPr id="40" name="Würfel 39">
+              <a:extLst>
+                <a:ext uri="{FF2B5EF4-FFF2-40B4-BE49-F238E27FC236}">
+                  <a16:creationId xmlns:a16="http://schemas.microsoft.com/office/drawing/2014/main" id="{C3550757-20CC-4428-BEB6-383EE23BA95F}"/>
+                </a:ext>
+              </a:extLst>
+            </p:cNvPr>
+            <p:cNvSpPr/>
+            <p:nvPr/>
+          </p:nvSpPr>
+          <p:spPr>
+            <a:xfrm>
+              <a:off x="1985551" y="5904513"/>
+              <a:ext cx="637333" cy="279435"/>
+            </a:xfrm>
+            <a:prstGeom prst="cube">
+              <a:avLst>
+                <a:gd name="adj" fmla="val 78110"/>
+              </a:avLst>
+            </a:prstGeom>
+          </p:spPr>
+          <p:style>
+            <a:lnRef idx="3">
+              <a:schemeClr val="lt1"/>
+            </a:lnRef>
+            <a:fillRef idx="1">
+              <a:schemeClr val="accent6"/>
+            </a:fillRef>
+            <a:effectRef idx="1">
+              <a:schemeClr val="accent6"/>
+            </a:effectRef>
+            <a:fontRef idx="minor">
+              <a:schemeClr val="lt1"/>
+            </a:fontRef>
+          </p:style>
+          <p:txBody>
+            <a:bodyPr rtlCol="0" anchor="ctr"/>
+            <a:lstStyle/>
+            <a:p>
+              <a:pPr algn="ctr"/>
+              <a:endParaRPr lang="de-DE"/>
+            </a:p>
+          </p:txBody>
+        </p:sp>
+      </p:grpSp>
+      <p:grpSp>
+        <p:nvGrpSpPr>
+          <p:cNvPr id="41" name="Gruppieren 40">
+            <a:extLst>
+              <a:ext uri="{FF2B5EF4-FFF2-40B4-BE49-F238E27FC236}">
+                <a16:creationId xmlns:a16="http://schemas.microsoft.com/office/drawing/2014/main" id="{74C8785D-EC45-4CEC-B6FA-8D7DF3F5866A}"/>
+              </a:ext>
+            </a:extLst>
+          </p:cNvPr>
+          <p:cNvGrpSpPr/>
+          <p:nvPr/>
+        </p:nvGrpSpPr>
+        <p:grpSpPr>
+          <a:xfrm>
+            <a:off x="8740786" y="3973748"/>
+            <a:ext cx="637333" cy="478943"/>
+            <a:chOff x="1985551" y="5904513"/>
+            <a:chExt cx="637333" cy="478943"/>
+          </a:xfrm>
+        </p:grpSpPr>
+        <p:sp>
+          <p:nvSpPr>
+            <p:cNvPr id="42" name="Würfel 41">
+              <a:extLst>
+                <a:ext uri="{FF2B5EF4-FFF2-40B4-BE49-F238E27FC236}">
+                  <a16:creationId xmlns:a16="http://schemas.microsoft.com/office/drawing/2014/main" id="{6822F6B1-FAC7-4049-8BF2-3EF26D3592E1}"/>
+                </a:ext>
+              </a:extLst>
+            </p:cNvPr>
+            <p:cNvSpPr/>
+            <p:nvPr/>
+          </p:nvSpPr>
+          <p:spPr>
+            <a:xfrm>
+              <a:off x="1985551" y="6104021"/>
+              <a:ext cx="637333" cy="279435"/>
+            </a:xfrm>
+            <a:prstGeom prst="cube">
+              <a:avLst>
+                <a:gd name="adj" fmla="val 78110"/>
+              </a:avLst>
+            </a:prstGeom>
+          </p:spPr>
+          <p:style>
+            <a:lnRef idx="3">
+              <a:schemeClr val="lt1"/>
+            </a:lnRef>
+            <a:fillRef idx="1">
+              <a:schemeClr val="accent6"/>
+            </a:fillRef>
+            <a:effectRef idx="1">
+              <a:schemeClr val="accent6"/>
+            </a:effectRef>
+            <a:fontRef idx="minor">
+              <a:schemeClr val="lt1"/>
+            </a:fontRef>
+          </p:style>
+          <p:txBody>
+            <a:bodyPr rtlCol="0" anchor="ctr"/>
+            <a:lstStyle/>
+            <a:p>
+              <a:pPr algn="ctr"/>
+              <a:endParaRPr lang="de-DE"/>
+            </a:p>
+          </p:txBody>
+        </p:sp>
+        <p:sp>
+          <p:nvSpPr>
+            <p:cNvPr id="43" name="Würfel 42">
+              <a:extLst>
+                <a:ext uri="{FF2B5EF4-FFF2-40B4-BE49-F238E27FC236}">
+                  <a16:creationId xmlns:a16="http://schemas.microsoft.com/office/drawing/2014/main" id="{E4546427-5FA9-458E-9FF9-37106F3B2AA9}"/>
+                </a:ext>
+              </a:extLst>
+            </p:cNvPr>
+            <p:cNvSpPr/>
+            <p:nvPr/>
+          </p:nvSpPr>
+          <p:spPr>
+            <a:xfrm>
+              <a:off x="1985551" y="6004267"/>
+              <a:ext cx="637333" cy="279435"/>
+            </a:xfrm>
+            <a:prstGeom prst="cube">
+              <a:avLst>
+                <a:gd name="adj" fmla="val 78110"/>
+              </a:avLst>
+            </a:prstGeom>
+          </p:spPr>
+          <p:style>
+            <a:lnRef idx="3">
+              <a:schemeClr val="lt1"/>
+            </a:lnRef>
+            <a:fillRef idx="1">
+              <a:schemeClr val="accent6"/>
+            </a:fillRef>
+            <a:effectRef idx="1">
+              <a:schemeClr val="accent6"/>
+            </a:effectRef>
+            <a:fontRef idx="minor">
+              <a:schemeClr val="lt1"/>
+            </a:fontRef>
+          </p:style>
+          <p:txBody>
+            <a:bodyPr rtlCol="0" anchor="ctr"/>
+            <a:lstStyle/>
+            <a:p>
+              <a:pPr algn="ctr"/>
+              <a:endParaRPr lang="de-DE"/>
+            </a:p>
+          </p:txBody>
+        </p:sp>
+        <p:sp>
+          <p:nvSpPr>
+            <p:cNvPr id="44" name="Würfel 43">
+              <a:extLst>
+                <a:ext uri="{FF2B5EF4-FFF2-40B4-BE49-F238E27FC236}">
+                  <a16:creationId xmlns:a16="http://schemas.microsoft.com/office/drawing/2014/main" id="{AEC5A233-CEDF-4216-89EB-8B69FAC9FF3D}"/>
+                </a:ext>
+              </a:extLst>
+            </p:cNvPr>
+            <p:cNvSpPr/>
+            <p:nvPr/>
+          </p:nvSpPr>
+          <p:spPr>
+            <a:xfrm>
+              <a:off x="1985551" y="5904513"/>
+              <a:ext cx="637333" cy="279435"/>
+            </a:xfrm>
+            <a:prstGeom prst="cube">
+              <a:avLst>
+                <a:gd name="adj" fmla="val 78110"/>
+              </a:avLst>
+            </a:prstGeom>
+          </p:spPr>
+          <p:style>
+            <a:lnRef idx="3">
+              <a:schemeClr val="lt1"/>
+            </a:lnRef>
+            <a:fillRef idx="1">
+              <a:schemeClr val="accent6"/>
+            </a:fillRef>
+            <a:effectRef idx="1">
+              <a:schemeClr val="accent6"/>
+            </a:effectRef>
+            <a:fontRef idx="minor">
+              <a:schemeClr val="lt1"/>
+            </a:fontRef>
+          </p:style>
+          <p:txBody>
+            <a:bodyPr rtlCol="0" anchor="ctr"/>
+            <a:lstStyle/>
+            <a:p>
+              <a:pPr algn="ctr"/>
+              <a:endParaRPr lang="de-DE"/>
+            </a:p>
+          </p:txBody>
+        </p:sp>
+      </p:grpSp>
+      <p:grpSp>
+        <p:nvGrpSpPr>
+          <p:cNvPr id="45" name="Gruppieren 44">
+            <a:extLst>
+              <a:ext uri="{FF2B5EF4-FFF2-40B4-BE49-F238E27FC236}">
+                <a16:creationId xmlns:a16="http://schemas.microsoft.com/office/drawing/2014/main" id="{E8B587CC-69EF-425E-8A6A-B996FB2D24FA}"/>
+              </a:ext>
+            </a:extLst>
+          </p:cNvPr>
+          <p:cNvGrpSpPr/>
+          <p:nvPr/>
+        </p:nvGrpSpPr>
+        <p:grpSpPr>
+          <a:xfrm>
+            <a:off x="3082322" y="4876753"/>
+            <a:ext cx="637333" cy="478943"/>
+            <a:chOff x="1985551" y="5904513"/>
+            <a:chExt cx="637333" cy="478943"/>
+          </a:xfrm>
+        </p:grpSpPr>
+        <p:sp>
+          <p:nvSpPr>
+            <p:cNvPr id="46" name="Würfel 45">
+              <a:extLst>
+                <a:ext uri="{FF2B5EF4-FFF2-40B4-BE49-F238E27FC236}">
+                  <a16:creationId xmlns:a16="http://schemas.microsoft.com/office/drawing/2014/main" id="{C6E82394-0BB4-40B7-B3AA-B7A305DB1EFF}"/>
+                </a:ext>
+              </a:extLst>
+            </p:cNvPr>
+            <p:cNvSpPr/>
+            <p:nvPr/>
+          </p:nvSpPr>
+          <p:spPr>
+            <a:xfrm>
+              <a:off x="1985551" y="6104021"/>
+              <a:ext cx="637333" cy="279435"/>
+            </a:xfrm>
+            <a:prstGeom prst="cube">
+              <a:avLst>
+                <a:gd name="adj" fmla="val 78110"/>
+              </a:avLst>
+            </a:prstGeom>
+          </p:spPr>
+          <p:style>
+            <a:lnRef idx="3">
+              <a:schemeClr val="lt1"/>
+            </a:lnRef>
+            <a:fillRef idx="1">
+              <a:schemeClr val="accent6"/>
+            </a:fillRef>
+            <a:effectRef idx="1">
+              <a:schemeClr val="accent6"/>
+            </a:effectRef>
+            <a:fontRef idx="minor">
+              <a:schemeClr val="lt1"/>
+            </a:fontRef>
+          </p:style>
+          <p:txBody>
+            <a:bodyPr rtlCol="0" anchor="ctr"/>
+            <a:lstStyle/>
+            <a:p>
+              <a:pPr algn="ctr"/>
+              <a:endParaRPr lang="de-DE"/>
+            </a:p>
+          </p:txBody>
+        </p:sp>
+        <p:sp>
+          <p:nvSpPr>
+            <p:cNvPr id="47" name="Würfel 46">
+              <a:extLst>
+                <a:ext uri="{FF2B5EF4-FFF2-40B4-BE49-F238E27FC236}">
+                  <a16:creationId xmlns:a16="http://schemas.microsoft.com/office/drawing/2014/main" id="{A794D31C-B9B6-4A16-B177-A8069C08F9B9}"/>
+                </a:ext>
+              </a:extLst>
+            </p:cNvPr>
+            <p:cNvSpPr/>
+            <p:nvPr/>
+          </p:nvSpPr>
+          <p:spPr>
+            <a:xfrm>
+              <a:off x="1985551" y="6004267"/>
+              <a:ext cx="637333" cy="279435"/>
+            </a:xfrm>
+            <a:prstGeom prst="cube">
+              <a:avLst>
+                <a:gd name="adj" fmla="val 78110"/>
+              </a:avLst>
+            </a:prstGeom>
+          </p:spPr>
+          <p:style>
+            <a:lnRef idx="3">
+              <a:schemeClr val="lt1"/>
+            </a:lnRef>
+            <a:fillRef idx="1">
+              <a:schemeClr val="accent6"/>
+            </a:fillRef>
+            <a:effectRef idx="1">
+              <a:schemeClr val="accent6"/>
+            </a:effectRef>
+            <a:fontRef idx="minor">
+              <a:schemeClr val="lt1"/>
+            </a:fontRef>
+          </p:style>
+          <p:txBody>
+            <a:bodyPr rtlCol="0" anchor="ctr"/>
+            <a:lstStyle/>
+            <a:p>
+              <a:pPr algn="ctr"/>
+              <a:endParaRPr lang="de-DE"/>
+            </a:p>
+          </p:txBody>
+        </p:sp>
+        <p:sp>
+          <p:nvSpPr>
+            <p:cNvPr id="48" name="Würfel 47">
+              <a:extLst>
+                <a:ext uri="{FF2B5EF4-FFF2-40B4-BE49-F238E27FC236}">
+                  <a16:creationId xmlns:a16="http://schemas.microsoft.com/office/drawing/2014/main" id="{8A44F926-A510-4B0F-AFB1-7BECCACB2708}"/>
+                </a:ext>
+              </a:extLst>
+            </p:cNvPr>
+            <p:cNvSpPr/>
+            <p:nvPr/>
+          </p:nvSpPr>
+          <p:spPr>
+            <a:xfrm>
+              <a:off x="1985551" y="5904513"/>
+              <a:ext cx="637333" cy="279435"/>
+            </a:xfrm>
+            <a:prstGeom prst="cube">
+              <a:avLst>
+                <a:gd name="adj" fmla="val 78110"/>
+              </a:avLst>
+            </a:prstGeom>
+          </p:spPr>
+          <p:style>
+            <a:lnRef idx="3">
+              <a:schemeClr val="lt1"/>
+            </a:lnRef>
+            <a:fillRef idx="1">
+              <a:schemeClr val="accent6"/>
+            </a:fillRef>
+            <a:effectRef idx="1">
+              <a:schemeClr val="accent6"/>
+            </a:effectRef>
+            <a:fontRef idx="minor">
+              <a:schemeClr val="lt1"/>
+            </a:fontRef>
+          </p:style>
+          <p:txBody>
+            <a:bodyPr rtlCol="0" anchor="ctr"/>
+            <a:lstStyle/>
+            <a:p>
+              <a:pPr algn="ctr"/>
+              <a:endParaRPr lang="de-DE" dirty="0"/>
+            </a:p>
+          </p:txBody>
+        </p:sp>
+      </p:grpSp>
+      <p:grpSp>
+        <p:nvGrpSpPr>
+          <p:cNvPr id="49" name="Gruppieren 48">
+            <a:extLst>
+              <a:ext uri="{FF2B5EF4-FFF2-40B4-BE49-F238E27FC236}">
+                <a16:creationId xmlns:a16="http://schemas.microsoft.com/office/drawing/2014/main" id="{3D84F9FC-9EEB-4252-AE03-4895D8289217}"/>
+              </a:ext>
+            </a:extLst>
+          </p:cNvPr>
+          <p:cNvGrpSpPr/>
+          <p:nvPr/>
+        </p:nvGrpSpPr>
+        <p:grpSpPr>
+          <a:xfrm>
+            <a:off x="5909096" y="4865075"/>
+            <a:ext cx="637333" cy="478943"/>
+            <a:chOff x="1985551" y="5904513"/>
+            <a:chExt cx="637333" cy="478943"/>
+          </a:xfrm>
+        </p:grpSpPr>
+        <p:sp>
+          <p:nvSpPr>
+            <p:cNvPr id="50" name="Würfel 49">
+              <a:extLst>
+                <a:ext uri="{FF2B5EF4-FFF2-40B4-BE49-F238E27FC236}">
+                  <a16:creationId xmlns:a16="http://schemas.microsoft.com/office/drawing/2014/main" id="{208F474D-C4D1-46CE-A81D-A642B65E7CC9}"/>
+                </a:ext>
+              </a:extLst>
+            </p:cNvPr>
+            <p:cNvSpPr/>
+            <p:nvPr/>
+          </p:nvSpPr>
+          <p:spPr>
+            <a:xfrm>
+              <a:off x="1985551" y="6104021"/>
+              <a:ext cx="637333" cy="279435"/>
+            </a:xfrm>
+            <a:prstGeom prst="cube">
+              <a:avLst>
+                <a:gd name="adj" fmla="val 78110"/>
+              </a:avLst>
+            </a:prstGeom>
+          </p:spPr>
+          <p:style>
+            <a:lnRef idx="3">
+              <a:schemeClr val="lt1"/>
+            </a:lnRef>
+            <a:fillRef idx="1">
+              <a:schemeClr val="accent6"/>
+            </a:fillRef>
+            <a:effectRef idx="1">
+              <a:schemeClr val="accent6"/>
+            </a:effectRef>
+            <a:fontRef idx="minor">
+              <a:schemeClr val="lt1"/>
+            </a:fontRef>
+          </p:style>
+          <p:txBody>
+            <a:bodyPr rtlCol="0" anchor="ctr"/>
+            <a:lstStyle/>
+            <a:p>
+              <a:pPr algn="ctr"/>
+              <a:endParaRPr lang="de-DE"/>
+            </a:p>
+          </p:txBody>
+        </p:sp>
+        <p:sp>
+          <p:nvSpPr>
+            <p:cNvPr id="51" name="Würfel 50">
+              <a:extLst>
+                <a:ext uri="{FF2B5EF4-FFF2-40B4-BE49-F238E27FC236}">
+                  <a16:creationId xmlns:a16="http://schemas.microsoft.com/office/drawing/2014/main" id="{93A391FE-990F-4CB0-83A8-1BAF0D0F3E4D}"/>
+                </a:ext>
+              </a:extLst>
+            </p:cNvPr>
+            <p:cNvSpPr/>
+            <p:nvPr/>
+          </p:nvSpPr>
+          <p:spPr>
+            <a:xfrm>
+              <a:off x="1985551" y="6004267"/>
+              <a:ext cx="637333" cy="279435"/>
+            </a:xfrm>
+            <a:prstGeom prst="cube">
+              <a:avLst>
+                <a:gd name="adj" fmla="val 78110"/>
+              </a:avLst>
+            </a:prstGeom>
+          </p:spPr>
+          <p:style>
+            <a:lnRef idx="3">
+              <a:schemeClr val="lt1"/>
+            </a:lnRef>
+            <a:fillRef idx="1">
+              <a:schemeClr val="accent6"/>
+            </a:fillRef>
+            <a:effectRef idx="1">
+              <a:schemeClr val="accent6"/>
+            </a:effectRef>
+            <a:fontRef idx="minor">
+              <a:schemeClr val="lt1"/>
+            </a:fontRef>
+          </p:style>
+          <p:txBody>
+            <a:bodyPr rtlCol="0" anchor="ctr"/>
+            <a:lstStyle/>
+            <a:p>
+              <a:pPr algn="ctr"/>
+              <a:endParaRPr lang="de-DE"/>
+            </a:p>
+          </p:txBody>
+        </p:sp>
+        <p:sp>
+          <p:nvSpPr>
+            <p:cNvPr id="52" name="Würfel 51">
+              <a:extLst>
+                <a:ext uri="{FF2B5EF4-FFF2-40B4-BE49-F238E27FC236}">
+                  <a16:creationId xmlns:a16="http://schemas.microsoft.com/office/drawing/2014/main" id="{DD08B658-FD35-4A03-BD48-8A2EC29B59A5}"/>
+                </a:ext>
+              </a:extLst>
+            </p:cNvPr>
+            <p:cNvSpPr/>
+            <p:nvPr/>
+          </p:nvSpPr>
+          <p:spPr>
+            <a:xfrm>
+              <a:off x="1985551" y="5904513"/>
+              <a:ext cx="637333" cy="279435"/>
+            </a:xfrm>
+            <a:prstGeom prst="cube">
+              <a:avLst>
+                <a:gd name="adj" fmla="val 78110"/>
+              </a:avLst>
+            </a:prstGeom>
+          </p:spPr>
+          <p:style>
+            <a:lnRef idx="3">
+              <a:schemeClr val="lt1"/>
+            </a:lnRef>
+            <a:fillRef idx="1">
+              <a:schemeClr val="accent6"/>
+            </a:fillRef>
+            <a:effectRef idx="1">
+              <a:schemeClr val="accent6"/>
+            </a:effectRef>
+            <a:fontRef idx="minor">
+              <a:schemeClr val="lt1"/>
+            </a:fontRef>
+          </p:style>
+          <p:txBody>
+            <a:bodyPr rtlCol="0" anchor="ctr"/>
+            <a:lstStyle/>
+            <a:p>
+              <a:pPr algn="ctr"/>
+              <a:endParaRPr lang="de-DE" dirty="0"/>
+            </a:p>
+          </p:txBody>
+        </p:sp>
+      </p:grpSp>
+      <p:grpSp>
+        <p:nvGrpSpPr>
+          <p:cNvPr id="53" name="Gruppieren 52">
+            <a:extLst>
+              <a:ext uri="{FF2B5EF4-FFF2-40B4-BE49-F238E27FC236}">
+                <a16:creationId xmlns:a16="http://schemas.microsoft.com/office/drawing/2014/main" id="{C83FE085-FA71-4C2C-99AA-F76040D44E00}"/>
+              </a:ext>
+            </a:extLst>
+          </p:cNvPr>
+          <p:cNvGrpSpPr/>
+          <p:nvPr/>
+        </p:nvGrpSpPr>
+        <p:grpSpPr>
+          <a:xfrm>
+            <a:off x="8740785" y="4865074"/>
+            <a:ext cx="637333" cy="478943"/>
+            <a:chOff x="1985551" y="5904513"/>
+            <a:chExt cx="637333" cy="478943"/>
+          </a:xfrm>
+        </p:grpSpPr>
+        <p:sp>
+          <p:nvSpPr>
+            <p:cNvPr id="54" name="Würfel 53">
+              <a:extLst>
+                <a:ext uri="{FF2B5EF4-FFF2-40B4-BE49-F238E27FC236}">
+                  <a16:creationId xmlns:a16="http://schemas.microsoft.com/office/drawing/2014/main" id="{165C5EA7-4430-4AC5-A1D9-3DE1DB7D528E}"/>
+                </a:ext>
+              </a:extLst>
+            </p:cNvPr>
+            <p:cNvSpPr/>
+            <p:nvPr/>
+          </p:nvSpPr>
+          <p:spPr>
+            <a:xfrm>
+              <a:off x="1985551" y="6104021"/>
+              <a:ext cx="637333" cy="279435"/>
+            </a:xfrm>
+            <a:prstGeom prst="cube">
+              <a:avLst>
+                <a:gd name="adj" fmla="val 78110"/>
+              </a:avLst>
+            </a:prstGeom>
+          </p:spPr>
+          <p:style>
+            <a:lnRef idx="3">
+              <a:schemeClr val="lt1"/>
+            </a:lnRef>
+            <a:fillRef idx="1">
+              <a:schemeClr val="accent6"/>
+            </a:fillRef>
+            <a:effectRef idx="1">
+              <a:schemeClr val="accent6"/>
+            </a:effectRef>
+            <a:fontRef idx="minor">
+              <a:schemeClr val="lt1"/>
+            </a:fontRef>
+          </p:style>
+          <p:txBody>
+            <a:bodyPr rtlCol="0" anchor="ctr"/>
+            <a:lstStyle/>
+            <a:p>
+              <a:pPr algn="ctr"/>
+              <a:endParaRPr lang="de-DE"/>
+            </a:p>
+          </p:txBody>
+        </p:sp>
+        <p:sp>
+          <p:nvSpPr>
+            <p:cNvPr id="55" name="Würfel 54">
+              <a:extLst>
+                <a:ext uri="{FF2B5EF4-FFF2-40B4-BE49-F238E27FC236}">
+                  <a16:creationId xmlns:a16="http://schemas.microsoft.com/office/drawing/2014/main" id="{996BE0E7-835C-42E9-8CB2-EBAE1326DD4D}"/>
+                </a:ext>
+              </a:extLst>
+            </p:cNvPr>
+            <p:cNvSpPr/>
+            <p:nvPr/>
+          </p:nvSpPr>
+          <p:spPr>
+            <a:xfrm>
+              <a:off x="1985551" y="6004267"/>
+              <a:ext cx="637333" cy="279435"/>
+            </a:xfrm>
+            <a:prstGeom prst="cube">
+              <a:avLst>
+                <a:gd name="adj" fmla="val 78110"/>
+              </a:avLst>
+            </a:prstGeom>
+          </p:spPr>
+          <p:style>
+            <a:lnRef idx="3">
+              <a:schemeClr val="lt1"/>
+            </a:lnRef>
+            <a:fillRef idx="1">
+              <a:schemeClr val="accent6"/>
+            </a:fillRef>
+            <a:effectRef idx="1">
+              <a:schemeClr val="accent6"/>
+            </a:effectRef>
+            <a:fontRef idx="minor">
+              <a:schemeClr val="lt1"/>
+            </a:fontRef>
+          </p:style>
+          <p:txBody>
+            <a:bodyPr rtlCol="0" anchor="ctr"/>
+            <a:lstStyle/>
+            <a:p>
+              <a:pPr algn="ctr"/>
+              <a:endParaRPr lang="de-DE"/>
+            </a:p>
+          </p:txBody>
+        </p:sp>
+        <p:sp>
+          <p:nvSpPr>
+            <p:cNvPr id="56" name="Würfel 55">
+              <a:extLst>
+                <a:ext uri="{FF2B5EF4-FFF2-40B4-BE49-F238E27FC236}">
+                  <a16:creationId xmlns:a16="http://schemas.microsoft.com/office/drawing/2014/main" id="{2728B15E-7D43-42A6-A202-E6705F102112}"/>
+                </a:ext>
+              </a:extLst>
+            </p:cNvPr>
+            <p:cNvSpPr/>
+            <p:nvPr/>
+          </p:nvSpPr>
+          <p:spPr>
+            <a:xfrm>
+              <a:off x="1985551" y="5904513"/>
+              <a:ext cx="637333" cy="279435"/>
+            </a:xfrm>
+            <a:prstGeom prst="cube">
+              <a:avLst>
+                <a:gd name="adj" fmla="val 78110"/>
+              </a:avLst>
+            </a:prstGeom>
+          </p:spPr>
+          <p:style>
+            <a:lnRef idx="3">
+              <a:schemeClr val="lt1"/>
+            </a:lnRef>
+            <a:fillRef idx="1">
+              <a:schemeClr val="accent6"/>
+            </a:fillRef>
+            <a:effectRef idx="1">
+              <a:schemeClr val="accent6"/>
+            </a:effectRef>
+            <a:fontRef idx="minor">
+              <a:schemeClr val="lt1"/>
+            </a:fontRef>
+          </p:style>
+          <p:txBody>
+            <a:bodyPr rtlCol="0" anchor="ctr"/>
+            <a:lstStyle/>
+            <a:p>
+              <a:pPr algn="ctr"/>
+              <a:endParaRPr lang="de-DE"/>
+            </a:p>
+          </p:txBody>
+        </p:sp>
+      </p:grpSp>
     </p:spTree>
     <p:extLst>
       <p:ext uri="{BB962C8B-B14F-4D97-AF65-F5344CB8AC3E}">
-        <p14:creationId xmlns:p14="http://schemas.microsoft.com/office/powerpoint/2010/main" val="2028106134"/>
+        <p14:creationId xmlns:p14="http://schemas.microsoft.com/office/powerpoint/2010/main" val="1795316545"/>
       </p:ext>
     </p:extLst>
   </p:cSld>
   <p:clrMapOvr>
     <a:masterClrMapping/>
   </p:clrMapOvr>
+  <p:timing>
+    <p:tnLst>
+      <p:par>
+        <p:cTn id="1" dur="indefinite" restart="never" nodeType="tmRoot">
+          <p:childTnLst>
+            <p:seq concurrent="1" nextAc="seek">
+              <p:cTn id="2" dur="indefinite" nodeType="mainSeq">
+                <p:childTnLst>
+                  <p:par>
+                    <p:cTn id="3" fill="hold">
+                      <p:stCondLst>
+                        <p:cond delay="indefinite"/>
+                      </p:stCondLst>
+                      <p:childTnLst>
+                        <p:par>
+                          <p:cTn id="4" fill="hold">
+                            <p:stCondLst>
+                              <p:cond delay="0"/>
+                            </p:stCondLst>
+                            <p:childTnLst>
+                              <p:par>
+                                <p:cTn id="5" presetID="2" presetClass="exit" presetSubtype="8" fill="hold" grpId="0" nodeType="clickEffect">
+                                  <p:stCondLst>
+                                    <p:cond delay="0"/>
+                                  </p:stCondLst>
+                                  <p:childTnLst>
+                                    <p:anim calcmode="lin" valueType="num">
+                                      <p:cBhvr additive="base">
+                                        <p:cTn id="6" dur="500"/>
+                                        <p:tgtEl>
+                                          <p:spTgt spid="20"/>
+                                        </p:tgtEl>
+                                        <p:attrNameLst>
+                                          <p:attrName>ppt_x</p:attrName>
+                                        </p:attrNameLst>
+                                      </p:cBhvr>
+                                      <p:tavLst>
+                                        <p:tav tm="0">
+                                          <p:val>
+                                            <p:strVal val="ppt_x"/>
+                                          </p:val>
+                                        </p:tav>
+                                        <p:tav tm="100000">
+                                          <p:val>
+                                            <p:strVal val="0-ppt_w/2"/>
+                                          </p:val>
+                                        </p:tav>
+                                      </p:tavLst>
+                                    </p:anim>
+                                    <p:anim calcmode="lin" valueType="num">
+                                      <p:cBhvr additive="base">
+                                        <p:cTn id="7" dur="500"/>
+                                        <p:tgtEl>
+                                          <p:spTgt spid="20"/>
+                                        </p:tgtEl>
+                                        <p:attrNameLst>
+                                          <p:attrName>ppt_y</p:attrName>
+                                        </p:attrNameLst>
+                                      </p:cBhvr>
+                                      <p:tavLst>
+                                        <p:tav tm="0">
+                                          <p:val>
+                                            <p:strVal val="ppt_y"/>
+                                          </p:val>
+                                        </p:tav>
+                                        <p:tav tm="100000">
+                                          <p:val>
+                                            <p:strVal val="ppt_y"/>
+                                          </p:val>
+                                        </p:tav>
+                                      </p:tavLst>
+                                    </p:anim>
+                                    <p:set>
+                                      <p:cBhvr>
+                                        <p:cTn id="8" dur="1" fill="hold">
+                                          <p:stCondLst>
+                                            <p:cond delay="499"/>
+                                          </p:stCondLst>
+                                        </p:cTn>
+                                        <p:tgtEl>
+                                          <p:spTgt spid="20"/>
+                                        </p:tgtEl>
+                                        <p:attrNameLst>
+                                          <p:attrName>style.visibility</p:attrName>
+                                        </p:attrNameLst>
+                                      </p:cBhvr>
+                                      <p:to>
+                                        <p:strVal val="hidden"/>
+                                      </p:to>
+                                    </p:set>
+                                  </p:childTnLst>
+                                </p:cTn>
+                              </p:par>
+                              <p:par>
+                                <p:cTn id="9" presetID="2" presetClass="entr" presetSubtype="2" fill="hold" grpId="0" nodeType="withEffect">
+                                  <p:stCondLst>
+                                    <p:cond delay="0"/>
+                                  </p:stCondLst>
+                                  <p:childTnLst>
+                                    <p:set>
+                                      <p:cBhvr>
+                                        <p:cTn id="10" dur="1" fill="hold">
+                                          <p:stCondLst>
+                                            <p:cond delay="0"/>
+                                          </p:stCondLst>
+                                        </p:cTn>
+                                        <p:tgtEl>
+                                          <p:spTgt spid="19"/>
+                                        </p:tgtEl>
+                                        <p:attrNameLst>
+                                          <p:attrName>style.visibility</p:attrName>
+                                        </p:attrNameLst>
+                                      </p:cBhvr>
+                                      <p:to>
+                                        <p:strVal val="visible"/>
+                                      </p:to>
+                                    </p:set>
+                                    <p:anim calcmode="lin" valueType="num">
+                                      <p:cBhvr additive="base">
+                                        <p:cTn id="11" dur="500" fill="hold"/>
+                                        <p:tgtEl>
+                                          <p:spTgt spid="19"/>
+                                        </p:tgtEl>
+                                        <p:attrNameLst>
+                                          <p:attrName>ppt_x</p:attrName>
+                                        </p:attrNameLst>
+                                      </p:cBhvr>
+                                      <p:tavLst>
+                                        <p:tav tm="0">
+                                          <p:val>
+                                            <p:strVal val="1+#ppt_w/2"/>
+                                          </p:val>
+                                        </p:tav>
+                                        <p:tav tm="100000">
+                                          <p:val>
+                                            <p:strVal val="#ppt_x"/>
+                                          </p:val>
+                                        </p:tav>
+                                      </p:tavLst>
+                                    </p:anim>
+                                    <p:anim calcmode="lin" valueType="num">
+                                      <p:cBhvr additive="base">
+                                        <p:cTn id="12" dur="500" fill="hold"/>
+                                        <p:tgtEl>
+                                          <p:spTgt spid="19"/>
+                                        </p:tgtEl>
+                                        <p:attrNameLst>
+                                          <p:attrName>ppt_y</p:attrName>
+                                        </p:attrNameLst>
+                                      </p:cBhvr>
+                                      <p:tavLst>
+                                        <p:tav tm="0">
+                                          <p:val>
+                                            <p:strVal val="#ppt_y"/>
+                                          </p:val>
+                                        </p:tav>
+                                        <p:tav tm="100000">
+                                          <p:val>
+                                            <p:strVal val="#ppt_y"/>
+                                          </p:val>
+                                        </p:tav>
+                                      </p:tavLst>
+                                    </p:anim>
+                                  </p:childTnLst>
+                                </p:cTn>
+                              </p:par>
+                            </p:childTnLst>
+                          </p:cTn>
+                        </p:par>
+                        <p:par>
+                          <p:cTn id="13" fill="hold">
+                            <p:stCondLst>
+                              <p:cond delay="500"/>
+                            </p:stCondLst>
+                            <p:childTnLst>
+                              <p:par>
+                                <p:cTn id="14" presetID="1" presetClass="entr" presetSubtype="0" fill="hold" grpId="0" nodeType="afterEffect">
+                                  <p:stCondLst>
+                                    <p:cond delay="3000"/>
+                                  </p:stCondLst>
+                                  <p:childTnLst>
+                                    <p:set>
+                                      <p:cBhvr>
+                                        <p:cTn id="15" dur="1" fill="hold">
+                                          <p:stCondLst>
+                                            <p:cond delay="0"/>
+                                          </p:stCondLst>
+                                        </p:cTn>
+                                        <p:tgtEl>
+                                          <p:spTgt spid="3">
+                                            <p:txEl>
+                                              <p:pRg st="0" end="0"/>
+                                            </p:txEl>
+                                          </p:spTgt>
+                                        </p:tgtEl>
+                                        <p:attrNameLst>
+                                          <p:attrName>style.visibility</p:attrName>
+                                        </p:attrNameLst>
+                                      </p:cBhvr>
+                                      <p:to>
+                                        <p:strVal val="visible"/>
+                                      </p:to>
+                                    </p:set>
+                                  </p:childTnLst>
+                                </p:cTn>
+                              </p:par>
+                              <p:par>
+                                <p:cTn id="16" presetID="1" presetClass="entr" presetSubtype="0" fill="hold" grpId="0" nodeType="withEffect">
+                                  <p:stCondLst>
+                                    <p:cond delay="3000"/>
+                                  </p:stCondLst>
+                                  <p:childTnLst>
+                                    <p:set>
+                                      <p:cBhvr>
+                                        <p:cTn id="17" dur="1" fill="hold">
+                                          <p:stCondLst>
+                                            <p:cond delay="0"/>
+                                          </p:stCondLst>
+                                        </p:cTn>
+                                        <p:tgtEl>
+                                          <p:spTgt spid="3">
+                                            <p:txEl>
+                                              <p:pRg st="1" end="1"/>
+                                            </p:txEl>
+                                          </p:spTgt>
+                                        </p:tgtEl>
+                                        <p:attrNameLst>
+                                          <p:attrName>style.visibility</p:attrName>
+                                        </p:attrNameLst>
+                                      </p:cBhvr>
+                                      <p:to>
+                                        <p:strVal val="visible"/>
+                                      </p:to>
+                                    </p:set>
+                                  </p:childTnLst>
+                                </p:cTn>
+                              </p:par>
+                            </p:childTnLst>
+                          </p:cTn>
+                        </p:par>
+                      </p:childTnLst>
+                    </p:cTn>
+                  </p:par>
+                  <p:par>
+                    <p:cTn id="18" fill="hold">
+                      <p:stCondLst>
+                        <p:cond delay="indefinite"/>
+                      </p:stCondLst>
+                      <p:childTnLst>
+                        <p:par>
+                          <p:cTn id="19" fill="hold">
+                            <p:stCondLst>
+                              <p:cond delay="0"/>
+                            </p:stCondLst>
+                            <p:childTnLst>
+                              <p:par>
+                                <p:cTn id="20" presetID="1" presetClass="entr" presetSubtype="0" fill="hold" nodeType="clickEffect">
+                                  <p:stCondLst>
+                                    <p:cond delay="0"/>
+                                  </p:stCondLst>
+                                  <p:childTnLst>
+                                    <p:set>
+                                      <p:cBhvr>
+                                        <p:cTn id="21" dur="1" fill="hold">
+                                          <p:stCondLst>
+                                            <p:cond delay="0"/>
+                                          </p:stCondLst>
+                                        </p:cTn>
+                                        <p:tgtEl>
+                                          <p:spTgt spid="57"/>
+                                        </p:tgtEl>
+                                        <p:attrNameLst>
+                                          <p:attrName>style.visibility</p:attrName>
+                                        </p:attrNameLst>
+                                      </p:cBhvr>
+                                      <p:to>
+                                        <p:strVal val="visible"/>
+                                      </p:to>
+                                    </p:set>
+                                  </p:childTnLst>
+                                </p:cTn>
+                              </p:par>
+                            </p:childTnLst>
+                          </p:cTn>
+                        </p:par>
+                      </p:childTnLst>
+                    </p:cTn>
+                  </p:par>
+                  <p:par>
+                    <p:cTn id="22" fill="hold">
+                      <p:stCondLst>
+                        <p:cond delay="indefinite"/>
+                      </p:stCondLst>
+                      <p:childTnLst>
+                        <p:par>
+                          <p:cTn id="23" fill="hold">
+                            <p:stCondLst>
+                              <p:cond delay="0"/>
+                            </p:stCondLst>
+                            <p:childTnLst>
+                              <p:par>
+                                <p:cTn id="24" presetID="1" presetClass="entr" presetSubtype="0" fill="hold" nodeType="clickEffect">
+                                  <p:stCondLst>
+                                    <p:cond delay="0"/>
+                                  </p:stCondLst>
+                                  <p:childTnLst>
+                                    <p:set>
+                                      <p:cBhvr>
+                                        <p:cTn id="25" dur="1" fill="hold">
+                                          <p:stCondLst>
+                                            <p:cond delay="0"/>
+                                          </p:stCondLst>
+                                        </p:cTn>
+                                        <p:tgtEl>
+                                          <p:spTgt spid="21"/>
+                                        </p:tgtEl>
+                                        <p:attrNameLst>
+                                          <p:attrName>style.visibility</p:attrName>
+                                        </p:attrNameLst>
+                                      </p:cBhvr>
+                                      <p:to>
+                                        <p:strVal val="visible"/>
+                                      </p:to>
+                                    </p:set>
+                                  </p:childTnLst>
+                                </p:cTn>
+                              </p:par>
+                              <p:par>
+                                <p:cTn id="26" presetID="1" presetClass="entr" presetSubtype="0" fill="hold" nodeType="withEffect">
+                                  <p:stCondLst>
+                                    <p:cond delay="0"/>
+                                  </p:stCondLst>
+                                  <p:childTnLst>
+                                    <p:set>
+                                      <p:cBhvr>
+                                        <p:cTn id="27" dur="1" fill="hold">
+                                          <p:stCondLst>
+                                            <p:cond delay="0"/>
+                                          </p:stCondLst>
+                                        </p:cTn>
+                                        <p:tgtEl>
+                                          <p:spTgt spid="29"/>
+                                        </p:tgtEl>
+                                        <p:attrNameLst>
+                                          <p:attrName>style.visibility</p:attrName>
+                                        </p:attrNameLst>
+                                      </p:cBhvr>
+                                      <p:to>
+                                        <p:strVal val="visible"/>
+                                      </p:to>
+                                    </p:set>
+                                  </p:childTnLst>
+                                </p:cTn>
+                              </p:par>
+                              <p:par>
+                                <p:cTn id="28" presetID="1" presetClass="entr" presetSubtype="0" fill="hold" nodeType="withEffect">
+                                  <p:stCondLst>
+                                    <p:cond delay="0"/>
+                                  </p:stCondLst>
+                                  <p:childTnLst>
+                                    <p:set>
+                                      <p:cBhvr>
+                                        <p:cTn id="29" dur="1" fill="hold">
+                                          <p:stCondLst>
+                                            <p:cond delay="0"/>
+                                          </p:stCondLst>
+                                        </p:cTn>
+                                        <p:tgtEl>
+                                          <p:spTgt spid="37"/>
+                                        </p:tgtEl>
+                                        <p:attrNameLst>
+                                          <p:attrName>style.visibility</p:attrName>
+                                        </p:attrNameLst>
+                                      </p:cBhvr>
+                                      <p:to>
+                                        <p:strVal val="visible"/>
+                                      </p:to>
+                                    </p:set>
+                                  </p:childTnLst>
+                                </p:cTn>
+                              </p:par>
+                            </p:childTnLst>
+                          </p:cTn>
+                        </p:par>
+                      </p:childTnLst>
+                    </p:cTn>
+                  </p:par>
+                  <p:par>
+                    <p:cTn id="30" fill="hold">
+                      <p:stCondLst>
+                        <p:cond delay="indefinite"/>
+                      </p:stCondLst>
+                      <p:childTnLst>
+                        <p:par>
+                          <p:cTn id="31" fill="hold">
+                            <p:stCondLst>
+                              <p:cond delay="0"/>
+                            </p:stCondLst>
+                            <p:childTnLst>
+                              <p:par>
+                                <p:cTn id="32" presetID="1" presetClass="entr" presetSubtype="0" fill="hold" nodeType="clickEffect">
+                                  <p:stCondLst>
+                                    <p:cond delay="0"/>
+                                  </p:stCondLst>
+                                  <p:childTnLst>
+                                    <p:set>
+                                      <p:cBhvr>
+                                        <p:cTn id="33" dur="1" fill="hold">
+                                          <p:stCondLst>
+                                            <p:cond delay="0"/>
+                                          </p:stCondLst>
+                                        </p:cTn>
+                                        <p:tgtEl>
+                                          <p:spTgt spid="25"/>
+                                        </p:tgtEl>
+                                        <p:attrNameLst>
+                                          <p:attrName>style.visibility</p:attrName>
+                                        </p:attrNameLst>
+                                      </p:cBhvr>
+                                      <p:to>
+                                        <p:strVal val="visible"/>
+                                      </p:to>
+                                    </p:set>
+                                  </p:childTnLst>
+                                </p:cTn>
+                              </p:par>
+                              <p:par>
+                                <p:cTn id="34" presetID="1" presetClass="entr" presetSubtype="0" fill="hold" nodeType="withEffect">
+                                  <p:stCondLst>
+                                    <p:cond delay="0"/>
+                                  </p:stCondLst>
+                                  <p:childTnLst>
+                                    <p:set>
+                                      <p:cBhvr>
+                                        <p:cTn id="35" dur="1" fill="hold">
+                                          <p:stCondLst>
+                                            <p:cond delay="0"/>
+                                          </p:stCondLst>
+                                        </p:cTn>
+                                        <p:tgtEl>
+                                          <p:spTgt spid="33"/>
+                                        </p:tgtEl>
+                                        <p:attrNameLst>
+                                          <p:attrName>style.visibility</p:attrName>
+                                        </p:attrNameLst>
+                                      </p:cBhvr>
+                                      <p:to>
+                                        <p:strVal val="visible"/>
+                                      </p:to>
+                                    </p:set>
+                                  </p:childTnLst>
+                                </p:cTn>
+                              </p:par>
+                              <p:par>
+                                <p:cTn id="36" presetID="1" presetClass="entr" presetSubtype="0" fill="hold" nodeType="withEffect">
+                                  <p:stCondLst>
+                                    <p:cond delay="0"/>
+                                  </p:stCondLst>
+                                  <p:childTnLst>
+                                    <p:set>
+                                      <p:cBhvr>
+                                        <p:cTn id="37" dur="1" fill="hold">
+                                          <p:stCondLst>
+                                            <p:cond delay="0"/>
+                                          </p:stCondLst>
+                                        </p:cTn>
+                                        <p:tgtEl>
+                                          <p:spTgt spid="41"/>
+                                        </p:tgtEl>
+                                        <p:attrNameLst>
+                                          <p:attrName>style.visibility</p:attrName>
+                                        </p:attrNameLst>
+                                      </p:cBhvr>
+                                      <p:to>
+                                        <p:strVal val="visible"/>
+                                      </p:to>
+                                    </p:set>
+                                  </p:childTnLst>
+                                </p:cTn>
+                              </p:par>
+                            </p:childTnLst>
+                          </p:cTn>
+                        </p:par>
+                      </p:childTnLst>
+                    </p:cTn>
+                  </p:par>
+                  <p:par>
+                    <p:cTn id="38" fill="hold">
+                      <p:stCondLst>
+                        <p:cond delay="indefinite"/>
+                      </p:stCondLst>
+                      <p:childTnLst>
+                        <p:par>
+                          <p:cTn id="39" fill="hold">
+                            <p:stCondLst>
+                              <p:cond delay="0"/>
+                            </p:stCondLst>
+                            <p:childTnLst>
+                              <p:par>
+                                <p:cTn id="40" presetID="1" presetClass="entr" presetSubtype="0" fill="hold" nodeType="clickEffect">
+                                  <p:stCondLst>
+                                    <p:cond delay="0"/>
+                                  </p:stCondLst>
+                                  <p:childTnLst>
+                                    <p:set>
+                                      <p:cBhvr>
+                                        <p:cTn id="41" dur="1" fill="hold">
+                                          <p:stCondLst>
+                                            <p:cond delay="0"/>
+                                          </p:stCondLst>
+                                        </p:cTn>
+                                        <p:tgtEl>
+                                          <p:spTgt spid="45"/>
+                                        </p:tgtEl>
+                                        <p:attrNameLst>
+                                          <p:attrName>style.visibility</p:attrName>
+                                        </p:attrNameLst>
+                                      </p:cBhvr>
+                                      <p:to>
+                                        <p:strVal val="visible"/>
+                                      </p:to>
+                                    </p:set>
+                                  </p:childTnLst>
+                                </p:cTn>
+                              </p:par>
+                            </p:childTnLst>
+                          </p:cTn>
+                        </p:par>
+                      </p:childTnLst>
+                    </p:cTn>
+                  </p:par>
+                  <p:par>
+                    <p:cTn id="42" fill="hold">
+                      <p:stCondLst>
+                        <p:cond delay="indefinite"/>
+                      </p:stCondLst>
+                      <p:childTnLst>
+                        <p:par>
+                          <p:cTn id="43" fill="hold">
+                            <p:stCondLst>
+                              <p:cond delay="0"/>
+                            </p:stCondLst>
+                            <p:childTnLst>
+                              <p:par>
+                                <p:cTn id="44" presetID="1" presetClass="entr" presetSubtype="0" fill="hold" nodeType="clickEffect">
+                                  <p:stCondLst>
+                                    <p:cond delay="0"/>
+                                  </p:stCondLst>
+                                  <p:childTnLst>
+                                    <p:set>
+                                      <p:cBhvr>
+                                        <p:cTn id="45" dur="1" fill="hold">
+                                          <p:stCondLst>
+                                            <p:cond delay="0"/>
+                                          </p:stCondLst>
+                                        </p:cTn>
+                                        <p:tgtEl>
+                                          <p:spTgt spid="49"/>
+                                        </p:tgtEl>
+                                        <p:attrNameLst>
+                                          <p:attrName>style.visibility</p:attrName>
+                                        </p:attrNameLst>
+                                      </p:cBhvr>
+                                      <p:to>
+                                        <p:strVal val="visible"/>
+                                      </p:to>
+                                    </p:set>
+                                  </p:childTnLst>
+                                </p:cTn>
+                              </p:par>
+                            </p:childTnLst>
+                          </p:cTn>
+                        </p:par>
+                      </p:childTnLst>
+                    </p:cTn>
+                  </p:par>
+                  <p:par>
+                    <p:cTn id="46" fill="hold">
+                      <p:stCondLst>
+                        <p:cond delay="indefinite"/>
+                      </p:stCondLst>
+                      <p:childTnLst>
+                        <p:par>
+                          <p:cTn id="47" fill="hold">
+                            <p:stCondLst>
+                              <p:cond delay="0"/>
+                            </p:stCondLst>
+                            <p:childTnLst>
+                              <p:par>
+                                <p:cTn id="48" presetID="1" presetClass="entr" presetSubtype="0" fill="hold" nodeType="clickEffect">
+                                  <p:stCondLst>
+                                    <p:cond delay="0"/>
+                                  </p:stCondLst>
+                                  <p:childTnLst>
+                                    <p:set>
+                                      <p:cBhvr>
+                                        <p:cTn id="49" dur="1" fill="hold">
+                                          <p:stCondLst>
+                                            <p:cond delay="0"/>
+                                          </p:stCondLst>
+                                        </p:cTn>
+                                        <p:tgtEl>
+                                          <p:spTgt spid="53"/>
+                                        </p:tgtEl>
+                                        <p:attrNameLst>
+                                          <p:attrName>style.visibility</p:attrName>
+                                        </p:attrNameLst>
+                                      </p:cBhvr>
+                                      <p:to>
+                                        <p:strVal val="visible"/>
+                                      </p:to>
+                                    </p:set>
+                                  </p:childTnLst>
+                                </p:cTn>
+                              </p:par>
+                            </p:childTnLst>
+                          </p:cTn>
+                        </p:par>
+                      </p:childTnLst>
+                    </p:cTn>
+                  </p:par>
+                  <p:par>
+                    <p:cTn id="50" fill="hold">
+                      <p:stCondLst>
+                        <p:cond delay="indefinite"/>
+                      </p:stCondLst>
+                      <p:childTnLst>
+                        <p:par>
+                          <p:cTn id="51" fill="hold">
+                            <p:stCondLst>
+                              <p:cond delay="0"/>
+                            </p:stCondLst>
+                            <p:childTnLst>
+                              <p:par>
+                                <p:cTn id="52" presetID="10" presetClass="exit" presetSubtype="0" fill="hold" nodeType="clickEffect">
+                                  <p:stCondLst>
+                                    <p:cond delay="0"/>
+                                  </p:stCondLst>
+                                  <p:childTnLst>
+                                    <p:animEffect transition="out" filter="fade">
+                                      <p:cBhvr>
+                                        <p:cTn id="53" dur="500"/>
+                                        <p:tgtEl>
+                                          <p:spTgt spid="49"/>
+                                        </p:tgtEl>
+                                      </p:cBhvr>
+                                    </p:animEffect>
+                                    <p:set>
+                                      <p:cBhvr>
+                                        <p:cTn id="54" dur="1" fill="hold">
+                                          <p:stCondLst>
+                                            <p:cond delay="499"/>
+                                          </p:stCondLst>
+                                        </p:cTn>
+                                        <p:tgtEl>
+                                          <p:spTgt spid="49"/>
+                                        </p:tgtEl>
+                                        <p:attrNameLst>
+                                          <p:attrName>style.visibility</p:attrName>
+                                        </p:attrNameLst>
+                                      </p:cBhvr>
+                                      <p:to>
+                                        <p:strVal val="hidden"/>
+                                      </p:to>
+                                    </p:set>
+                                  </p:childTnLst>
+                                </p:cTn>
+                              </p:par>
+                            </p:childTnLst>
+                          </p:cTn>
+                        </p:par>
+                      </p:childTnLst>
+                    </p:cTn>
+                  </p:par>
+                  <p:par>
+                    <p:cTn id="55" fill="hold">
+                      <p:stCondLst>
+                        <p:cond delay="indefinite"/>
+                      </p:stCondLst>
+                      <p:childTnLst>
+                        <p:par>
+                          <p:cTn id="56" fill="hold">
+                            <p:stCondLst>
+                              <p:cond delay="0"/>
+                            </p:stCondLst>
+                            <p:childTnLst>
+                              <p:par>
+                                <p:cTn id="57" presetID="10" presetClass="exit" presetSubtype="0" fill="hold" nodeType="clickEffect">
+                                  <p:stCondLst>
+                                    <p:cond delay="0"/>
+                                  </p:stCondLst>
+                                  <p:childTnLst>
+                                    <p:animEffect transition="out" filter="fade">
+                                      <p:cBhvr>
+                                        <p:cTn id="58" dur="500"/>
+                                        <p:tgtEl>
+                                          <p:spTgt spid="41"/>
+                                        </p:tgtEl>
+                                      </p:cBhvr>
+                                    </p:animEffect>
+                                    <p:set>
+                                      <p:cBhvr>
+                                        <p:cTn id="59" dur="1" fill="hold">
+                                          <p:stCondLst>
+                                            <p:cond delay="499"/>
+                                          </p:stCondLst>
+                                        </p:cTn>
+                                        <p:tgtEl>
+                                          <p:spTgt spid="41"/>
+                                        </p:tgtEl>
+                                        <p:attrNameLst>
+                                          <p:attrName>style.visibility</p:attrName>
+                                        </p:attrNameLst>
+                                      </p:cBhvr>
+                                      <p:to>
+                                        <p:strVal val="hidden"/>
+                                      </p:to>
+                                    </p:set>
+                                  </p:childTnLst>
+                                </p:cTn>
+                              </p:par>
+                            </p:childTnLst>
+                          </p:cTn>
+                        </p:par>
+                      </p:childTnLst>
+                    </p:cTn>
+                  </p:par>
+                  <p:par>
+                    <p:cTn id="60" fill="hold">
+                      <p:stCondLst>
+                        <p:cond delay="indefinite"/>
+                      </p:stCondLst>
+                      <p:childTnLst>
+                        <p:par>
+                          <p:cTn id="61" fill="hold">
+                            <p:stCondLst>
+                              <p:cond delay="0"/>
+                            </p:stCondLst>
+                            <p:childTnLst>
+                              <p:par>
+                                <p:cTn id="62" presetID="10" presetClass="exit" presetSubtype="0" fill="hold" nodeType="clickEffect">
+                                  <p:stCondLst>
+                                    <p:cond delay="0"/>
+                                  </p:stCondLst>
+                                  <p:childTnLst>
+                                    <p:animEffect transition="out" filter="fade">
+                                      <p:cBhvr>
+                                        <p:cTn id="63" dur="500"/>
+                                        <p:tgtEl>
+                                          <p:spTgt spid="21"/>
+                                        </p:tgtEl>
+                                      </p:cBhvr>
+                                    </p:animEffect>
+                                    <p:set>
+                                      <p:cBhvr>
+                                        <p:cTn id="64" dur="1" fill="hold">
+                                          <p:stCondLst>
+                                            <p:cond delay="499"/>
+                                          </p:stCondLst>
+                                        </p:cTn>
+                                        <p:tgtEl>
+                                          <p:spTgt spid="21"/>
+                                        </p:tgtEl>
+                                        <p:attrNameLst>
+                                          <p:attrName>style.visibility</p:attrName>
+                                        </p:attrNameLst>
+                                      </p:cBhvr>
+                                      <p:to>
+                                        <p:strVal val="hidden"/>
+                                      </p:to>
+                                    </p:set>
+                                  </p:childTnLst>
+                                </p:cTn>
+                              </p:par>
+                              <p:par>
+                                <p:cTn id="65" presetID="1" presetClass="entr" presetSubtype="0" fill="hold" nodeType="withEffect">
+                                  <p:stCondLst>
+                                    <p:cond delay="0"/>
+                                  </p:stCondLst>
+                                  <p:childTnLst>
+                                    <p:set>
+                                      <p:cBhvr>
+                                        <p:cTn id="66" dur="1" fill="hold">
+                                          <p:stCondLst>
+                                            <p:cond delay="0"/>
+                                          </p:stCondLst>
+                                        </p:cTn>
+                                        <p:tgtEl>
+                                          <p:spTgt spid="49"/>
+                                        </p:tgtEl>
+                                        <p:attrNameLst>
+                                          <p:attrName>style.visibility</p:attrName>
+                                        </p:attrNameLst>
+                                      </p:cBhvr>
+                                      <p:to>
+                                        <p:strVal val="visible"/>
+                                      </p:to>
+                                    </p:set>
+                                  </p:childTnLst>
+                                </p:cTn>
+                              </p:par>
+                            </p:childTnLst>
+                          </p:cTn>
+                        </p:par>
+                      </p:childTnLst>
+                    </p:cTn>
+                  </p:par>
+                  <p:par>
+                    <p:cTn id="67" fill="hold">
+                      <p:stCondLst>
+                        <p:cond delay="indefinite"/>
+                      </p:stCondLst>
+                      <p:childTnLst>
+                        <p:par>
+                          <p:cTn id="68" fill="hold">
+                            <p:stCondLst>
+                              <p:cond delay="0"/>
+                            </p:stCondLst>
+                            <p:childTnLst>
+                              <p:par>
+                                <p:cTn id="69" presetID="1" presetClass="entr" presetSubtype="0" fill="hold" nodeType="clickEffect">
+                                  <p:stCondLst>
+                                    <p:cond delay="0"/>
+                                  </p:stCondLst>
+                                  <p:childTnLst>
+                                    <p:set>
+                                      <p:cBhvr>
+                                        <p:cTn id="70" dur="1" fill="hold">
+                                          <p:stCondLst>
+                                            <p:cond delay="0"/>
+                                          </p:stCondLst>
+                                        </p:cTn>
+                                        <p:tgtEl>
+                                          <p:spTgt spid="41"/>
+                                        </p:tgtEl>
+                                        <p:attrNameLst>
+                                          <p:attrName>style.visibility</p:attrName>
+                                        </p:attrNameLst>
+                                      </p:cBhvr>
+                                      <p:to>
+                                        <p:strVal val="visible"/>
+                                      </p:to>
+                                    </p:set>
+                                  </p:childTnLst>
+                                </p:cTn>
+                              </p:par>
+                            </p:childTnLst>
+                          </p:cTn>
+                        </p:par>
+                        <p:par>
+                          <p:cTn id="71" fill="hold">
+                            <p:stCondLst>
+                              <p:cond delay="0"/>
+                            </p:stCondLst>
+                            <p:childTnLst>
+                              <p:par>
+                                <p:cTn id="72" presetID="1" presetClass="entr" presetSubtype="0" fill="hold" nodeType="afterEffect">
+                                  <p:stCondLst>
+                                    <p:cond delay="900"/>
+                                  </p:stCondLst>
+                                  <p:childTnLst>
+                                    <p:set>
+                                      <p:cBhvr>
+                                        <p:cTn id="73" dur="1" fill="hold">
+                                          <p:stCondLst>
+                                            <p:cond delay="0"/>
+                                          </p:stCondLst>
+                                        </p:cTn>
+                                        <p:tgtEl>
+                                          <p:spTgt spid="21"/>
+                                        </p:tgtEl>
+                                        <p:attrNameLst>
+                                          <p:attrName>style.visibility</p:attrName>
+                                        </p:attrNameLst>
+                                      </p:cBhvr>
+                                      <p:to>
+                                        <p:strVal val="visible"/>
+                                      </p:to>
+                                    </p:set>
+                                  </p:childTnLst>
+                                </p:cTn>
+                              </p:par>
+                            </p:childTnLst>
+                          </p:cTn>
+                        </p:par>
+                      </p:childTnLst>
+                    </p:cTn>
+                  </p:par>
+                </p:childTnLst>
+              </p:cTn>
+              <p:prevCondLst>
+                <p:cond evt="onPrev" delay="0">
+                  <p:tgtEl>
+                    <p:sldTgt/>
+                  </p:tgtEl>
+                </p:cond>
+              </p:prevCondLst>
+              <p:nextCondLst>
+                <p:cond evt="onNext" delay="0">
+                  <p:tgtEl>
+                    <p:sldTgt/>
+                  </p:tgtEl>
+                </p:cond>
+              </p:nextCondLst>
+            </p:seq>
+          </p:childTnLst>
+        </p:cTn>
+      </p:par>
+    </p:tnLst>
+    <p:bldLst>
+      <p:bldP spid="3" grpId="0" build="p"/>
+      <p:bldP spid="19" grpId="0"/>
+      <p:bldP spid="20" grpId="0"/>
+    </p:bldLst>
+  </p:timing>
 </p:sld>
 </file>
 
@@ -4745,187 +8141,1236 @@
                   <a:srgbClr val="00B0F0"/>
                 </a:solidFill>
               </a:rPr>
-              <a:t>Container – Grundlagen</a:t>
-            </a:r>
-          </a:p>
-        </p:txBody>
-      </p:sp>
-      <p:sp>
-        <p:nvSpPr>
-          <p:cNvPr id="3" name="Inhaltsplatzhalter 2">
+              <a:t>Kurze Einführung</a:t>
+            </a:r>
+            <a:br>
+              <a:rPr lang="de-DE" dirty="0">
+                <a:solidFill>
+                  <a:srgbClr val="00B0F0"/>
+                </a:solidFill>
+              </a:rPr>
+            </a:br>
+            <a:r>
+              <a:rPr lang="de-DE" dirty="0">
+                <a:solidFill>
+                  <a:srgbClr val="00B0F0"/>
+                </a:solidFill>
+              </a:rPr>
+              <a:t>Docker Architektur</a:t>
+            </a:r>
+          </a:p>
+        </p:txBody>
+      </p:sp>
+      <p:sp>
+        <p:nvSpPr>
+          <p:cNvPr id="6" name="Rechteck 5">
             <a:extLst>
               <a:ext uri="{FF2B5EF4-FFF2-40B4-BE49-F238E27FC236}">
-                <a16:creationId xmlns:a16="http://schemas.microsoft.com/office/drawing/2014/main" id="{0A5E6262-E967-4ED3-9F3E-B7A9552D58C0}"/>
+                <a16:creationId xmlns:a16="http://schemas.microsoft.com/office/drawing/2014/main" id="{3DBDBC92-0224-4C2F-A6D7-17DADF05CE29}"/>
               </a:ext>
             </a:extLst>
           </p:cNvPr>
-          <p:cNvSpPr>
-            <a:spLocks noGrp="1"/>
-          </p:cNvSpPr>
-          <p:nvPr>
-            <p:ph idx="1"/>
-          </p:nvPr>
-        </p:nvSpPr>
-        <p:spPr/>
-        <p:txBody>
-          <a:bodyPr>
-            <a:normAutofit lnSpcReduction="10000"/>
-          </a:bodyPr>
+          <p:cNvSpPr/>
+          <p:nvPr/>
+        </p:nvSpPr>
+        <p:spPr>
+          <a:xfrm>
+            <a:off x="3748317" y="2077452"/>
+            <a:ext cx="4740443" cy="4407402"/>
+          </a:xfrm>
+          <a:prstGeom prst="rect">
+            <a:avLst/>
+          </a:prstGeom>
+        </p:spPr>
+        <p:style>
+          <a:lnRef idx="2">
+            <a:schemeClr val="accent5">
+              <a:shade val="50000"/>
+            </a:schemeClr>
+          </a:lnRef>
+          <a:fillRef idx="1">
+            <a:schemeClr val="accent5"/>
+          </a:fillRef>
+          <a:effectRef idx="0">
+            <a:schemeClr val="accent5"/>
+          </a:effectRef>
+          <a:fontRef idx="minor">
+            <a:schemeClr val="lt1"/>
+          </a:fontRef>
+        </p:style>
+        <p:txBody>
+          <a:bodyPr rtlCol="0" anchor="t"/>
           <a:lstStyle/>
           <a:p>
-            <a:pPr>
-              <a:buFontTx/>
-              <a:buChar char="-"/>
-            </a:pPr>
+            <a:pPr algn="ctr"/>
             <a:r>
               <a:rPr lang="de-DE" dirty="0"/>
-              <a:t>Docker Registry</a:t>
-            </a:r>
-          </a:p>
-          <a:p>
-            <a:pPr lvl="1">
-              <a:buFontTx/>
-              <a:buChar char="-"/>
-            </a:pPr>
+              <a:t>Docker Host</a:t>
+            </a:r>
+          </a:p>
+        </p:txBody>
+      </p:sp>
+      <p:sp>
+        <p:nvSpPr>
+          <p:cNvPr id="7" name="Rechteck 6">
+            <a:extLst>
+              <a:ext uri="{FF2B5EF4-FFF2-40B4-BE49-F238E27FC236}">
+                <a16:creationId xmlns:a16="http://schemas.microsoft.com/office/drawing/2014/main" id="{CF4A640A-D795-4DDB-9C17-B37ABDD47649}"/>
+              </a:ext>
+            </a:extLst>
+          </p:cNvPr>
+          <p:cNvSpPr/>
+          <p:nvPr/>
+        </p:nvSpPr>
+        <p:spPr>
+          <a:xfrm>
+            <a:off x="838200" y="2077452"/>
+            <a:ext cx="1880937" cy="3448320"/>
+          </a:xfrm>
+          <a:prstGeom prst="rect">
+            <a:avLst/>
+          </a:prstGeom>
+        </p:spPr>
+        <p:style>
+          <a:lnRef idx="2">
+            <a:schemeClr val="accent5">
+              <a:shade val="50000"/>
+            </a:schemeClr>
+          </a:lnRef>
+          <a:fillRef idx="1">
+            <a:schemeClr val="accent5"/>
+          </a:fillRef>
+          <a:effectRef idx="0">
+            <a:schemeClr val="accent5"/>
+          </a:effectRef>
+          <a:fontRef idx="minor">
+            <a:schemeClr val="lt1"/>
+          </a:fontRef>
+        </p:style>
+        <p:txBody>
+          <a:bodyPr rtlCol="0" anchor="t"/>
+          <a:lstStyle/>
+          <a:p>
+            <a:pPr algn="ctr"/>
             <a:r>
               <a:rPr lang="de-DE" dirty="0"/>
-              <a:t>Repositorien für die Bereitstellung und Verwaltung von Images</a:t>
-            </a:r>
-          </a:p>
-          <a:p>
-            <a:pPr marL="914400" lvl="2" indent="0">
-              <a:buNone/>
-            </a:pPr>
+              <a:t>Registry</a:t>
+            </a:r>
+          </a:p>
+        </p:txBody>
+      </p:sp>
+      <p:sp>
+        <p:nvSpPr>
+          <p:cNvPr id="8" name="Zylinder 7">
+            <a:extLst>
+              <a:ext uri="{FF2B5EF4-FFF2-40B4-BE49-F238E27FC236}">
+                <a16:creationId xmlns:a16="http://schemas.microsoft.com/office/drawing/2014/main" id="{FB5C3891-2989-4646-A5D0-3730B3E845C2}"/>
+              </a:ext>
+            </a:extLst>
+          </p:cNvPr>
+          <p:cNvSpPr/>
+          <p:nvPr/>
+        </p:nvSpPr>
+        <p:spPr>
+          <a:xfrm>
+            <a:off x="1161526" y="2868768"/>
+            <a:ext cx="1236767" cy="2320853"/>
+          </a:xfrm>
+          <a:prstGeom prst="can">
+            <a:avLst/>
+          </a:prstGeom>
+        </p:spPr>
+        <p:style>
+          <a:lnRef idx="2">
+            <a:schemeClr val="accent1">
+              <a:shade val="50000"/>
+            </a:schemeClr>
+          </a:lnRef>
+          <a:fillRef idx="1">
+            <a:schemeClr val="accent1"/>
+          </a:fillRef>
+          <a:effectRef idx="0">
+            <a:schemeClr val="accent1"/>
+          </a:effectRef>
+          <a:fontRef idx="minor">
+            <a:schemeClr val="lt1"/>
+          </a:fontRef>
+        </p:style>
+        <p:txBody>
+          <a:bodyPr rtlCol="0" anchor="ctr"/>
+          <a:lstStyle/>
+          <a:p>
+            <a:pPr algn="ctr"/>
+            <a:endParaRPr lang="de-DE" dirty="0"/>
+          </a:p>
+        </p:txBody>
+      </p:sp>
+      <p:sp>
+        <p:nvSpPr>
+          <p:cNvPr id="10" name="Rechteck 9">
+            <a:extLst>
+              <a:ext uri="{FF2B5EF4-FFF2-40B4-BE49-F238E27FC236}">
+                <a16:creationId xmlns:a16="http://schemas.microsoft.com/office/drawing/2014/main" id="{10737C65-44C0-4A34-902D-495FFC7696CE}"/>
+              </a:ext>
+            </a:extLst>
+          </p:cNvPr>
+          <p:cNvSpPr/>
+          <p:nvPr/>
+        </p:nvSpPr>
+        <p:spPr>
+          <a:xfrm>
+            <a:off x="4010525" y="2767263"/>
+            <a:ext cx="4227095" cy="661737"/>
+          </a:xfrm>
+          <a:prstGeom prst="rect">
+            <a:avLst/>
+          </a:prstGeom>
+        </p:spPr>
+        <p:style>
+          <a:lnRef idx="2">
+            <a:schemeClr val="accent1">
+              <a:shade val="50000"/>
+            </a:schemeClr>
+          </a:lnRef>
+          <a:fillRef idx="1">
+            <a:schemeClr val="accent1"/>
+          </a:fillRef>
+          <a:effectRef idx="0">
+            <a:schemeClr val="accent1"/>
+          </a:effectRef>
+          <a:fontRef idx="minor">
+            <a:schemeClr val="lt1"/>
+          </a:fontRef>
+        </p:style>
+        <p:txBody>
+          <a:bodyPr rtlCol="0" anchor="ctr"/>
+          <a:lstStyle/>
+          <a:p>
+            <a:pPr algn="ctr"/>
             <a:r>
               <a:rPr lang="de-DE" dirty="0"/>
-              <a:t>(Marketplace für Container Lösungen)</a:t>
-            </a:r>
-          </a:p>
-          <a:p>
-            <a:pPr lvl="1">
-              <a:buFontTx/>
-              <a:buChar char="-"/>
-            </a:pPr>
+              <a:t>Docker </a:t>
+            </a:r>
+            <a:r>
+              <a:rPr lang="de-DE" dirty="0" err="1"/>
+              <a:t>daemon</a:t>
+            </a:r>
+            <a:endParaRPr lang="de-DE" dirty="0"/>
+          </a:p>
+        </p:txBody>
+      </p:sp>
+      <p:sp>
+        <p:nvSpPr>
+          <p:cNvPr id="11" name="Rechteck 10">
+            <a:extLst>
+              <a:ext uri="{FF2B5EF4-FFF2-40B4-BE49-F238E27FC236}">
+                <a16:creationId xmlns:a16="http://schemas.microsoft.com/office/drawing/2014/main" id="{ECF58507-7687-4F57-9C5B-DC31CEE02698}"/>
+              </a:ext>
+            </a:extLst>
+          </p:cNvPr>
+          <p:cNvSpPr/>
+          <p:nvPr/>
+        </p:nvSpPr>
+        <p:spPr>
+          <a:xfrm>
+            <a:off x="9472863" y="2068698"/>
+            <a:ext cx="1880937" cy="3457074"/>
+          </a:xfrm>
+          <a:prstGeom prst="rect">
+            <a:avLst/>
+          </a:prstGeom>
+        </p:spPr>
+        <p:style>
+          <a:lnRef idx="2">
+            <a:schemeClr val="accent5">
+              <a:shade val="50000"/>
+            </a:schemeClr>
+          </a:lnRef>
+          <a:fillRef idx="1">
+            <a:schemeClr val="accent5"/>
+          </a:fillRef>
+          <a:effectRef idx="0">
+            <a:schemeClr val="accent5"/>
+          </a:effectRef>
+          <a:fontRef idx="minor">
+            <a:schemeClr val="lt1"/>
+          </a:fontRef>
+        </p:style>
+        <p:txBody>
+          <a:bodyPr rtlCol="0" anchor="t"/>
+          <a:lstStyle/>
+          <a:p>
+            <a:pPr algn="ctr"/>
             <a:r>
               <a:rPr lang="de-DE" dirty="0"/>
-              <a:t>Unterscheidung zwischen </a:t>
-            </a:r>
-          </a:p>
-          <a:p>
-            <a:pPr lvl="2">
-              <a:buFontTx/>
-              <a:buChar char="-"/>
-            </a:pPr>
+              <a:t>Client</a:t>
+            </a:r>
+          </a:p>
+        </p:txBody>
+      </p:sp>
+      <p:sp>
+        <p:nvSpPr>
+          <p:cNvPr id="12" name="Welle 11">
+            <a:extLst>
+              <a:ext uri="{FF2B5EF4-FFF2-40B4-BE49-F238E27FC236}">
+                <a16:creationId xmlns:a16="http://schemas.microsoft.com/office/drawing/2014/main" id="{E95F8609-287E-464D-93CB-6C866B437C02}"/>
+              </a:ext>
+            </a:extLst>
+          </p:cNvPr>
+          <p:cNvSpPr/>
+          <p:nvPr/>
+        </p:nvSpPr>
+        <p:spPr>
+          <a:xfrm>
+            <a:off x="9555078" y="2639407"/>
+            <a:ext cx="1716506" cy="458724"/>
+          </a:xfrm>
+          <a:prstGeom prst="wave">
+            <a:avLst/>
+          </a:prstGeom>
+        </p:spPr>
+        <p:style>
+          <a:lnRef idx="2">
+            <a:schemeClr val="accent1">
+              <a:shade val="50000"/>
+            </a:schemeClr>
+          </a:lnRef>
+          <a:fillRef idx="1">
+            <a:schemeClr val="accent1"/>
+          </a:fillRef>
+          <a:effectRef idx="0">
+            <a:schemeClr val="accent1"/>
+          </a:effectRef>
+          <a:fontRef idx="minor">
+            <a:schemeClr val="lt1"/>
+          </a:fontRef>
+        </p:style>
+        <p:txBody>
+          <a:bodyPr rtlCol="0" anchor="ctr"/>
+          <a:lstStyle/>
+          <a:p>
+            <a:pPr algn="ctr"/>
+            <a:r>
+              <a:rPr lang="de-DE" dirty="0" err="1"/>
+              <a:t>docker</a:t>
+            </a:r>
             <a:r>
               <a:rPr lang="de-DE" dirty="0"/>
-              <a:t>Öffentlich </a:t>
-            </a:r>
-          </a:p>
-          <a:p>
-            <a:pPr lvl="2">
-              <a:buFontTx/>
-              <a:buChar char="-"/>
-            </a:pPr>
+              <a:t> </a:t>
+            </a:r>
+            <a:r>
+              <a:rPr lang="de-DE" dirty="0" err="1"/>
+              <a:t>build</a:t>
+            </a:r>
+            <a:endParaRPr lang="de-DE" dirty="0"/>
+          </a:p>
+        </p:txBody>
+      </p:sp>
+      <p:sp>
+        <p:nvSpPr>
+          <p:cNvPr id="13" name="Welle 12">
+            <a:extLst>
+              <a:ext uri="{FF2B5EF4-FFF2-40B4-BE49-F238E27FC236}">
+                <a16:creationId xmlns:a16="http://schemas.microsoft.com/office/drawing/2014/main" id="{9881A128-7D1A-4DC5-8474-75C5B5F46450}"/>
+              </a:ext>
+            </a:extLst>
+          </p:cNvPr>
+          <p:cNvSpPr/>
+          <p:nvPr/>
+        </p:nvSpPr>
+        <p:spPr>
+          <a:xfrm>
+            <a:off x="9555078" y="3167158"/>
+            <a:ext cx="1716506" cy="458724"/>
+          </a:xfrm>
+          <a:prstGeom prst="wave">
+            <a:avLst/>
+          </a:prstGeom>
+        </p:spPr>
+        <p:style>
+          <a:lnRef idx="2">
+            <a:schemeClr val="accent1">
+              <a:shade val="50000"/>
+            </a:schemeClr>
+          </a:lnRef>
+          <a:fillRef idx="1">
+            <a:schemeClr val="accent1"/>
+          </a:fillRef>
+          <a:effectRef idx="0">
+            <a:schemeClr val="accent1"/>
+          </a:effectRef>
+          <a:fontRef idx="minor">
+            <a:schemeClr val="lt1"/>
+          </a:fontRef>
+        </p:style>
+        <p:txBody>
+          <a:bodyPr rtlCol="0" anchor="ctr"/>
+          <a:lstStyle/>
+          <a:p>
+            <a:pPr algn="ctr"/>
+            <a:r>
+              <a:rPr lang="de-DE" dirty="0" err="1"/>
+              <a:t>docker</a:t>
+            </a:r>
             <a:r>
               <a:rPr lang="de-DE" dirty="0"/>
-              <a:t>Privat </a:t>
-            </a:r>
-          </a:p>
-          <a:p>
-            <a:pPr lvl="1">
-              <a:buFontTx/>
-              <a:buChar char="-"/>
-            </a:pPr>
+              <a:t> push</a:t>
+            </a:r>
+          </a:p>
+        </p:txBody>
+      </p:sp>
+      <p:sp>
+        <p:nvSpPr>
+          <p:cNvPr id="14" name="Welle 13">
+            <a:extLst>
+              <a:ext uri="{FF2B5EF4-FFF2-40B4-BE49-F238E27FC236}">
+                <a16:creationId xmlns:a16="http://schemas.microsoft.com/office/drawing/2014/main" id="{D20CA692-07DF-496C-B3B6-1E0198BF9279}"/>
+              </a:ext>
+            </a:extLst>
+          </p:cNvPr>
+          <p:cNvSpPr/>
+          <p:nvPr/>
+        </p:nvSpPr>
+        <p:spPr>
+          <a:xfrm>
+            <a:off x="9555078" y="3694909"/>
+            <a:ext cx="1716506" cy="458724"/>
+          </a:xfrm>
+          <a:prstGeom prst="wave">
+            <a:avLst/>
+          </a:prstGeom>
+        </p:spPr>
+        <p:style>
+          <a:lnRef idx="2">
+            <a:schemeClr val="accent1">
+              <a:shade val="50000"/>
+            </a:schemeClr>
+          </a:lnRef>
+          <a:fillRef idx="1">
+            <a:schemeClr val="accent1"/>
+          </a:fillRef>
+          <a:effectRef idx="0">
+            <a:schemeClr val="accent1"/>
+          </a:effectRef>
+          <a:fontRef idx="minor">
+            <a:schemeClr val="lt1"/>
+          </a:fontRef>
+        </p:style>
+        <p:txBody>
+          <a:bodyPr rtlCol="0" anchor="ctr"/>
+          <a:lstStyle/>
+          <a:p>
+            <a:pPr algn="ctr"/>
+            <a:r>
+              <a:rPr lang="de-DE" dirty="0" err="1"/>
+              <a:t>docker</a:t>
+            </a:r>
             <a:r>
               <a:rPr lang="de-DE" dirty="0"/>
-              <a:t>Versionierung / Bezeichnung über so genannte Tags</a:t>
-            </a:r>
-          </a:p>
-          <a:p>
-            <a:pPr lvl="2">
-              <a:buFontTx/>
-              <a:buChar char="-"/>
-            </a:pPr>
+              <a:t> pull</a:t>
+            </a:r>
+          </a:p>
+        </p:txBody>
+      </p:sp>
+      <p:sp>
+        <p:nvSpPr>
+          <p:cNvPr id="15" name="Welle 14">
+            <a:extLst>
+              <a:ext uri="{FF2B5EF4-FFF2-40B4-BE49-F238E27FC236}">
+                <a16:creationId xmlns:a16="http://schemas.microsoft.com/office/drawing/2014/main" id="{98E74088-023E-4E64-86F5-A207D7A9EC90}"/>
+              </a:ext>
+            </a:extLst>
+          </p:cNvPr>
+          <p:cNvSpPr/>
+          <p:nvPr/>
+        </p:nvSpPr>
+        <p:spPr>
+          <a:xfrm>
+            <a:off x="9555078" y="4218649"/>
+            <a:ext cx="1716506" cy="458724"/>
+          </a:xfrm>
+          <a:prstGeom prst="wave">
+            <a:avLst/>
+          </a:prstGeom>
+        </p:spPr>
+        <p:style>
+          <a:lnRef idx="2">
+            <a:schemeClr val="accent1">
+              <a:shade val="50000"/>
+            </a:schemeClr>
+          </a:lnRef>
+          <a:fillRef idx="1">
+            <a:schemeClr val="accent1"/>
+          </a:fillRef>
+          <a:effectRef idx="0">
+            <a:schemeClr val="accent1"/>
+          </a:effectRef>
+          <a:fontRef idx="minor">
+            <a:schemeClr val="lt1"/>
+          </a:fontRef>
+        </p:style>
+        <p:txBody>
+          <a:bodyPr rtlCol="0" anchor="ctr"/>
+          <a:lstStyle/>
+          <a:p>
+            <a:pPr algn="ctr"/>
+            <a:r>
+              <a:rPr lang="de-DE" dirty="0" err="1"/>
+              <a:t>docker</a:t>
+            </a:r>
             <a:r>
               <a:rPr lang="de-DE" dirty="0"/>
-              <a:t>„</a:t>
+              <a:t> </a:t>
             </a:r>
             <a:r>
               <a:rPr lang="de-DE" dirty="0" err="1"/>
-              <a:t>latest</a:t>
-            </a:r>
+              <a:t>run</a:t>
+            </a:r>
+            <a:endParaRPr lang="de-DE" dirty="0"/>
+          </a:p>
+        </p:txBody>
+      </p:sp>
+      <p:cxnSp>
+        <p:nvCxnSpPr>
+          <p:cNvPr id="23" name="Verbinder: gewinkelt 22">
+            <a:extLst>
+              <a:ext uri="{FF2B5EF4-FFF2-40B4-BE49-F238E27FC236}">
+                <a16:creationId xmlns:a16="http://schemas.microsoft.com/office/drawing/2014/main" id="{CCD4C0A5-00C6-48CA-ABEB-2789761586BC}"/>
+              </a:ext>
+            </a:extLst>
+          </p:cNvPr>
+          <p:cNvCxnSpPr>
+            <a:cxnSpLocks/>
+            <a:stCxn id="12" idx="1"/>
+          </p:cNvCxnSpPr>
+          <p:nvPr/>
+        </p:nvCxnSpPr>
+        <p:spPr>
+          <a:xfrm rot="10800000" flipV="1">
+            <a:off x="8237620" y="2868769"/>
+            <a:ext cx="1317458" cy="229362"/>
+          </a:xfrm>
+          <a:prstGeom prst="bentConnector3">
+            <a:avLst/>
+          </a:prstGeom>
+          <a:ln w="38100" cap="flat" cmpd="sng" algn="ctr">
+            <a:solidFill>
+              <a:schemeClr val="tx1"/>
+            </a:solidFill>
+            <a:prstDash val="dash"/>
+            <a:round/>
+            <a:headEnd type="none" w="med" len="med"/>
+            <a:tailEnd type="none" w="med" len="med"/>
+          </a:ln>
+        </p:spPr>
+        <p:style>
+          <a:lnRef idx="0">
+            <a:scrgbClr r="0" g="0" b="0"/>
+          </a:lnRef>
+          <a:fillRef idx="0">
+            <a:scrgbClr r="0" g="0" b="0"/>
+          </a:fillRef>
+          <a:effectRef idx="0">
+            <a:scrgbClr r="0" g="0" b="0"/>
+          </a:effectRef>
+          <a:fontRef idx="minor">
+            <a:schemeClr val="tx1"/>
+          </a:fontRef>
+        </p:style>
+      </p:cxnSp>
+      <p:sp>
+        <p:nvSpPr>
+          <p:cNvPr id="24" name="Rechteck 23">
+            <a:extLst>
+              <a:ext uri="{FF2B5EF4-FFF2-40B4-BE49-F238E27FC236}">
+                <a16:creationId xmlns:a16="http://schemas.microsoft.com/office/drawing/2014/main" id="{8E148F24-A353-4C41-9390-76183FDC19B7}"/>
+              </a:ext>
+            </a:extLst>
+          </p:cNvPr>
+          <p:cNvSpPr/>
+          <p:nvPr/>
+        </p:nvSpPr>
+        <p:spPr>
+          <a:xfrm>
+            <a:off x="6269414" y="3618055"/>
+            <a:ext cx="1968206" cy="2558156"/>
+          </a:xfrm>
+          <a:prstGeom prst="rect">
+            <a:avLst/>
+          </a:prstGeom>
+        </p:spPr>
+        <p:style>
+          <a:lnRef idx="2">
+            <a:schemeClr val="accent1">
+              <a:shade val="50000"/>
+            </a:schemeClr>
+          </a:lnRef>
+          <a:fillRef idx="1">
+            <a:schemeClr val="accent1"/>
+          </a:fillRef>
+          <a:effectRef idx="0">
+            <a:schemeClr val="accent1"/>
+          </a:effectRef>
+          <a:fontRef idx="minor">
+            <a:schemeClr val="lt1"/>
+          </a:fontRef>
+        </p:style>
+        <p:txBody>
+          <a:bodyPr rtlCol="0" anchor="b"/>
+          <a:lstStyle/>
+          <a:p>
+            <a:pPr algn="ctr"/>
             <a:r>
               <a:rPr lang="de-DE" dirty="0"/>
-              <a:t>“ Tag allgemein verwendet um den letzten Stand zu kennzeichnen</a:t>
-            </a:r>
-          </a:p>
-          <a:p>
-            <a:pPr lvl="1">
-              <a:buFontTx/>
-              <a:buChar char="-"/>
-            </a:pPr>
+              <a:t>Images</a:t>
+            </a:r>
+          </a:p>
+        </p:txBody>
+      </p:sp>
+      <p:sp>
+        <p:nvSpPr>
+          <p:cNvPr id="27" name="Rechteck 26">
+            <a:extLst>
+              <a:ext uri="{FF2B5EF4-FFF2-40B4-BE49-F238E27FC236}">
+                <a16:creationId xmlns:a16="http://schemas.microsoft.com/office/drawing/2014/main" id="{BB3969EA-476C-4E0C-A49F-7FCC8531E376}"/>
+              </a:ext>
+            </a:extLst>
+          </p:cNvPr>
+          <p:cNvSpPr/>
+          <p:nvPr/>
+        </p:nvSpPr>
+        <p:spPr>
+          <a:xfrm>
+            <a:off x="4024763" y="3618054"/>
+            <a:ext cx="1968206" cy="2558157"/>
+          </a:xfrm>
+          <a:prstGeom prst="rect">
+            <a:avLst/>
+          </a:prstGeom>
+        </p:spPr>
+        <p:style>
+          <a:lnRef idx="2">
+            <a:schemeClr val="accent1">
+              <a:shade val="50000"/>
+            </a:schemeClr>
+          </a:lnRef>
+          <a:fillRef idx="1">
+            <a:schemeClr val="accent1"/>
+          </a:fillRef>
+          <a:effectRef idx="0">
+            <a:schemeClr val="accent1"/>
+          </a:effectRef>
+          <a:fontRef idx="minor">
+            <a:schemeClr val="lt1"/>
+          </a:fontRef>
+        </p:style>
+        <p:txBody>
+          <a:bodyPr rtlCol="0" anchor="b"/>
+          <a:lstStyle/>
+          <a:p>
+            <a:pPr algn="ctr"/>
             <a:r>
               <a:rPr lang="de-DE" dirty="0"/>
-              <a:t>Cloud-Lösungen fürs Hosten einer Docker Registry verfügbar</a:t>
-            </a:r>
-          </a:p>
-          <a:p>
-            <a:pPr lvl="2">
-              <a:buFontTx/>
-              <a:buChar char="-"/>
-            </a:pPr>
-            <a:r>
-              <a:rPr lang="de-DE" dirty="0"/>
-              <a:t>Docker Hub</a:t>
-            </a:r>
-          </a:p>
-          <a:p>
-            <a:pPr lvl="2">
-              <a:buFontTx/>
-              <a:buChar char="-"/>
-            </a:pPr>
-            <a:r>
-              <a:rPr lang="de-DE" dirty="0"/>
-              <a:t>Azure Container Registry</a:t>
-            </a:r>
-          </a:p>
-          <a:p>
-            <a:pPr lvl="1">
-              <a:buFontTx/>
-              <a:buChar char="-"/>
-            </a:pPr>
-            <a:r>
-              <a:rPr lang="de-DE" dirty="0"/>
-              <a:t>Hosten on-</a:t>
-            </a:r>
-            <a:r>
-              <a:rPr lang="de-DE" dirty="0" err="1"/>
-              <a:t>premise</a:t>
-            </a:r>
-            <a:r>
-              <a:rPr lang="de-DE" dirty="0"/>
-              <a:t> möglich (Docker Registry existiert als Container-Lösung)</a:t>
-            </a:r>
-          </a:p>
-          <a:p>
-            <a:pPr marL="457200" lvl="1" indent="0">
-              <a:buNone/>
-            </a:pPr>
+              <a:t>Container</a:t>
+            </a:r>
+          </a:p>
+        </p:txBody>
+      </p:sp>
+      <p:sp>
+        <p:nvSpPr>
+          <p:cNvPr id="9" name="Würfel 8">
+            <a:extLst>
+              <a:ext uri="{FF2B5EF4-FFF2-40B4-BE49-F238E27FC236}">
+                <a16:creationId xmlns:a16="http://schemas.microsoft.com/office/drawing/2014/main" id="{4CD177CA-F137-428F-869E-6F09ECF676CC}"/>
+              </a:ext>
+            </a:extLst>
+          </p:cNvPr>
+          <p:cNvSpPr/>
+          <p:nvPr/>
+        </p:nvSpPr>
+        <p:spPr>
+          <a:xfrm>
+            <a:off x="4427802" y="3846771"/>
+            <a:ext cx="1070850" cy="555202"/>
+          </a:xfrm>
+          <a:prstGeom prst="cube">
+            <a:avLst/>
+          </a:prstGeom>
+        </p:spPr>
+        <p:style>
+          <a:lnRef idx="3">
+            <a:schemeClr val="lt1"/>
+          </a:lnRef>
+          <a:fillRef idx="1">
+            <a:schemeClr val="accent2"/>
+          </a:fillRef>
+          <a:effectRef idx="1">
+            <a:schemeClr val="accent2"/>
+          </a:effectRef>
+          <a:fontRef idx="minor">
+            <a:schemeClr val="lt1"/>
+          </a:fontRef>
+        </p:style>
+        <p:txBody>
+          <a:bodyPr rtlCol="0" anchor="ctr"/>
+          <a:lstStyle/>
+          <a:p>
+            <a:pPr algn="ctr"/>
             <a:endParaRPr lang="de-DE" dirty="0"/>
           </a:p>
-          <a:p>
-            <a:pPr lvl="1">
-              <a:buFontTx/>
-              <a:buChar char="-"/>
-            </a:pPr>
+        </p:txBody>
+      </p:sp>
+      <p:grpSp>
+        <p:nvGrpSpPr>
+          <p:cNvPr id="33" name="Gruppieren 32">
+            <a:extLst>
+              <a:ext uri="{FF2B5EF4-FFF2-40B4-BE49-F238E27FC236}">
+                <a16:creationId xmlns:a16="http://schemas.microsoft.com/office/drawing/2014/main" id="{F6D42A3C-668B-4732-94DA-28B9DC7F6728}"/>
+              </a:ext>
+            </a:extLst>
+          </p:cNvPr>
+          <p:cNvGrpSpPr/>
+          <p:nvPr/>
+        </p:nvGrpSpPr>
+        <p:grpSpPr>
+          <a:xfrm>
+            <a:off x="6975929" y="4418189"/>
+            <a:ext cx="637333" cy="478943"/>
+            <a:chOff x="1985551" y="5904513"/>
+            <a:chExt cx="637333" cy="478943"/>
+          </a:xfrm>
+        </p:grpSpPr>
+        <p:sp>
+          <p:nvSpPr>
+            <p:cNvPr id="30" name="Würfel 29">
+              <a:extLst>
+                <a:ext uri="{FF2B5EF4-FFF2-40B4-BE49-F238E27FC236}">
+                  <a16:creationId xmlns:a16="http://schemas.microsoft.com/office/drawing/2014/main" id="{B27BE85D-1719-4123-A6A1-B1CACC1B917D}"/>
+                </a:ext>
+              </a:extLst>
+            </p:cNvPr>
+            <p:cNvSpPr/>
+            <p:nvPr/>
+          </p:nvSpPr>
+          <p:spPr>
+            <a:xfrm>
+              <a:off x="1985551" y="6104021"/>
+              <a:ext cx="637333" cy="279435"/>
+            </a:xfrm>
+            <a:prstGeom prst="cube">
+              <a:avLst>
+                <a:gd name="adj" fmla="val 78110"/>
+              </a:avLst>
+            </a:prstGeom>
+          </p:spPr>
+          <p:style>
+            <a:lnRef idx="3">
+              <a:schemeClr val="lt1"/>
+            </a:lnRef>
+            <a:fillRef idx="1">
+              <a:schemeClr val="accent6"/>
+            </a:fillRef>
+            <a:effectRef idx="1">
+              <a:schemeClr val="accent6"/>
+            </a:effectRef>
+            <a:fontRef idx="minor">
+              <a:schemeClr val="lt1"/>
+            </a:fontRef>
+          </p:style>
+          <p:txBody>
+            <a:bodyPr rtlCol="0" anchor="ctr"/>
+            <a:lstStyle/>
+            <a:p>
+              <a:pPr algn="ctr"/>
+              <a:endParaRPr lang="de-DE"/>
+            </a:p>
+          </p:txBody>
+        </p:sp>
+        <p:sp>
+          <p:nvSpPr>
+            <p:cNvPr id="31" name="Würfel 30">
+              <a:extLst>
+                <a:ext uri="{FF2B5EF4-FFF2-40B4-BE49-F238E27FC236}">
+                  <a16:creationId xmlns:a16="http://schemas.microsoft.com/office/drawing/2014/main" id="{0A33293A-A199-4875-ABBB-D261A2159CD9}"/>
+                </a:ext>
+              </a:extLst>
+            </p:cNvPr>
+            <p:cNvSpPr/>
+            <p:nvPr/>
+          </p:nvSpPr>
+          <p:spPr>
+            <a:xfrm>
+              <a:off x="1985551" y="6004267"/>
+              <a:ext cx="637333" cy="279435"/>
+            </a:xfrm>
+            <a:prstGeom prst="cube">
+              <a:avLst>
+                <a:gd name="adj" fmla="val 78110"/>
+              </a:avLst>
+            </a:prstGeom>
+          </p:spPr>
+          <p:style>
+            <a:lnRef idx="3">
+              <a:schemeClr val="lt1"/>
+            </a:lnRef>
+            <a:fillRef idx="1">
+              <a:schemeClr val="accent6"/>
+            </a:fillRef>
+            <a:effectRef idx="1">
+              <a:schemeClr val="accent6"/>
+            </a:effectRef>
+            <a:fontRef idx="minor">
+              <a:schemeClr val="lt1"/>
+            </a:fontRef>
+          </p:style>
+          <p:txBody>
+            <a:bodyPr rtlCol="0" anchor="ctr"/>
+            <a:lstStyle/>
+            <a:p>
+              <a:pPr algn="ctr"/>
+              <a:endParaRPr lang="de-DE"/>
+            </a:p>
+          </p:txBody>
+        </p:sp>
+        <p:sp>
+          <p:nvSpPr>
+            <p:cNvPr id="32" name="Würfel 31">
+              <a:extLst>
+                <a:ext uri="{FF2B5EF4-FFF2-40B4-BE49-F238E27FC236}">
+                  <a16:creationId xmlns:a16="http://schemas.microsoft.com/office/drawing/2014/main" id="{C84A1ECA-A37C-4070-9486-CFA677703A6A}"/>
+                </a:ext>
+              </a:extLst>
+            </p:cNvPr>
+            <p:cNvSpPr/>
+            <p:nvPr/>
+          </p:nvSpPr>
+          <p:spPr>
+            <a:xfrm>
+              <a:off x="1985551" y="5904513"/>
+              <a:ext cx="637333" cy="279435"/>
+            </a:xfrm>
+            <a:prstGeom prst="cube">
+              <a:avLst>
+                <a:gd name="adj" fmla="val 78110"/>
+              </a:avLst>
+            </a:prstGeom>
+          </p:spPr>
+          <p:style>
+            <a:lnRef idx="3">
+              <a:schemeClr val="lt1"/>
+            </a:lnRef>
+            <a:fillRef idx="1">
+              <a:schemeClr val="accent6"/>
+            </a:fillRef>
+            <a:effectRef idx="1">
+              <a:schemeClr val="accent6"/>
+            </a:effectRef>
+            <a:fontRef idx="minor">
+              <a:schemeClr val="lt1"/>
+            </a:fontRef>
+          </p:style>
+          <p:txBody>
+            <a:bodyPr rtlCol="0" anchor="ctr"/>
+            <a:lstStyle/>
+            <a:p>
+              <a:pPr algn="ctr"/>
+              <a:endParaRPr lang="de-DE"/>
+            </a:p>
+          </p:txBody>
+        </p:sp>
+      </p:grpSp>
+      <p:grpSp>
+        <p:nvGrpSpPr>
+          <p:cNvPr id="34" name="Gruppieren 33">
+            <a:extLst>
+              <a:ext uri="{FF2B5EF4-FFF2-40B4-BE49-F238E27FC236}">
+                <a16:creationId xmlns:a16="http://schemas.microsoft.com/office/drawing/2014/main" id="{6D1F02A7-B1E1-43A5-88DE-B0C6868B0DC1}"/>
+              </a:ext>
+            </a:extLst>
+          </p:cNvPr>
+          <p:cNvGrpSpPr/>
+          <p:nvPr/>
+        </p:nvGrpSpPr>
+        <p:grpSpPr>
+          <a:xfrm>
+            <a:off x="1460001" y="3655851"/>
+            <a:ext cx="637333" cy="478943"/>
+            <a:chOff x="1985551" y="5904513"/>
+            <a:chExt cx="637333" cy="478943"/>
+          </a:xfrm>
+        </p:grpSpPr>
+        <p:sp>
+          <p:nvSpPr>
+            <p:cNvPr id="35" name="Würfel 34">
+              <a:extLst>
+                <a:ext uri="{FF2B5EF4-FFF2-40B4-BE49-F238E27FC236}">
+                  <a16:creationId xmlns:a16="http://schemas.microsoft.com/office/drawing/2014/main" id="{9A807677-694E-48CD-BED9-E45B62CDD91D}"/>
+                </a:ext>
+              </a:extLst>
+            </p:cNvPr>
+            <p:cNvSpPr/>
+            <p:nvPr/>
+          </p:nvSpPr>
+          <p:spPr>
+            <a:xfrm>
+              <a:off x="1985551" y="6104021"/>
+              <a:ext cx="637333" cy="279435"/>
+            </a:xfrm>
+            <a:prstGeom prst="cube">
+              <a:avLst>
+                <a:gd name="adj" fmla="val 78110"/>
+              </a:avLst>
+            </a:prstGeom>
+          </p:spPr>
+          <p:style>
+            <a:lnRef idx="3">
+              <a:schemeClr val="lt1"/>
+            </a:lnRef>
+            <a:fillRef idx="1">
+              <a:schemeClr val="accent6"/>
+            </a:fillRef>
+            <a:effectRef idx="1">
+              <a:schemeClr val="accent6"/>
+            </a:effectRef>
+            <a:fontRef idx="minor">
+              <a:schemeClr val="lt1"/>
+            </a:fontRef>
+          </p:style>
+          <p:txBody>
+            <a:bodyPr rtlCol="0" anchor="ctr"/>
+            <a:lstStyle/>
+            <a:p>
+              <a:pPr algn="ctr"/>
+              <a:endParaRPr lang="de-DE"/>
+            </a:p>
+          </p:txBody>
+        </p:sp>
+        <p:sp>
+          <p:nvSpPr>
+            <p:cNvPr id="36" name="Würfel 35">
+              <a:extLst>
+                <a:ext uri="{FF2B5EF4-FFF2-40B4-BE49-F238E27FC236}">
+                  <a16:creationId xmlns:a16="http://schemas.microsoft.com/office/drawing/2014/main" id="{29A9BB44-CC0B-4018-BF4E-CC9120F4488A}"/>
+                </a:ext>
+              </a:extLst>
+            </p:cNvPr>
+            <p:cNvSpPr/>
+            <p:nvPr/>
+          </p:nvSpPr>
+          <p:spPr>
+            <a:xfrm>
+              <a:off x="1985551" y="6004267"/>
+              <a:ext cx="637333" cy="279435"/>
+            </a:xfrm>
+            <a:prstGeom prst="cube">
+              <a:avLst>
+                <a:gd name="adj" fmla="val 78110"/>
+              </a:avLst>
+            </a:prstGeom>
+          </p:spPr>
+          <p:style>
+            <a:lnRef idx="3">
+              <a:schemeClr val="lt1"/>
+            </a:lnRef>
+            <a:fillRef idx="1">
+              <a:schemeClr val="accent6"/>
+            </a:fillRef>
+            <a:effectRef idx="1">
+              <a:schemeClr val="accent6"/>
+            </a:effectRef>
+            <a:fontRef idx="minor">
+              <a:schemeClr val="lt1"/>
+            </a:fontRef>
+          </p:style>
+          <p:txBody>
+            <a:bodyPr rtlCol="0" anchor="ctr"/>
+            <a:lstStyle/>
+            <a:p>
+              <a:pPr algn="ctr"/>
+              <a:endParaRPr lang="de-DE"/>
+            </a:p>
+          </p:txBody>
+        </p:sp>
+        <p:sp>
+          <p:nvSpPr>
+            <p:cNvPr id="37" name="Würfel 36">
+              <a:extLst>
+                <a:ext uri="{FF2B5EF4-FFF2-40B4-BE49-F238E27FC236}">
+                  <a16:creationId xmlns:a16="http://schemas.microsoft.com/office/drawing/2014/main" id="{01F04CAE-8B6E-4D84-A37A-11CEFF524A25}"/>
+                </a:ext>
+              </a:extLst>
+            </p:cNvPr>
+            <p:cNvSpPr/>
+            <p:nvPr/>
+          </p:nvSpPr>
+          <p:spPr>
+            <a:xfrm>
+              <a:off x="1985551" y="5904513"/>
+              <a:ext cx="637333" cy="279435"/>
+            </a:xfrm>
+            <a:prstGeom prst="cube">
+              <a:avLst>
+                <a:gd name="adj" fmla="val 78110"/>
+              </a:avLst>
+            </a:prstGeom>
+          </p:spPr>
+          <p:style>
+            <a:lnRef idx="3">
+              <a:schemeClr val="lt1"/>
+            </a:lnRef>
+            <a:fillRef idx="1">
+              <a:schemeClr val="accent6"/>
+            </a:fillRef>
+            <a:effectRef idx="1">
+              <a:schemeClr val="accent6"/>
+            </a:effectRef>
+            <a:fontRef idx="minor">
+              <a:schemeClr val="lt1"/>
+            </a:fontRef>
+          </p:style>
+          <p:txBody>
+            <a:bodyPr rtlCol="0" anchor="ctr"/>
+            <a:lstStyle/>
+            <a:p>
+              <a:pPr algn="ctr"/>
+              <a:endParaRPr lang="de-DE"/>
+            </a:p>
+          </p:txBody>
+        </p:sp>
+      </p:grpSp>
+      <p:sp>
+        <p:nvSpPr>
+          <p:cNvPr id="38" name="Würfel 37">
+            <a:extLst>
+              <a:ext uri="{FF2B5EF4-FFF2-40B4-BE49-F238E27FC236}">
+                <a16:creationId xmlns:a16="http://schemas.microsoft.com/office/drawing/2014/main" id="{696F5614-AA52-47F5-B167-057278EEE87C}"/>
+              </a:ext>
+            </a:extLst>
+          </p:cNvPr>
+          <p:cNvSpPr/>
+          <p:nvPr/>
+        </p:nvSpPr>
+        <p:spPr>
+          <a:xfrm>
+            <a:off x="4416171" y="4517943"/>
+            <a:ext cx="1070850" cy="555202"/>
+          </a:xfrm>
+          <a:prstGeom prst="cube">
+            <a:avLst/>
+          </a:prstGeom>
+        </p:spPr>
+        <p:style>
+          <a:lnRef idx="3">
+            <a:schemeClr val="lt1"/>
+          </a:lnRef>
+          <a:fillRef idx="1">
+            <a:schemeClr val="accent2"/>
+          </a:fillRef>
+          <a:effectRef idx="1">
+            <a:schemeClr val="accent2"/>
+          </a:effectRef>
+          <a:fontRef idx="minor">
+            <a:schemeClr val="lt1"/>
+          </a:fontRef>
+        </p:style>
+        <p:txBody>
+          <a:bodyPr rtlCol="0" anchor="ctr"/>
+          <a:lstStyle/>
+          <a:p>
+            <a:pPr algn="ctr"/>
             <a:endParaRPr lang="de-DE" dirty="0"/>
           </a:p>
         </p:txBody>
       </p:sp>
+      <p:sp>
+        <p:nvSpPr>
+          <p:cNvPr id="39" name="Würfel 38">
+            <a:extLst>
+              <a:ext uri="{FF2B5EF4-FFF2-40B4-BE49-F238E27FC236}">
+                <a16:creationId xmlns:a16="http://schemas.microsoft.com/office/drawing/2014/main" id="{6A061F8C-1E1E-40ED-967D-9EBFCF0B572A}"/>
+              </a:ext>
+            </a:extLst>
+          </p:cNvPr>
+          <p:cNvSpPr/>
+          <p:nvPr/>
+        </p:nvSpPr>
+        <p:spPr>
+          <a:xfrm>
+            <a:off x="4425997" y="5189621"/>
+            <a:ext cx="1070850" cy="555202"/>
+          </a:xfrm>
+          <a:prstGeom prst="cube">
+            <a:avLst/>
+          </a:prstGeom>
+        </p:spPr>
+        <p:style>
+          <a:lnRef idx="3">
+            <a:schemeClr val="lt1"/>
+          </a:lnRef>
+          <a:fillRef idx="1">
+            <a:schemeClr val="accent2"/>
+          </a:fillRef>
+          <a:effectRef idx="1">
+            <a:schemeClr val="accent2"/>
+          </a:effectRef>
+          <a:fontRef idx="minor">
+            <a:schemeClr val="lt1"/>
+          </a:fontRef>
+        </p:style>
+        <p:txBody>
+          <a:bodyPr rtlCol="0" anchor="ctr"/>
+          <a:lstStyle/>
+          <a:p>
+            <a:pPr algn="ctr"/>
+            <a:endParaRPr lang="de-DE" dirty="0"/>
+          </a:p>
+        </p:txBody>
+      </p:sp>
+      <p:cxnSp>
+        <p:nvCxnSpPr>
+          <p:cNvPr id="40" name="Verbinder: gewinkelt 39">
+            <a:extLst>
+              <a:ext uri="{FF2B5EF4-FFF2-40B4-BE49-F238E27FC236}">
+                <a16:creationId xmlns:a16="http://schemas.microsoft.com/office/drawing/2014/main" id="{CA806DDB-4C0F-41DD-9CC0-942A1AA7DDFB}"/>
+              </a:ext>
+            </a:extLst>
+          </p:cNvPr>
+          <p:cNvCxnSpPr>
+            <a:cxnSpLocks/>
+          </p:cNvCxnSpPr>
+          <p:nvPr/>
+        </p:nvCxnSpPr>
+        <p:spPr>
+          <a:xfrm rot="16200000" flipV="1">
+            <a:off x="6423104" y="3646451"/>
+            <a:ext cx="1153747" cy="589237"/>
+          </a:xfrm>
+          <a:prstGeom prst="bentConnector3">
+            <a:avLst/>
+          </a:prstGeom>
+          <a:ln w="38100" cap="flat" cmpd="sng" algn="ctr">
+            <a:solidFill>
+              <a:schemeClr val="tx1"/>
+            </a:solidFill>
+            <a:prstDash val="dash"/>
+            <a:round/>
+            <a:headEnd type="none" w="med" len="med"/>
+            <a:tailEnd type="none" w="med" len="med"/>
+          </a:ln>
+        </p:spPr>
+        <p:style>
+          <a:lnRef idx="0">
+            <a:scrgbClr r="0" g="0" b="0"/>
+          </a:lnRef>
+          <a:fillRef idx="0">
+            <a:scrgbClr r="0" g="0" b="0"/>
+          </a:fillRef>
+          <a:effectRef idx="0">
+            <a:scrgbClr r="0" g="0" b="0"/>
+          </a:effectRef>
+          <a:fontRef idx="minor">
+            <a:schemeClr val="tx1"/>
+          </a:fontRef>
+        </p:style>
+      </p:cxnSp>
+      <p:cxnSp>
+        <p:nvCxnSpPr>
+          <p:cNvPr id="42" name="Verbinder: gewinkelt 41">
+            <a:extLst>
+              <a:ext uri="{FF2B5EF4-FFF2-40B4-BE49-F238E27FC236}">
+                <a16:creationId xmlns:a16="http://schemas.microsoft.com/office/drawing/2014/main" id="{275495C3-3A9D-4A19-B985-A6C63BF6AF21}"/>
+              </a:ext>
+            </a:extLst>
+          </p:cNvPr>
+          <p:cNvCxnSpPr>
+            <a:cxnSpLocks/>
+          </p:cNvCxnSpPr>
+          <p:nvPr/>
+        </p:nvCxnSpPr>
+        <p:spPr>
+          <a:xfrm rot="10800000">
+            <a:off x="5496848" y="4118811"/>
+            <a:ext cx="1425421" cy="608752"/>
+          </a:xfrm>
+          <a:prstGeom prst="bentConnector3">
+            <a:avLst/>
+          </a:prstGeom>
+          <a:ln w="38100" cap="flat" cmpd="sng" algn="ctr">
+            <a:solidFill>
+              <a:schemeClr val="tx1"/>
+            </a:solidFill>
+            <a:prstDash val="dash"/>
+            <a:round/>
+            <a:headEnd type="none" w="med" len="med"/>
+            <a:tailEnd type="none" w="med" len="med"/>
+          </a:ln>
+        </p:spPr>
+        <p:style>
+          <a:lnRef idx="0">
+            <a:scrgbClr r="0" g="0" b="0"/>
+          </a:lnRef>
+          <a:fillRef idx="0">
+            <a:scrgbClr r="0" g="0" b="0"/>
+          </a:fillRef>
+          <a:effectRef idx="0">
+            <a:scrgbClr r="0" g="0" b="0"/>
+          </a:effectRef>
+          <a:fontRef idx="minor">
+            <a:schemeClr val="tx1"/>
+          </a:fontRef>
+        </p:style>
+      </p:cxnSp>
+      <p:cxnSp>
+        <p:nvCxnSpPr>
+          <p:cNvPr id="44" name="Verbinder: gewinkelt 43">
+            <a:extLst>
+              <a:ext uri="{FF2B5EF4-FFF2-40B4-BE49-F238E27FC236}">
+                <a16:creationId xmlns:a16="http://schemas.microsoft.com/office/drawing/2014/main" id="{ACEF9B22-D7B6-4E9A-AE13-8CCDD3484AB8}"/>
+              </a:ext>
+            </a:extLst>
+          </p:cNvPr>
+          <p:cNvCxnSpPr>
+            <a:cxnSpLocks/>
+          </p:cNvCxnSpPr>
+          <p:nvPr/>
+        </p:nvCxnSpPr>
+        <p:spPr>
+          <a:xfrm rot="10800000" flipV="1">
+            <a:off x="2097335" y="3134831"/>
+            <a:ext cx="1923899" cy="711939"/>
+          </a:xfrm>
+          <a:prstGeom prst="bentConnector3">
+            <a:avLst/>
+          </a:prstGeom>
+          <a:ln w="38100" cap="flat" cmpd="sng" algn="ctr">
+            <a:solidFill>
+              <a:schemeClr val="tx1"/>
+            </a:solidFill>
+            <a:prstDash val="dash"/>
+            <a:round/>
+            <a:headEnd type="none" w="med" len="med"/>
+            <a:tailEnd type="none" w="med" len="med"/>
+          </a:ln>
+        </p:spPr>
+        <p:style>
+          <a:lnRef idx="0">
+            <a:scrgbClr r="0" g="0" b="0"/>
+          </a:lnRef>
+          <a:fillRef idx="0">
+            <a:scrgbClr r="0" g="0" b="0"/>
+          </a:fillRef>
+          <a:effectRef idx="0">
+            <a:scrgbClr r="0" g="0" b="0"/>
+          </a:effectRef>
+          <a:fontRef idx="minor">
+            <a:schemeClr val="tx1"/>
+          </a:fontRef>
+        </p:style>
+      </p:cxnSp>
     </p:spTree>
     <p:extLst>
       <p:ext uri="{BB962C8B-B14F-4D97-AF65-F5344CB8AC3E}">
-        <p14:creationId xmlns:p14="http://schemas.microsoft.com/office/powerpoint/2010/main" val="326392660"/>
+        <p14:creationId xmlns:p14="http://schemas.microsoft.com/office/powerpoint/2010/main" val="3830600116"/>
       </p:ext>
     </p:extLst>
   </p:cSld>
@@ -4984,7 +9429,22 @@
                   <a:srgbClr val="00B0F0"/>
                 </a:solidFill>
               </a:rPr>
-              <a:t>Container – Grundlagen</a:t>
+              <a:t>Kurze Einführung</a:t>
+            </a:r>
+            <a:br>
+              <a:rPr lang="de-DE" dirty="0">
+                <a:solidFill>
+                  <a:srgbClr val="00B0F0"/>
+                </a:solidFill>
+              </a:rPr>
+            </a:br>
+            <a:r>
+              <a:rPr lang="de-DE" dirty="0">
+                <a:solidFill>
+                  <a:srgbClr val="00B0F0"/>
+                </a:solidFill>
+              </a:rPr>
+              <a:t>Begriffe</a:t>
             </a:r>
           </a:p>
         </p:txBody>
@@ -5008,7 +9468,7 @@
         <p:spPr/>
         <p:txBody>
           <a:bodyPr>
-            <a:normAutofit lnSpcReduction="10000"/>
+            <a:normAutofit fontScale="92500" lnSpcReduction="20000"/>
           </a:bodyPr>
           <a:lstStyle/>
           <a:p>
@@ -5018,153 +9478,158 @@
             </a:pPr>
             <a:r>
               <a:rPr lang="de-DE" dirty="0"/>
-              <a:t>Container Registry</a:t>
-            </a:r>
-          </a:p>
-          <a:p>
-            <a:pPr lvl="1">
+              <a:t>Docker-Host </a:t>
+            </a:r>
+          </a:p>
+          <a:p>
+            <a:pPr marL="0" indent="0">
+              <a:buNone/>
+            </a:pPr>
+            <a:r>
+              <a:rPr lang="de-DE" dirty="0"/>
+              <a:t>	</a:t>
+            </a:r>
+            <a:r>
+              <a:rPr lang="de-DE" sz="2600" dirty="0"/>
+              <a:t>Maschine</a:t>
+            </a:r>
+            <a:r>
+              <a:rPr lang="de-DE" dirty="0"/>
+              <a:t> der Docker (</a:t>
+            </a:r>
+            <a:r>
+              <a:rPr lang="de-DE" dirty="0" err="1"/>
+              <a:t>Daemon</a:t>
+            </a:r>
+            <a:r>
+              <a:rPr lang="de-DE" dirty="0"/>
+              <a:t>) ausführt</a:t>
+            </a:r>
+          </a:p>
+          <a:p>
+            <a:pPr>
               <a:buFontTx/>
               <a:buChar char="-"/>
             </a:pPr>
             <a:r>
               <a:rPr lang="de-DE" dirty="0"/>
-              <a:t>Repositorien für die Bereitstellung und Verwaltung von Images</a:t>
-            </a:r>
-          </a:p>
-          <a:p>
-            <a:pPr marL="914400" lvl="2" indent="0">
-              <a:buNone/>
-            </a:pPr>
+              <a:t>Docker </a:t>
+            </a:r>
+            <a:r>
+              <a:rPr lang="de-DE" dirty="0" err="1"/>
+              <a:t>Daemon</a:t>
+            </a:r>
             <a:r>
               <a:rPr lang="de-DE" dirty="0"/>
-              <a:t>(Marketplace für Container Lösungen)</a:t>
-            </a:r>
-          </a:p>
-          <a:p>
-            <a:pPr lvl="1">
+              <a:t> </a:t>
+            </a:r>
+          </a:p>
+          <a:p>
+            <a:pPr marL="457200" lvl="1" indent="0">
+              <a:buNone/>
+            </a:pPr>
+            <a:r>
+              <a:rPr lang="de-DE" dirty="0"/>
+              <a:t>	</a:t>
+            </a:r>
+            <a:r>
+              <a:rPr lang="de-DE" sz="2600" dirty="0"/>
+              <a:t>Verarbeitet Anfragen </a:t>
+            </a:r>
+          </a:p>
+          <a:p>
+            <a:pPr marL="457200" lvl="1" indent="0">
+              <a:buNone/>
+            </a:pPr>
+            <a:r>
+              <a:rPr lang="de-DE" sz="2600" dirty="0"/>
+              <a:t>	und verwaltet Docker </a:t>
+            </a:r>
+            <a:r>
+              <a:rPr lang="de-DE" dirty="0"/>
+              <a:t>Objekte (Images, Container, Netzwerke usw.)</a:t>
+            </a:r>
+          </a:p>
+          <a:p>
+            <a:pPr>
               <a:buFontTx/>
               <a:buChar char="-"/>
             </a:pPr>
             <a:r>
               <a:rPr lang="de-DE" dirty="0"/>
-              <a:t>Unterscheidung zwischen </a:t>
-            </a:r>
-          </a:p>
-          <a:p>
-            <a:pPr lvl="2">
+              <a:t>Image </a:t>
+            </a:r>
+          </a:p>
+          <a:p>
+            <a:pPr marL="457200" lvl="1" indent="0">
+              <a:buNone/>
+            </a:pPr>
+            <a:r>
+              <a:rPr lang="de-DE" dirty="0"/>
+              <a:t>	</a:t>
+            </a:r>
+            <a:r>
+              <a:rPr lang="de-DE" sz="2600" dirty="0"/>
+              <a:t>Datei (Vorlage) zur Erstellung von Containern (Anwendung)</a:t>
+            </a:r>
+          </a:p>
+          <a:p>
+            <a:pPr marL="457200" lvl="1" indent="0">
+              <a:buNone/>
+            </a:pPr>
+            <a:r>
+              <a:rPr lang="de-DE" sz="2600" dirty="0"/>
+              <a:t>	Ähnlich einem Snapshot einer VM</a:t>
+            </a:r>
+          </a:p>
+          <a:p>
+            <a:pPr marL="457200" lvl="1" indent="0">
+              <a:buNone/>
+            </a:pPr>
+            <a:r>
+              <a:rPr lang="de-DE" sz="2600" dirty="0"/>
+              <a:t>	Image besteht aus  verschiedenen </a:t>
+            </a:r>
+            <a:r>
+              <a:rPr lang="de-DE" sz="2600" dirty="0" err="1"/>
+              <a:t>Layern</a:t>
+            </a:r>
+            <a:endParaRPr lang="de-DE" sz="2600" dirty="0"/>
+          </a:p>
+          <a:p>
+            <a:pPr>
               <a:buFontTx/>
               <a:buChar char="-"/>
             </a:pPr>
             <a:r>
               <a:rPr lang="de-DE" dirty="0"/>
-              <a:t>Öffentlich </a:t>
-            </a:r>
-          </a:p>
-          <a:p>
-            <a:pPr lvl="2">
-              <a:buFontTx/>
-              <a:buChar char="-"/>
+              <a:t>Container </a:t>
+            </a:r>
+          </a:p>
+          <a:p>
+            <a:pPr marL="457200" lvl="1" indent="0">
+              <a:buNone/>
             </a:pPr>
             <a:r>
               <a:rPr lang="de-DE" dirty="0"/>
-              <a:t>Privat </a:t>
-            </a:r>
-          </a:p>
-          <a:p>
-            <a:pPr lvl="1">
-              <a:buFontTx/>
-              <a:buChar char="-"/>
+              <a:t>	Laufende Instanz eines Images </a:t>
+            </a:r>
+          </a:p>
+          <a:p>
+            <a:pPr marL="457200" lvl="1" indent="0">
+              <a:buNone/>
             </a:pPr>
             <a:r>
               <a:rPr lang="de-DE" dirty="0"/>
-              <a:t>Versionierung / Bezeichnung über so genannte Tags</a:t>
-            </a:r>
-          </a:p>
-          <a:p>
-            <a:pPr lvl="2">
-              <a:buFontTx/>
-              <a:buChar char="-"/>
-            </a:pPr>
-            <a:r>
-              <a:rPr lang="de-DE" dirty="0"/>
-              <a:t>„</a:t>
-            </a:r>
-            <a:r>
-              <a:rPr lang="de-DE" dirty="0" err="1"/>
-              <a:t>latest</a:t>
-            </a:r>
-            <a:r>
-              <a:rPr lang="de-DE" dirty="0"/>
-              <a:t>“ Tag allgemein verwendet um den letzten Stand zu kennzeichnen</a:t>
-            </a:r>
-          </a:p>
-          <a:p>
-            <a:pPr lvl="1">
-              <a:buFontTx/>
-              <a:buChar char="-"/>
-            </a:pPr>
-            <a:r>
-              <a:rPr lang="de-DE" dirty="0"/>
-              <a:t>Cloud-Lösungen fürs Hosten einer Docker Registry verfügbar</a:t>
-            </a:r>
-          </a:p>
-          <a:p>
-            <a:pPr lvl="2">
-              <a:buFontTx/>
-              <a:buChar char="-"/>
-            </a:pPr>
-            <a:r>
-              <a:rPr lang="de-DE" dirty="0"/>
-              <a:t>Docker Hub</a:t>
-            </a:r>
-          </a:p>
-          <a:p>
-            <a:pPr lvl="2">
-              <a:buFontTx/>
-              <a:buChar char="-"/>
-            </a:pPr>
-            <a:r>
-              <a:rPr lang="de-DE" dirty="0"/>
-              <a:t>Azure Container Registry</a:t>
-            </a:r>
-          </a:p>
-          <a:p>
-            <a:pPr lvl="1">
-              <a:buFontTx/>
-              <a:buChar char="-"/>
-            </a:pPr>
-            <a:r>
-              <a:rPr lang="de-DE" dirty="0"/>
-              <a:t>Hosten on-</a:t>
-            </a:r>
-            <a:r>
-              <a:rPr lang="de-DE" dirty="0" err="1"/>
-              <a:t>premise</a:t>
-            </a:r>
-            <a:r>
-              <a:rPr lang="de-DE" dirty="0"/>
-              <a:t> möglich (Docker Registry existiert als Container-Lösung)</a:t>
-            </a:r>
-          </a:p>
-          <a:p>
-            <a:pPr marL="457200" lvl="1" indent="0">
-              <a:buNone/>
-            </a:pPr>
-            <a:endParaRPr lang="de-DE" dirty="0"/>
-          </a:p>
-          <a:p>
-            <a:pPr lvl="1">
-              <a:buFontTx/>
-              <a:buChar char="-"/>
-            </a:pPr>
-            <a:endParaRPr lang="de-DE" dirty="0"/>
+              <a:t>	Standardmäßig isoliert von anderen Containern </a:t>
+            </a:r>
           </a:p>
         </p:txBody>
       </p:sp>
     </p:spTree>
     <p:extLst>
       <p:ext uri="{BB962C8B-B14F-4D97-AF65-F5344CB8AC3E}">
-        <p14:creationId xmlns:p14="http://schemas.microsoft.com/office/powerpoint/2010/main" val="527236980"/>
+        <p14:creationId xmlns:p14="http://schemas.microsoft.com/office/powerpoint/2010/main" val="3854934188"/>
       </p:ext>
     </p:extLst>
   </p:cSld>
